--- a/World Choropleth of Countries Trade Balance.pptx
+++ b/World Choropleth of Countries Trade Balance.pptx
@@ -8,9 +8,12 @@
     <p:sldId id="256" r:id="rId2"/>
     <p:sldId id="259" r:id="rId3"/>
     <p:sldId id="261" r:id="rId4"/>
-    <p:sldId id="257" r:id="rId5"/>
-    <p:sldId id="258" r:id="rId6"/>
-    <p:sldId id="262" r:id="rId7"/>
+    <p:sldId id="264" r:id="rId5"/>
+    <p:sldId id="265" r:id="rId6"/>
+    <p:sldId id="266" r:id="rId7"/>
+    <p:sldId id="267" r:id="rId8"/>
+    <p:sldId id="268" r:id="rId9"/>
+    <p:sldId id="269" r:id="rId10"/>
   </p:sldIdLst>
   <p:sldSz cx="12192000" cy="6858000"/>
   <p:notesSz cx="6858000" cy="9144000"/>
@@ -115,6 +118,2451 @@
     </p:ext>
   </p:extLst>
 </p:presentation>
+</file>
+
+<file path=ppt/diagrams/colors1.xml><?xml version="1.0" encoding="utf-8"?>
+<dgm:colorsDef xmlns:dgm="http://schemas.openxmlformats.org/drawingml/2006/diagram" xmlns:a="http://schemas.openxmlformats.org/drawingml/2006/main" uniqueId="urn:microsoft.com/office/officeart/2005/8/colors/accent1_2">
+  <dgm:title val=""/>
+  <dgm:desc val=""/>
+  <dgm:catLst>
+    <dgm:cat type="accent1" pri="11200"/>
+  </dgm:catLst>
+  <dgm:styleLbl name="node0">
+    <dgm:fillClrLst meth="repeat">
+      <a:schemeClr val="accent1"/>
+    </dgm:fillClrLst>
+    <dgm:linClrLst meth="repeat">
+      <a:schemeClr val="lt1"/>
+    </dgm:linClrLst>
+    <dgm:effectClrLst/>
+    <dgm:txLinClrLst/>
+    <dgm:txFillClrLst/>
+    <dgm:txEffectClrLst/>
+  </dgm:styleLbl>
+  <dgm:styleLbl name="alignNode1">
+    <dgm:fillClrLst meth="repeat">
+      <a:schemeClr val="accent1"/>
+    </dgm:fillClrLst>
+    <dgm:linClrLst meth="repeat">
+      <a:schemeClr val="accent1"/>
+    </dgm:linClrLst>
+    <dgm:effectClrLst/>
+    <dgm:txLinClrLst/>
+    <dgm:txFillClrLst/>
+    <dgm:txEffectClrLst/>
+  </dgm:styleLbl>
+  <dgm:styleLbl name="node1">
+    <dgm:fillClrLst meth="repeat">
+      <a:schemeClr val="accent1"/>
+    </dgm:fillClrLst>
+    <dgm:linClrLst meth="repeat">
+      <a:schemeClr val="lt1"/>
+    </dgm:linClrLst>
+    <dgm:effectClrLst/>
+    <dgm:txLinClrLst/>
+    <dgm:txFillClrLst/>
+    <dgm:txEffectClrLst/>
+  </dgm:styleLbl>
+  <dgm:styleLbl name="lnNode1">
+    <dgm:fillClrLst meth="repeat">
+      <a:schemeClr val="accent1"/>
+    </dgm:fillClrLst>
+    <dgm:linClrLst meth="repeat">
+      <a:schemeClr val="lt1"/>
+    </dgm:linClrLst>
+    <dgm:effectClrLst/>
+    <dgm:txLinClrLst/>
+    <dgm:txFillClrLst/>
+    <dgm:txEffectClrLst/>
+  </dgm:styleLbl>
+  <dgm:styleLbl name="vennNode1">
+    <dgm:fillClrLst meth="repeat">
+      <a:schemeClr val="accent1">
+        <a:alpha val="50000"/>
+      </a:schemeClr>
+    </dgm:fillClrLst>
+    <dgm:linClrLst meth="repeat">
+      <a:schemeClr val="lt1"/>
+    </dgm:linClrLst>
+    <dgm:effectClrLst/>
+    <dgm:txLinClrLst/>
+    <dgm:txFillClrLst/>
+    <dgm:txEffectClrLst/>
+  </dgm:styleLbl>
+  <dgm:styleLbl name="node2">
+    <dgm:fillClrLst meth="repeat">
+      <a:schemeClr val="accent1"/>
+    </dgm:fillClrLst>
+    <dgm:linClrLst meth="repeat">
+      <a:schemeClr val="lt1"/>
+    </dgm:linClrLst>
+    <dgm:effectClrLst/>
+    <dgm:txLinClrLst/>
+    <dgm:txFillClrLst/>
+    <dgm:txEffectClrLst/>
+  </dgm:styleLbl>
+  <dgm:styleLbl name="node3">
+    <dgm:fillClrLst meth="repeat">
+      <a:schemeClr val="accent1"/>
+    </dgm:fillClrLst>
+    <dgm:linClrLst meth="repeat">
+      <a:schemeClr val="lt1"/>
+    </dgm:linClrLst>
+    <dgm:effectClrLst/>
+    <dgm:txLinClrLst/>
+    <dgm:txFillClrLst/>
+    <dgm:txEffectClrLst/>
+  </dgm:styleLbl>
+  <dgm:styleLbl name="node4">
+    <dgm:fillClrLst meth="repeat">
+      <a:schemeClr val="accent1"/>
+    </dgm:fillClrLst>
+    <dgm:linClrLst meth="repeat">
+      <a:schemeClr val="lt1"/>
+    </dgm:linClrLst>
+    <dgm:effectClrLst/>
+    <dgm:txLinClrLst/>
+    <dgm:txFillClrLst/>
+    <dgm:txEffectClrLst/>
+  </dgm:styleLbl>
+  <dgm:styleLbl name="fgImgPlace1">
+    <dgm:fillClrLst meth="repeat">
+      <a:schemeClr val="accent1">
+        <a:tint val="50000"/>
+      </a:schemeClr>
+    </dgm:fillClrLst>
+    <dgm:linClrLst meth="repeat">
+      <a:schemeClr val="lt1"/>
+    </dgm:linClrLst>
+    <dgm:effectClrLst/>
+    <dgm:txLinClrLst/>
+    <dgm:txFillClrLst meth="repeat">
+      <a:schemeClr val="lt1"/>
+    </dgm:txFillClrLst>
+    <dgm:txEffectClrLst/>
+  </dgm:styleLbl>
+  <dgm:styleLbl name="alignImgPlace1">
+    <dgm:fillClrLst meth="repeat">
+      <a:schemeClr val="accent1">
+        <a:tint val="50000"/>
+      </a:schemeClr>
+    </dgm:fillClrLst>
+    <dgm:linClrLst meth="repeat">
+      <a:schemeClr val="lt1"/>
+    </dgm:linClrLst>
+    <dgm:effectClrLst/>
+    <dgm:txLinClrLst/>
+    <dgm:txFillClrLst meth="repeat">
+      <a:schemeClr val="lt1"/>
+    </dgm:txFillClrLst>
+    <dgm:txEffectClrLst/>
+  </dgm:styleLbl>
+  <dgm:styleLbl name="bgImgPlace1">
+    <dgm:fillClrLst meth="repeat">
+      <a:schemeClr val="accent1">
+        <a:tint val="50000"/>
+      </a:schemeClr>
+    </dgm:fillClrLst>
+    <dgm:linClrLst meth="repeat">
+      <a:schemeClr val="lt1"/>
+    </dgm:linClrLst>
+    <dgm:effectClrLst/>
+    <dgm:txLinClrLst/>
+    <dgm:txFillClrLst meth="repeat">
+      <a:schemeClr val="lt1"/>
+    </dgm:txFillClrLst>
+    <dgm:txEffectClrLst/>
+  </dgm:styleLbl>
+  <dgm:styleLbl name="sibTrans2D1">
+    <dgm:fillClrLst meth="repeat">
+      <a:schemeClr val="accent1">
+        <a:tint val="60000"/>
+      </a:schemeClr>
+    </dgm:fillClrLst>
+    <dgm:linClrLst meth="repeat">
+      <a:schemeClr val="accent1">
+        <a:tint val="60000"/>
+      </a:schemeClr>
+    </dgm:linClrLst>
+    <dgm:effectClrLst/>
+    <dgm:txLinClrLst/>
+    <dgm:txFillClrLst/>
+    <dgm:txEffectClrLst/>
+  </dgm:styleLbl>
+  <dgm:styleLbl name="fgSibTrans2D1">
+    <dgm:fillClrLst meth="repeat">
+      <a:schemeClr val="accent1">
+        <a:tint val="60000"/>
+      </a:schemeClr>
+    </dgm:fillClrLst>
+    <dgm:linClrLst meth="repeat">
+      <a:schemeClr val="accent1">
+        <a:tint val="60000"/>
+      </a:schemeClr>
+    </dgm:linClrLst>
+    <dgm:effectClrLst/>
+    <dgm:txLinClrLst/>
+    <dgm:txFillClrLst/>
+    <dgm:txEffectClrLst/>
+  </dgm:styleLbl>
+  <dgm:styleLbl name="bgSibTrans2D1">
+    <dgm:fillClrLst meth="repeat">
+      <a:schemeClr val="accent1">
+        <a:tint val="60000"/>
+      </a:schemeClr>
+    </dgm:fillClrLst>
+    <dgm:linClrLst meth="repeat">
+      <a:schemeClr val="accent1">
+        <a:tint val="60000"/>
+      </a:schemeClr>
+    </dgm:linClrLst>
+    <dgm:effectClrLst/>
+    <dgm:txLinClrLst/>
+    <dgm:txFillClrLst/>
+    <dgm:txEffectClrLst/>
+  </dgm:styleLbl>
+  <dgm:styleLbl name="sibTrans1D1">
+    <dgm:fillClrLst meth="repeat">
+      <a:schemeClr val="accent1"/>
+    </dgm:fillClrLst>
+    <dgm:linClrLst meth="repeat">
+      <a:schemeClr val="accent1"/>
+    </dgm:linClrLst>
+    <dgm:effectClrLst/>
+    <dgm:txLinClrLst/>
+    <dgm:txFillClrLst meth="repeat">
+      <a:schemeClr val="tx1"/>
+    </dgm:txFillClrLst>
+    <dgm:txEffectClrLst/>
+  </dgm:styleLbl>
+  <dgm:styleLbl name="callout">
+    <dgm:fillClrLst meth="repeat">
+      <a:schemeClr val="accent1"/>
+    </dgm:fillClrLst>
+    <dgm:linClrLst meth="repeat">
+      <a:schemeClr val="accent1">
+        <a:tint val="50000"/>
+      </a:schemeClr>
+    </dgm:linClrLst>
+    <dgm:effectClrLst/>
+    <dgm:txLinClrLst/>
+    <dgm:txFillClrLst meth="repeat">
+      <a:schemeClr val="tx1"/>
+    </dgm:txFillClrLst>
+    <dgm:txEffectClrLst/>
+  </dgm:styleLbl>
+  <dgm:styleLbl name="asst0">
+    <dgm:fillClrLst meth="repeat">
+      <a:schemeClr val="accent1"/>
+    </dgm:fillClrLst>
+    <dgm:linClrLst meth="repeat">
+      <a:schemeClr val="lt1"/>
+    </dgm:linClrLst>
+    <dgm:effectClrLst/>
+    <dgm:txLinClrLst/>
+    <dgm:txFillClrLst/>
+    <dgm:txEffectClrLst/>
+  </dgm:styleLbl>
+  <dgm:styleLbl name="asst1">
+    <dgm:fillClrLst meth="repeat">
+      <a:schemeClr val="accent1"/>
+    </dgm:fillClrLst>
+    <dgm:linClrLst meth="repeat">
+      <a:schemeClr val="lt1"/>
+    </dgm:linClrLst>
+    <dgm:effectClrLst/>
+    <dgm:txLinClrLst/>
+    <dgm:txFillClrLst/>
+    <dgm:txEffectClrLst/>
+  </dgm:styleLbl>
+  <dgm:styleLbl name="asst2">
+    <dgm:fillClrLst meth="repeat">
+      <a:schemeClr val="accent1"/>
+    </dgm:fillClrLst>
+    <dgm:linClrLst meth="repeat">
+      <a:schemeClr val="lt1"/>
+    </dgm:linClrLst>
+    <dgm:effectClrLst/>
+    <dgm:txLinClrLst/>
+    <dgm:txFillClrLst/>
+    <dgm:txEffectClrLst/>
+  </dgm:styleLbl>
+  <dgm:styleLbl name="asst3">
+    <dgm:fillClrLst meth="repeat">
+      <a:schemeClr val="accent1"/>
+    </dgm:fillClrLst>
+    <dgm:linClrLst meth="repeat">
+      <a:schemeClr val="lt1"/>
+    </dgm:linClrLst>
+    <dgm:effectClrLst/>
+    <dgm:txLinClrLst/>
+    <dgm:txFillClrLst/>
+    <dgm:txEffectClrLst/>
+  </dgm:styleLbl>
+  <dgm:styleLbl name="asst4">
+    <dgm:fillClrLst meth="repeat">
+      <a:schemeClr val="accent1"/>
+    </dgm:fillClrLst>
+    <dgm:linClrLst meth="repeat">
+      <a:schemeClr val="lt1"/>
+    </dgm:linClrLst>
+    <dgm:effectClrLst/>
+    <dgm:txLinClrLst/>
+    <dgm:txFillClrLst/>
+    <dgm:txEffectClrLst/>
+  </dgm:styleLbl>
+  <dgm:styleLbl name="parChTrans2D1">
+    <dgm:fillClrLst meth="repeat">
+      <a:schemeClr val="accent1">
+        <a:tint val="60000"/>
+      </a:schemeClr>
+    </dgm:fillClrLst>
+    <dgm:linClrLst meth="repeat">
+      <a:schemeClr val="accent1">
+        <a:tint val="60000"/>
+      </a:schemeClr>
+    </dgm:linClrLst>
+    <dgm:effectClrLst/>
+    <dgm:txLinClrLst/>
+    <dgm:txFillClrLst meth="repeat">
+      <a:schemeClr val="lt1"/>
+    </dgm:txFillClrLst>
+    <dgm:txEffectClrLst/>
+  </dgm:styleLbl>
+  <dgm:styleLbl name="parChTrans2D2">
+    <dgm:fillClrLst meth="repeat">
+      <a:schemeClr val="accent1"/>
+    </dgm:fillClrLst>
+    <dgm:linClrLst meth="repeat">
+      <a:schemeClr val="accent1"/>
+    </dgm:linClrLst>
+    <dgm:effectClrLst/>
+    <dgm:txLinClrLst/>
+    <dgm:txFillClrLst meth="repeat">
+      <a:schemeClr val="lt1"/>
+    </dgm:txFillClrLst>
+    <dgm:txEffectClrLst/>
+  </dgm:styleLbl>
+  <dgm:styleLbl name="parChTrans2D3">
+    <dgm:fillClrLst meth="repeat">
+      <a:schemeClr val="accent1"/>
+    </dgm:fillClrLst>
+    <dgm:linClrLst meth="repeat">
+      <a:schemeClr val="accent1"/>
+    </dgm:linClrLst>
+    <dgm:effectClrLst/>
+    <dgm:txLinClrLst/>
+    <dgm:txFillClrLst meth="repeat">
+      <a:schemeClr val="lt1"/>
+    </dgm:txFillClrLst>
+    <dgm:txEffectClrLst/>
+  </dgm:styleLbl>
+  <dgm:styleLbl name="parChTrans2D4">
+    <dgm:fillClrLst meth="repeat">
+      <a:schemeClr val="accent1"/>
+    </dgm:fillClrLst>
+    <dgm:linClrLst meth="repeat">
+      <a:schemeClr val="accent1"/>
+    </dgm:linClrLst>
+    <dgm:effectClrLst/>
+    <dgm:txLinClrLst/>
+    <dgm:txFillClrLst meth="repeat">
+      <a:schemeClr val="lt1"/>
+    </dgm:txFillClrLst>
+    <dgm:txEffectClrLst/>
+  </dgm:styleLbl>
+  <dgm:styleLbl name="parChTrans1D1">
+    <dgm:fillClrLst meth="repeat">
+      <a:schemeClr val="accent1"/>
+    </dgm:fillClrLst>
+    <dgm:linClrLst meth="repeat">
+      <a:schemeClr val="accent1">
+        <a:shade val="60000"/>
+      </a:schemeClr>
+    </dgm:linClrLst>
+    <dgm:effectClrLst/>
+    <dgm:txLinClrLst/>
+    <dgm:txFillClrLst meth="repeat">
+      <a:schemeClr val="tx1"/>
+    </dgm:txFillClrLst>
+    <dgm:txEffectClrLst/>
+  </dgm:styleLbl>
+  <dgm:styleLbl name="parChTrans1D2">
+    <dgm:fillClrLst meth="repeat">
+      <a:schemeClr val="accent1"/>
+    </dgm:fillClrLst>
+    <dgm:linClrLst meth="repeat">
+      <a:schemeClr val="accent1">
+        <a:shade val="60000"/>
+      </a:schemeClr>
+    </dgm:linClrLst>
+    <dgm:effectClrLst/>
+    <dgm:txLinClrLst/>
+    <dgm:txFillClrLst meth="repeat">
+      <a:schemeClr val="tx1"/>
+    </dgm:txFillClrLst>
+    <dgm:txEffectClrLst/>
+  </dgm:styleLbl>
+  <dgm:styleLbl name="parChTrans1D3">
+    <dgm:fillClrLst meth="repeat">
+      <a:schemeClr val="accent1"/>
+    </dgm:fillClrLst>
+    <dgm:linClrLst meth="repeat">
+      <a:schemeClr val="accent1">
+        <a:shade val="80000"/>
+      </a:schemeClr>
+    </dgm:linClrLst>
+    <dgm:effectClrLst/>
+    <dgm:txLinClrLst/>
+    <dgm:txFillClrLst meth="repeat">
+      <a:schemeClr val="tx1"/>
+    </dgm:txFillClrLst>
+    <dgm:txEffectClrLst/>
+  </dgm:styleLbl>
+  <dgm:styleLbl name="parChTrans1D4">
+    <dgm:fillClrLst meth="repeat">
+      <a:schemeClr val="accent1"/>
+    </dgm:fillClrLst>
+    <dgm:linClrLst meth="repeat">
+      <a:schemeClr val="accent1">
+        <a:shade val="80000"/>
+      </a:schemeClr>
+    </dgm:linClrLst>
+    <dgm:effectClrLst/>
+    <dgm:txLinClrLst/>
+    <dgm:txFillClrLst meth="repeat">
+      <a:schemeClr val="tx1"/>
+    </dgm:txFillClrLst>
+    <dgm:txEffectClrLst/>
+  </dgm:styleLbl>
+  <dgm:styleLbl name="fgAcc1">
+    <dgm:fillClrLst meth="repeat">
+      <a:schemeClr val="lt1">
+        <a:alpha val="90000"/>
+      </a:schemeClr>
+    </dgm:fillClrLst>
+    <dgm:linClrLst meth="repeat">
+      <a:schemeClr val="accent1"/>
+    </dgm:linClrLst>
+    <dgm:effectClrLst/>
+    <dgm:txLinClrLst/>
+    <dgm:txFillClrLst meth="repeat">
+      <a:schemeClr val="dk1"/>
+    </dgm:txFillClrLst>
+    <dgm:txEffectClrLst/>
+  </dgm:styleLbl>
+  <dgm:styleLbl name="conFgAcc1">
+    <dgm:fillClrLst meth="repeat">
+      <a:schemeClr val="lt1">
+        <a:alpha val="90000"/>
+      </a:schemeClr>
+    </dgm:fillClrLst>
+    <dgm:linClrLst meth="repeat">
+      <a:schemeClr val="accent1"/>
+    </dgm:linClrLst>
+    <dgm:effectClrLst/>
+    <dgm:txLinClrLst/>
+    <dgm:txFillClrLst meth="repeat">
+      <a:schemeClr val="dk1"/>
+    </dgm:txFillClrLst>
+    <dgm:txEffectClrLst/>
+  </dgm:styleLbl>
+  <dgm:styleLbl name="alignAcc1">
+    <dgm:fillClrLst meth="repeat">
+      <a:schemeClr val="lt1">
+        <a:alpha val="90000"/>
+      </a:schemeClr>
+    </dgm:fillClrLst>
+    <dgm:linClrLst meth="repeat">
+      <a:schemeClr val="accent1"/>
+    </dgm:linClrLst>
+    <dgm:effectClrLst/>
+    <dgm:txLinClrLst/>
+    <dgm:txFillClrLst meth="repeat">
+      <a:schemeClr val="dk1"/>
+    </dgm:txFillClrLst>
+    <dgm:txEffectClrLst/>
+  </dgm:styleLbl>
+  <dgm:styleLbl name="trAlignAcc1">
+    <dgm:fillClrLst meth="repeat">
+      <a:schemeClr val="lt1">
+        <a:alpha val="40000"/>
+      </a:schemeClr>
+    </dgm:fillClrLst>
+    <dgm:linClrLst meth="repeat">
+      <a:schemeClr val="accent1"/>
+    </dgm:linClrLst>
+    <dgm:effectClrLst/>
+    <dgm:txLinClrLst/>
+    <dgm:txFillClrLst meth="repeat">
+      <a:schemeClr val="dk1"/>
+    </dgm:txFillClrLst>
+    <dgm:txEffectClrLst/>
+  </dgm:styleLbl>
+  <dgm:styleLbl name="bgAcc1">
+    <dgm:fillClrLst meth="repeat">
+      <a:schemeClr val="lt1">
+        <a:alpha val="90000"/>
+      </a:schemeClr>
+    </dgm:fillClrLst>
+    <dgm:linClrLst meth="repeat">
+      <a:schemeClr val="accent1"/>
+    </dgm:linClrLst>
+    <dgm:effectClrLst/>
+    <dgm:txLinClrLst/>
+    <dgm:txFillClrLst meth="repeat">
+      <a:schemeClr val="dk1"/>
+    </dgm:txFillClrLst>
+    <dgm:txEffectClrLst/>
+  </dgm:styleLbl>
+  <dgm:styleLbl name="solidFgAcc1">
+    <dgm:fillClrLst meth="repeat">
+      <a:schemeClr val="lt1"/>
+    </dgm:fillClrLst>
+    <dgm:linClrLst meth="repeat">
+      <a:schemeClr val="accent1"/>
+    </dgm:linClrLst>
+    <dgm:effectClrLst/>
+    <dgm:txLinClrLst/>
+    <dgm:txFillClrLst meth="repeat">
+      <a:schemeClr val="dk1"/>
+    </dgm:txFillClrLst>
+    <dgm:txEffectClrLst/>
+  </dgm:styleLbl>
+  <dgm:styleLbl name="solidAlignAcc1">
+    <dgm:fillClrLst meth="repeat">
+      <a:schemeClr val="lt1"/>
+    </dgm:fillClrLst>
+    <dgm:linClrLst meth="repeat">
+      <a:schemeClr val="accent1"/>
+    </dgm:linClrLst>
+    <dgm:effectClrLst/>
+    <dgm:txLinClrLst/>
+    <dgm:txFillClrLst meth="repeat">
+      <a:schemeClr val="dk1"/>
+    </dgm:txFillClrLst>
+    <dgm:txEffectClrLst/>
+  </dgm:styleLbl>
+  <dgm:styleLbl name="solidBgAcc1">
+    <dgm:fillClrLst meth="repeat">
+      <a:schemeClr val="lt1"/>
+    </dgm:fillClrLst>
+    <dgm:linClrLst meth="repeat">
+      <a:schemeClr val="accent1"/>
+    </dgm:linClrLst>
+    <dgm:effectClrLst/>
+    <dgm:txLinClrLst/>
+    <dgm:txFillClrLst meth="repeat">
+      <a:schemeClr val="dk1"/>
+    </dgm:txFillClrLst>
+    <dgm:txEffectClrLst/>
+  </dgm:styleLbl>
+  <dgm:styleLbl name="fgAccFollowNode1">
+    <dgm:fillClrLst meth="repeat">
+      <a:schemeClr val="accent1">
+        <a:alpha val="90000"/>
+        <a:tint val="40000"/>
+      </a:schemeClr>
+    </dgm:fillClrLst>
+    <dgm:linClrLst meth="repeat">
+      <a:schemeClr val="accent1">
+        <a:alpha val="90000"/>
+        <a:tint val="40000"/>
+      </a:schemeClr>
+    </dgm:linClrLst>
+    <dgm:effectClrLst/>
+    <dgm:txLinClrLst/>
+    <dgm:txFillClrLst meth="repeat">
+      <a:schemeClr val="dk1"/>
+    </dgm:txFillClrLst>
+    <dgm:txEffectClrLst/>
+  </dgm:styleLbl>
+  <dgm:styleLbl name="alignAccFollowNode1">
+    <dgm:fillClrLst meth="repeat">
+      <a:schemeClr val="accent1">
+        <a:alpha val="90000"/>
+        <a:tint val="40000"/>
+      </a:schemeClr>
+    </dgm:fillClrLst>
+    <dgm:linClrLst meth="repeat">
+      <a:schemeClr val="accent1">
+        <a:alpha val="90000"/>
+        <a:tint val="40000"/>
+      </a:schemeClr>
+    </dgm:linClrLst>
+    <dgm:effectClrLst/>
+    <dgm:txLinClrLst/>
+    <dgm:txFillClrLst meth="repeat">
+      <a:schemeClr val="dk1"/>
+    </dgm:txFillClrLst>
+    <dgm:txEffectClrLst/>
+  </dgm:styleLbl>
+  <dgm:styleLbl name="bgAccFollowNode1">
+    <dgm:fillClrLst meth="repeat">
+      <a:schemeClr val="accent1">
+        <a:alpha val="90000"/>
+        <a:tint val="40000"/>
+      </a:schemeClr>
+    </dgm:fillClrLst>
+    <dgm:linClrLst meth="repeat">
+      <a:schemeClr val="accent1">
+        <a:alpha val="90000"/>
+        <a:tint val="40000"/>
+      </a:schemeClr>
+    </dgm:linClrLst>
+    <dgm:effectClrLst/>
+    <dgm:txLinClrLst/>
+    <dgm:txFillClrLst meth="repeat">
+      <a:schemeClr val="dk1"/>
+    </dgm:txFillClrLst>
+    <dgm:txEffectClrLst/>
+  </dgm:styleLbl>
+  <dgm:styleLbl name="fgAcc0">
+    <dgm:fillClrLst meth="repeat">
+      <a:schemeClr val="lt1">
+        <a:alpha val="90000"/>
+      </a:schemeClr>
+    </dgm:fillClrLst>
+    <dgm:linClrLst meth="repeat">
+      <a:schemeClr val="accent1"/>
+    </dgm:linClrLst>
+    <dgm:effectClrLst/>
+    <dgm:txLinClrLst/>
+    <dgm:txFillClrLst meth="repeat">
+      <a:schemeClr val="dk1"/>
+    </dgm:txFillClrLst>
+    <dgm:txEffectClrLst/>
+  </dgm:styleLbl>
+  <dgm:styleLbl name="fgAcc2">
+    <dgm:fillClrLst meth="repeat">
+      <a:schemeClr val="lt1">
+        <a:alpha val="90000"/>
+      </a:schemeClr>
+    </dgm:fillClrLst>
+    <dgm:linClrLst meth="repeat">
+      <a:schemeClr val="accent1"/>
+    </dgm:linClrLst>
+    <dgm:effectClrLst/>
+    <dgm:txLinClrLst/>
+    <dgm:txFillClrLst meth="repeat">
+      <a:schemeClr val="dk1"/>
+    </dgm:txFillClrLst>
+    <dgm:txEffectClrLst/>
+  </dgm:styleLbl>
+  <dgm:styleLbl name="fgAcc3">
+    <dgm:fillClrLst meth="repeat">
+      <a:schemeClr val="lt1">
+        <a:alpha val="90000"/>
+      </a:schemeClr>
+    </dgm:fillClrLst>
+    <dgm:linClrLst meth="repeat">
+      <a:schemeClr val="accent1"/>
+    </dgm:linClrLst>
+    <dgm:effectClrLst/>
+    <dgm:txLinClrLst/>
+    <dgm:txFillClrLst meth="repeat">
+      <a:schemeClr val="dk1"/>
+    </dgm:txFillClrLst>
+    <dgm:txEffectClrLst/>
+  </dgm:styleLbl>
+  <dgm:styleLbl name="fgAcc4">
+    <dgm:fillClrLst meth="repeat">
+      <a:schemeClr val="lt1">
+        <a:alpha val="90000"/>
+      </a:schemeClr>
+    </dgm:fillClrLst>
+    <dgm:linClrLst meth="repeat">
+      <a:schemeClr val="accent1"/>
+    </dgm:linClrLst>
+    <dgm:effectClrLst/>
+    <dgm:txLinClrLst/>
+    <dgm:txFillClrLst meth="repeat">
+      <a:schemeClr val="dk1"/>
+    </dgm:txFillClrLst>
+    <dgm:txEffectClrLst/>
+  </dgm:styleLbl>
+  <dgm:styleLbl name="bgShp">
+    <dgm:fillClrLst meth="repeat">
+      <a:schemeClr val="accent1">
+        <a:tint val="40000"/>
+      </a:schemeClr>
+    </dgm:fillClrLst>
+    <dgm:linClrLst meth="repeat">
+      <a:schemeClr val="accent1"/>
+    </dgm:linClrLst>
+    <dgm:effectClrLst/>
+    <dgm:txLinClrLst/>
+    <dgm:txFillClrLst meth="repeat">
+      <a:schemeClr val="dk1"/>
+    </dgm:txFillClrLst>
+    <dgm:txEffectClrLst/>
+  </dgm:styleLbl>
+  <dgm:styleLbl name="dkBgShp">
+    <dgm:fillClrLst meth="repeat">
+      <a:schemeClr val="accent1">
+        <a:shade val="80000"/>
+      </a:schemeClr>
+    </dgm:fillClrLst>
+    <dgm:linClrLst meth="repeat">
+      <a:schemeClr val="accent1"/>
+    </dgm:linClrLst>
+    <dgm:effectClrLst/>
+    <dgm:txLinClrLst/>
+    <dgm:txFillClrLst meth="repeat">
+      <a:schemeClr val="lt1"/>
+    </dgm:txFillClrLst>
+    <dgm:txEffectClrLst/>
+  </dgm:styleLbl>
+  <dgm:styleLbl name="trBgShp">
+    <dgm:fillClrLst meth="repeat">
+      <a:schemeClr val="accent1">
+        <a:tint val="50000"/>
+        <a:alpha val="40000"/>
+      </a:schemeClr>
+    </dgm:fillClrLst>
+    <dgm:linClrLst meth="repeat">
+      <a:schemeClr val="accent1"/>
+    </dgm:linClrLst>
+    <dgm:effectClrLst/>
+    <dgm:txLinClrLst/>
+    <dgm:txFillClrLst meth="repeat">
+      <a:schemeClr val="lt1"/>
+    </dgm:txFillClrLst>
+    <dgm:txEffectClrLst/>
+  </dgm:styleLbl>
+  <dgm:styleLbl name="fgShp">
+    <dgm:fillClrLst meth="repeat">
+      <a:schemeClr val="accent1">
+        <a:tint val="60000"/>
+      </a:schemeClr>
+    </dgm:fillClrLst>
+    <dgm:linClrLst meth="repeat">
+      <a:schemeClr val="lt1"/>
+    </dgm:linClrLst>
+    <dgm:effectClrLst/>
+    <dgm:txLinClrLst/>
+    <dgm:txFillClrLst meth="repeat">
+      <a:schemeClr val="dk1"/>
+    </dgm:txFillClrLst>
+    <dgm:txEffectClrLst/>
+  </dgm:styleLbl>
+  <dgm:styleLbl name="revTx">
+    <dgm:fillClrLst meth="repeat">
+      <a:schemeClr val="lt1">
+        <a:alpha val="0"/>
+      </a:schemeClr>
+    </dgm:fillClrLst>
+    <dgm:linClrLst meth="repeat">
+      <a:schemeClr val="dk1">
+        <a:alpha val="0"/>
+      </a:schemeClr>
+    </dgm:linClrLst>
+    <dgm:effectClrLst/>
+    <dgm:txLinClrLst/>
+    <dgm:txFillClrLst meth="repeat">
+      <a:schemeClr val="tx1"/>
+    </dgm:txFillClrLst>
+    <dgm:txEffectClrLst/>
+  </dgm:styleLbl>
+</dgm:colorsDef>
+</file>
+
+<file path=ppt/diagrams/data1.xml><?xml version="1.0" encoding="utf-8"?>
+<dgm:dataModel xmlns:dgm="http://schemas.openxmlformats.org/drawingml/2006/diagram" xmlns:a="http://schemas.openxmlformats.org/drawingml/2006/main">
+  <dgm:ptLst>
+    <dgm:pt modelId="{E9054AEC-D786-4ACE-9719-E0919AC432D2}" type="doc">
+      <dgm:prSet loTypeId="urn:microsoft.com/office/officeart/2018/2/layout/IconLabelList" loCatId="icon" qsTypeId="urn:microsoft.com/office/officeart/2005/8/quickstyle/simple1" qsCatId="simple" csTypeId="urn:microsoft.com/office/officeart/2005/8/colors/accent1_2" csCatId="accent1" phldr="1"/>
+      <dgm:spPr/>
+      <dgm:t>
+        <a:bodyPr/>
+        <a:lstStyle/>
+        <a:p>
+          <a:endParaRPr lang="en-US"/>
+        </a:p>
+      </dgm:t>
+    </dgm:pt>
+    <dgm:pt modelId="{1152EC0F-AA81-44A9-A1F4-88C322904DA6}">
+      <dgm:prSet/>
+      <dgm:spPr/>
+      <dgm:t>
+        <a:bodyPr/>
+        <a:lstStyle/>
+        <a:p>
+          <a:pPr>
+            <a:lnSpc>
+              <a:spcPct val="100000"/>
+            </a:lnSpc>
+          </a:pPr>
+          <a:r>
+            <a:rPr lang="en-MY">
+              <a:hlinkClick xmlns:r="http://schemas.openxmlformats.org/officeDocument/2006/relationships" r:id="rId1"/>
+            </a:rPr>
+            <a:t>https://world-trade-balance.herokuapp.com/</a:t>
+          </a:r>
+          <a:endParaRPr lang="en-US"/>
+        </a:p>
+      </dgm:t>
+    </dgm:pt>
+    <dgm:pt modelId="{B9340D05-3E25-401D-8DBB-956E0AF8EB73}" type="parTrans" cxnId="{0F332D83-99D4-40EE-BE54-053373F700FB}">
+      <dgm:prSet/>
+      <dgm:spPr/>
+      <dgm:t>
+        <a:bodyPr/>
+        <a:lstStyle/>
+        <a:p>
+          <a:endParaRPr lang="en-US"/>
+        </a:p>
+      </dgm:t>
+    </dgm:pt>
+    <dgm:pt modelId="{6829D88B-954D-407F-A230-5EDFD6E2DD54}" type="sibTrans" cxnId="{0F332D83-99D4-40EE-BE54-053373F700FB}">
+      <dgm:prSet/>
+      <dgm:spPr/>
+      <dgm:t>
+        <a:bodyPr/>
+        <a:lstStyle/>
+        <a:p>
+          <a:endParaRPr lang="en-US"/>
+        </a:p>
+      </dgm:t>
+    </dgm:pt>
+    <dgm:pt modelId="{4167AFCD-AB3C-4C86-8967-B98A893E54F2}">
+      <dgm:prSet/>
+      <dgm:spPr/>
+      <dgm:t>
+        <a:bodyPr/>
+        <a:lstStyle/>
+        <a:p>
+          <a:pPr>
+            <a:lnSpc>
+              <a:spcPct val="100000"/>
+            </a:lnSpc>
+          </a:pPr>
+          <a:r>
+            <a:rPr lang="en-MY"/>
+            <a:t>Check it out!!</a:t>
+          </a:r>
+          <a:endParaRPr lang="en-US"/>
+        </a:p>
+      </dgm:t>
+    </dgm:pt>
+    <dgm:pt modelId="{532BD744-4E5D-4A39-82A3-C458B5FD9A53}" type="parTrans" cxnId="{E3B34CB5-0693-4FC8-8175-38C89A1F3DBD}">
+      <dgm:prSet/>
+      <dgm:spPr/>
+      <dgm:t>
+        <a:bodyPr/>
+        <a:lstStyle/>
+        <a:p>
+          <a:endParaRPr lang="en-US"/>
+        </a:p>
+      </dgm:t>
+    </dgm:pt>
+    <dgm:pt modelId="{123D3AE4-B03D-4F63-A484-3CA47875BB68}" type="sibTrans" cxnId="{E3B34CB5-0693-4FC8-8175-38C89A1F3DBD}">
+      <dgm:prSet/>
+      <dgm:spPr/>
+      <dgm:t>
+        <a:bodyPr/>
+        <a:lstStyle/>
+        <a:p>
+          <a:endParaRPr lang="en-US"/>
+        </a:p>
+      </dgm:t>
+    </dgm:pt>
+    <dgm:pt modelId="{63923C98-895A-4B96-AECF-9638E6349DEA}" type="pres">
+      <dgm:prSet presAssocID="{E9054AEC-D786-4ACE-9719-E0919AC432D2}" presName="root" presStyleCnt="0">
+        <dgm:presLayoutVars>
+          <dgm:dir/>
+          <dgm:resizeHandles val="exact"/>
+        </dgm:presLayoutVars>
+      </dgm:prSet>
+      <dgm:spPr/>
+    </dgm:pt>
+    <dgm:pt modelId="{5FB563CD-0762-4125-BE1C-B083251B6910}" type="pres">
+      <dgm:prSet presAssocID="{1152EC0F-AA81-44A9-A1F4-88C322904DA6}" presName="compNode" presStyleCnt="0"/>
+      <dgm:spPr/>
+    </dgm:pt>
+    <dgm:pt modelId="{8BC6BBCB-F596-4B57-AF5B-8CFA7BAD92A4}" type="pres">
+      <dgm:prSet presAssocID="{1152EC0F-AA81-44A9-A1F4-88C322904DA6}" presName="iconRect" presStyleLbl="node1" presStyleIdx="0" presStyleCnt="2"/>
+      <dgm:spPr>
+        <a:blipFill>
+          <a:blip xmlns:r="http://schemas.openxmlformats.org/officeDocument/2006/relationships" r:embed="rId2">
+            <a:extLst>
+              <a:ext uri="{28A0092B-C50C-407E-A947-70E740481C1C}">
+                <a14:useLocalDpi xmlns:a14="http://schemas.microsoft.com/office/drawing/2010/main" val="0"/>
+              </a:ext>
+              <a:ext uri="{96DAC541-7B7A-43D3-8B79-37D633B846F1}">
+                <asvg:svgBlip xmlns:asvg="http://schemas.microsoft.com/office/drawing/2016/SVG/main" r:embed="rId3"/>
+              </a:ext>
+            </a:extLst>
+          </a:blip>
+          <a:stretch>
+            <a:fillRect/>
+          </a:stretch>
+        </a:blipFill>
+      </dgm:spPr>
+      <dgm:extLst>
+        <a:ext uri="{E40237B7-FDA0-4F09-8148-C483321AD2D9}">
+          <dgm14:cNvPr xmlns:dgm14="http://schemas.microsoft.com/office/drawing/2010/diagram" id="0" name="" descr="Earth Globe Americas"/>
+        </a:ext>
+      </dgm:extLst>
+    </dgm:pt>
+    <dgm:pt modelId="{E43E2BF2-E887-460E-ADAC-F5CFBD22214E}" type="pres">
+      <dgm:prSet presAssocID="{1152EC0F-AA81-44A9-A1F4-88C322904DA6}" presName="spaceRect" presStyleCnt="0"/>
+      <dgm:spPr/>
+    </dgm:pt>
+    <dgm:pt modelId="{93529E05-0B6B-445D-93A5-1DD3348DC503}" type="pres">
+      <dgm:prSet presAssocID="{1152EC0F-AA81-44A9-A1F4-88C322904DA6}" presName="textRect" presStyleLbl="revTx" presStyleIdx="0" presStyleCnt="2">
+        <dgm:presLayoutVars>
+          <dgm:chMax val="1"/>
+          <dgm:chPref val="1"/>
+        </dgm:presLayoutVars>
+      </dgm:prSet>
+      <dgm:spPr/>
+    </dgm:pt>
+    <dgm:pt modelId="{16B36FEC-CA72-43F6-9D54-E372EAA69F90}" type="pres">
+      <dgm:prSet presAssocID="{6829D88B-954D-407F-A230-5EDFD6E2DD54}" presName="sibTrans" presStyleCnt="0"/>
+      <dgm:spPr/>
+    </dgm:pt>
+    <dgm:pt modelId="{41FAE1EE-BF53-4492-A5FF-7A7BEAFDBDAE}" type="pres">
+      <dgm:prSet presAssocID="{4167AFCD-AB3C-4C86-8967-B98A893E54F2}" presName="compNode" presStyleCnt="0"/>
+      <dgm:spPr/>
+    </dgm:pt>
+    <dgm:pt modelId="{57605016-0D6C-48B2-8D41-1BBEAE8589FB}" type="pres">
+      <dgm:prSet presAssocID="{4167AFCD-AB3C-4C86-8967-B98A893E54F2}" presName="iconRect" presStyleLbl="node1" presStyleIdx="1" presStyleCnt="2"/>
+      <dgm:spPr>
+        <a:blipFill>
+          <a:blip xmlns:r="http://schemas.openxmlformats.org/officeDocument/2006/relationships" r:embed="rId4">
+            <a:extLst>
+              <a:ext uri="{28A0092B-C50C-407E-A947-70E740481C1C}">
+                <a14:useLocalDpi xmlns:a14="http://schemas.microsoft.com/office/drawing/2010/main" val="0"/>
+              </a:ext>
+              <a:ext uri="{96DAC541-7B7A-43D3-8B79-37D633B846F1}">
+                <asvg:svgBlip xmlns:asvg="http://schemas.microsoft.com/office/drawing/2016/SVG/main" r:embed="rId5"/>
+              </a:ext>
+            </a:extLst>
+          </a:blip>
+          <a:stretch>
+            <a:fillRect/>
+          </a:stretch>
+        </a:blipFill>
+      </dgm:spPr>
+      <dgm:extLst>
+        <a:ext uri="{E40237B7-FDA0-4F09-8148-C483321AD2D9}">
+          <dgm14:cNvPr xmlns:dgm14="http://schemas.microsoft.com/office/drawing/2010/diagram" id="0" name="" descr="Bank Check"/>
+        </a:ext>
+      </dgm:extLst>
+    </dgm:pt>
+    <dgm:pt modelId="{184643AA-921A-4726-B222-B033ECADECFF}" type="pres">
+      <dgm:prSet presAssocID="{4167AFCD-AB3C-4C86-8967-B98A893E54F2}" presName="spaceRect" presStyleCnt="0"/>
+      <dgm:spPr/>
+    </dgm:pt>
+    <dgm:pt modelId="{4DD9C7C1-22B9-4DFF-8F28-D2936B22F79B}" type="pres">
+      <dgm:prSet presAssocID="{4167AFCD-AB3C-4C86-8967-B98A893E54F2}" presName="textRect" presStyleLbl="revTx" presStyleIdx="1" presStyleCnt="2">
+        <dgm:presLayoutVars>
+          <dgm:chMax val="1"/>
+          <dgm:chPref val="1"/>
+        </dgm:presLayoutVars>
+      </dgm:prSet>
+      <dgm:spPr/>
+    </dgm:pt>
+  </dgm:ptLst>
+  <dgm:cxnLst>
+    <dgm:cxn modelId="{7A486A08-C7C5-4460-BCEB-3A79E7B1E920}" type="presOf" srcId="{E9054AEC-D786-4ACE-9719-E0919AC432D2}" destId="{63923C98-895A-4B96-AECF-9638E6349DEA}" srcOrd="0" destOrd="0" presId="urn:microsoft.com/office/officeart/2018/2/layout/IconLabelList"/>
+    <dgm:cxn modelId="{E66B0F1C-1413-4436-A072-E205F17A244A}" type="presOf" srcId="{1152EC0F-AA81-44A9-A1F4-88C322904DA6}" destId="{93529E05-0B6B-445D-93A5-1DD3348DC503}" srcOrd="0" destOrd="0" presId="urn:microsoft.com/office/officeart/2018/2/layout/IconLabelList"/>
+    <dgm:cxn modelId="{0F332D83-99D4-40EE-BE54-053373F700FB}" srcId="{E9054AEC-D786-4ACE-9719-E0919AC432D2}" destId="{1152EC0F-AA81-44A9-A1F4-88C322904DA6}" srcOrd="0" destOrd="0" parTransId="{B9340D05-3E25-401D-8DBB-956E0AF8EB73}" sibTransId="{6829D88B-954D-407F-A230-5EDFD6E2DD54}"/>
+    <dgm:cxn modelId="{B6BC378D-A5B1-4E95-B193-B92F5D763707}" type="presOf" srcId="{4167AFCD-AB3C-4C86-8967-B98A893E54F2}" destId="{4DD9C7C1-22B9-4DFF-8F28-D2936B22F79B}" srcOrd="0" destOrd="0" presId="urn:microsoft.com/office/officeart/2018/2/layout/IconLabelList"/>
+    <dgm:cxn modelId="{E3B34CB5-0693-4FC8-8175-38C89A1F3DBD}" srcId="{E9054AEC-D786-4ACE-9719-E0919AC432D2}" destId="{4167AFCD-AB3C-4C86-8967-B98A893E54F2}" srcOrd="1" destOrd="0" parTransId="{532BD744-4E5D-4A39-82A3-C458B5FD9A53}" sibTransId="{123D3AE4-B03D-4F63-A484-3CA47875BB68}"/>
+    <dgm:cxn modelId="{E2064EFA-38F1-4C3C-BD16-6E2B0CDC30A1}" type="presParOf" srcId="{63923C98-895A-4B96-AECF-9638E6349DEA}" destId="{5FB563CD-0762-4125-BE1C-B083251B6910}" srcOrd="0" destOrd="0" presId="urn:microsoft.com/office/officeart/2018/2/layout/IconLabelList"/>
+    <dgm:cxn modelId="{063F5F05-546B-4CB6-BDB4-FE798FEFF6F1}" type="presParOf" srcId="{5FB563CD-0762-4125-BE1C-B083251B6910}" destId="{8BC6BBCB-F596-4B57-AF5B-8CFA7BAD92A4}" srcOrd="0" destOrd="0" presId="urn:microsoft.com/office/officeart/2018/2/layout/IconLabelList"/>
+    <dgm:cxn modelId="{60A8A3CA-59FA-4793-91A2-06ADB9A7C05D}" type="presParOf" srcId="{5FB563CD-0762-4125-BE1C-B083251B6910}" destId="{E43E2BF2-E887-460E-ADAC-F5CFBD22214E}" srcOrd="1" destOrd="0" presId="urn:microsoft.com/office/officeart/2018/2/layout/IconLabelList"/>
+    <dgm:cxn modelId="{0956675D-38F8-4B10-81E3-C7A7E4E54E98}" type="presParOf" srcId="{5FB563CD-0762-4125-BE1C-B083251B6910}" destId="{93529E05-0B6B-445D-93A5-1DD3348DC503}" srcOrd="2" destOrd="0" presId="urn:microsoft.com/office/officeart/2018/2/layout/IconLabelList"/>
+    <dgm:cxn modelId="{A55E9E24-8F1A-44EF-9586-458058CEC8B6}" type="presParOf" srcId="{63923C98-895A-4B96-AECF-9638E6349DEA}" destId="{16B36FEC-CA72-43F6-9D54-E372EAA69F90}" srcOrd="1" destOrd="0" presId="urn:microsoft.com/office/officeart/2018/2/layout/IconLabelList"/>
+    <dgm:cxn modelId="{4100C024-4DDF-4591-8B58-3785ECF20319}" type="presParOf" srcId="{63923C98-895A-4B96-AECF-9638E6349DEA}" destId="{41FAE1EE-BF53-4492-A5FF-7A7BEAFDBDAE}" srcOrd="2" destOrd="0" presId="urn:microsoft.com/office/officeart/2018/2/layout/IconLabelList"/>
+    <dgm:cxn modelId="{43FCE93C-D2B0-4887-8D03-73BEFE710839}" type="presParOf" srcId="{41FAE1EE-BF53-4492-A5FF-7A7BEAFDBDAE}" destId="{57605016-0D6C-48B2-8D41-1BBEAE8589FB}" srcOrd="0" destOrd="0" presId="urn:microsoft.com/office/officeart/2018/2/layout/IconLabelList"/>
+    <dgm:cxn modelId="{A8BF967F-6B09-4D24-B87A-AD9CC13342FB}" type="presParOf" srcId="{41FAE1EE-BF53-4492-A5FF-7A7BEAFDBDAE}" destId="{184643AA-921A-4726-B222-B033ECADECFF}" srcOrd="1" destOrd="0" presId="urn:microsoft.com/office/officeart/2018/2/layout/IconLabelList"/>
+    <dgm:cxn modelId="{6FAD86FB-B2F1-485A-94B5-0EAE81743A68}" type="presParOf" srcId="{41FAE1EE-BF53-4492-A5FF-7A7BEAFDBDAE}" destId="{4DD9C7C1-22B9-4DFF-8F28-D2936B22F79B}" srcOrd="2" destOrd="0" presId="urn:microsoft.com/office/officeart/2018/2/layout/IconLabelList"/>
+  </dgm:cxnLst>
+  <dgm:bg/>
+  <dgm:whole/>
+  <dgm:extLst>
+    <a:ext uri="http://schemas.microsoft.com/office/drawing/2008/diagram">
+      <dsp:dataModelExt xmlns:dsp="http://schemas.microsoft.com/office/drawing/2008/diagram" relId="rId6" minVer="http://schemas.openxmlformats.org/drawingml/2006/diagram"/>
+    </a:ext>
+  </dgm:extLst>
+</dgm:dataModel>
+</file>
+
+<file path=ppt/diagrams/drawing1.xml><?xml version="1.0" encoding="utf-8"?>
+<dsp:drawing xmlns:dgm="http://schemas.openxmlformats.org/drawingml/2006/diagram" xmlns:dsp="http://schemas.microsoft.com/office/drawing/2008/diagram" xmlns:a="http://schemas.openxmlformats.org/drawingml/2006/main">
+  <dsp:spTree>
+    <dsp:nvGrpSpPr>
+      <dsp:cNvPr id="0" name=""/>
+      <dsp:cNvGrpSpPr/>
+    </dsp:nvGrpSpPr>
+    <dsp:grpSpPr/>
+    <dsp:sp modelId="{8BC6BBCB-F596-4B57-AF5B-8CFA7BAD92A4}">
+      <dsp:nvSpPr>
+        <dsp:cNvPr id="0" name=""/>
+        <dsp:cNvSpPr/>
+      </dsp:nvSpPr>
+      <dsp:spPr>
+        <a:xfrm>
+          <a:off x="1747800" y="608594"/>
+          <a:ext cx="1944000" cy="1944000"/>
+        </a:xfrm>
+        <a:prstGeom prst="rect">
+          <a:avLst/>
+        </a:prstGeom>
+        <a:blipFill>
+          <a:blip xmlns:r="http://schemas.openxmlformats.org/officeDocument/2006/relationships" r:embed="rId1">
+            <a:extLst>
+              <a:ext uri="{28A0092B-C50C-407E-A947-70E740481C1C}">
+                <a14:useLocalDpi xmlns:a14="http://schemas.microsoft.com/office/drawing/2010/main" val="0"/>
+              </a:ext>
+              <a:ext uri="{96DAC541-7B7A-43D3-8B79-37D633B846F1}">
+                <asvg:svgBlip xmlns:asvg="http://schemas.microsoft.com/office/drawing/2016/SVG/main" r:embed="rId2"/>
+              </a:ext>
+            </a:extLst>
+          </a:blip>
+          <a:stretch>
+            <a:fillRect/>
+          </a:stretch>
+        </a:blipFill>
+        <a:ln w="12700" cap="flat" cmpd="sng" algn="ctr">
+          <a:solidFill>
+            <a:schemeClr val="lt1">
+              <a:hueOff val="0"/>
+              <a:satOff val="0"/>
+              <a:lumOff val="0"/>
+              <a:alphaOff val="0"/>
+            </a:schemeClr>
+          </a:solidFill>
+          <a:prstDash val="solid"/>
+          <a:miter lim="800000"/>
+        </a:ln>
+        <a:effectLst/>
+      </dsp:spPr>
+      <dsp:style>
+        <a:lnRef idx="2">
+          <a:scrgbClr r="0" g="0" b="0"/>
+        </a:lnRef>
+        <a:fillRef idx="1">
+          <a:scrgbClr r="0" g="0" b="0"/>
+        </a:fillRef>
+        <a:effectRef idx="0">
+          <a:scrgbClr r="0" g="0" b="0"/>
+        </a:effectRef>
+        <a:fontRef idx="minor">
+          <a:schemeClr val="lt1"/>
+        </a:fontRef>
+      </dsp:style>
+    </dsp:sp>
+    <dsp:sp modelId="{93529E05-0B6B-445D-93A5-1DD3348DC503}">
+      <dsp:nvSpPr>
+        <dsp:cNvPr id="0" name=""/>
+        <dsp:cNvSpPr/>
+      </dsp:nvSpPr>
+      <dsp:spPr>
+        <a:xfrm>
+          <a:off x="559800" y="3022743"/>
+          <a:ext cx="4320000" cy="720000"/>
+        </a:xfrm>
+        <a:prstGeom prst="rect">
+          <a:avLst/>
+        </a:prstGeom>
+        <a:noFill/>
+        <a:ln>
+          <a:noFill/>
+        </a:ln>
+        <a:effectLst/>
+      </dsp:spPr>
+      <dsp:style>
+        <a:lnRef idx="0">
+          <a:scrgbClr r="0" g="0" b="0"/>
+        </a:lnRef>
+        <a:fillRef idx="0">
+          <a:scrgbClr r="0" g="0" b="0"/>
+        </a:fillRef>
+        <a:effectRef idx="0">
+          <a:scrgbClr r="0" g="0" b="0"/>
+        </a:effectRef>
+        <a:fontRef idx="minor"/>
+      </dsp:style>
+      <dsp:txBody>
+        <a:bodyPr spcFirstLastPara="0" vert="horz" wrap="square" lIns="0" tIns="0" rIns="0" bIns="0" numCol="1" spcCol="1270" anchor="t" anchorCtr="0">
+          <a:noAutofit/>
+        </a:bodyPr>
+        <a:lstStyle/>
+        <a:p>
+          <a:pPr marL="0" lvl="0" indent="0" algn="ctr" defTabSz="1022350">
+            <a:lnSpc>
+              <a:spcPct val="100000"/>
+            </a:lnSpc>
+            <a:spcBef>
+              <a:spcPct val="0"/>
+            </a:spcBef>
+            <a:spcAft>
+              <a:spcPct val="35000"/>
+            </a:spcAft>
+            <a:buNone/>
+          </a:pPr>
+          <a:r>
+            <a:rPr lang="en-MY" sz="2300" kern="1200">
+              <a:hlinkClick xmlns:r="http://schemas.openxmlformats.org/officeDocument/2006/relationships" r:id="rId3"/>
+            </a:rPr>
+            <a:t>https://world-trade-balance.herokuapp.com/</a:t>
+          </a:r>
+          <a:endParaRPr lang="en-US" sz="2300" kern="1200"/>
+        </a:p>
+      </dsp:txBody>
+      <dsp:txXfrm>
+        <a:off x="559800" y="3022743"/>
+        <a:ext cx="4320000" cy="720000"/>
+      </dsp:txXfrm>
+    </dsp:sp>
+    <dsp:sp modelId="{57605016-0D6C-48B2-8D41-1BBEAE8589FB}">
+      <dsp:nvSpPr>
+        <dsp:cNvPr id="0" name=""/>
+        <dsp:cNvSpPr/>
+      </dsp:nvSpPr>
+      <dsp:spPr>
+        <a:xfrm>
+          <a:off x="6823800" y="608594"/>
+          <a:ext cx="1944000" cy="1944000"/>
+        </a:xfrm>
+        <a:prstGeom prst="rect">
+          <a:avLst/>
+        </a:prstGeom>
+        <a:blipFill>
+          <a:blip xmlns:r="http://schemas.openxmlformats.org/officeDocument/2006/relationships" r:embed="rId4">
+            <a:extLst>
+              <a:ext uri="{28A0092B-C50C-407E-A947-70E740481C1C}">
+                <a14:useLocalDpi xmlns:a14="http://schemas.microsoft.com/office/drawing/2010/main" val="0"/>
+              </a:ext>
+              <a:ext uri="{96DAC541-7B7A-43D3-8B79-37D633B846F1}">
+                <asvg:svgBlip xmlns:asvg="http://schemas.microsoft.com/office/drawing/2016/SVG/main" r:embed="rId5"/>
+              </a:ext>
+            </a:extLst>
+          </a:blip>
+          <a:stretch>
+            <a:fillRect/>
+          </a:stretch>
+        </a:blipFill>
+        <a:ln w="12700" cap="flat" cmpd="sng" algn="ctr">
+          <a:solidFill>
+            <a:schemeClr val="lt1">
+              <a:hueOff val="0"/>
+              <a:satOff val="0"/>
+              <a:lumOff val="0"/>
+              <a:alphaOff val="0"/>
+            </a:schemeClr>
+          </a:solidFill>
+          <a:prstDash val="solid"/>
+          <a:miter lim="800000"/>
+        </a:ln>
+        <a:effectLst/>
+      </dsp:spPr>
+      <dsp:style>
+        <a:lnRef idx="2">
+          <a:scrgbClr r="0" g="0" b="0"/>
+        </a:lnRef>
+        <a:fillRef idx="1">
+          <a:scrgbClr r="0" g="0" b="0"/>
+        </a:fillRef>
+        <a:effectRef idx="0">
+          <a:scrgbClr r="0" g="0" b="0"/>
+        </a:effectRef>
+        <a:fontRef idx="minor">
+          <a:schemeClr val="lt1"/>
+        </a:fontRef>
+      </dsp:style>
+    </dsp:sp>
+    <dsp:sp modelId="{4DD9C7C1-22B9-4DFF-8F28-D2936B22F79B}">
+      <dsp:nvSpPr>
+        <dsp:cNvPr id="0" name=""/>
+        <dsp:cNvSpPr/>
+      </dsp:nvSpPr>
+      <dsp:spPr>
+        <a:xfrm>
+          <a:off x="5635800" y="3022743"/>
+          <a:ext cx="4320000" cy="720000"/>
+        </a:xfrm>
+        <a:prstGeom prst="rect">
+          <a:avLst/>
+        </a:prstGeom>
+        <a:noFill/>
+        <a:ln>
+          <a:noFill/>
+        </a:ln>
+        <a:effectLst/>
+      </dsp:spPr>
+      <dsp:style>
+        <a:lnRef idx="0">
+          <a:scrgbClr r="0" g="0" b="0"/>
+        </a:lnRef>
+        <a:fillRef idx="0">
+          <a:scrgbClr r="0" g="0" b="0"/>
+        </a:fillRef>
+        <a:effectRef idx="0">
+          <a:scrgbClr r="0" g="0" b="0"/>
+        </a:effectRef>
+        <a:fontRef idx="minor"/>
+      </dsp:style>
+      <dsp:txBody>
+        <a:bodyPr spcFirstLastPara="0" vert="horz" wrap="square" lIns="0" tIns="0" rIns="0" bIns="0" numCol="1" spcCol="1270" anchor="t" anchorCtr="0">
+          <a:noAutofit/>
+        </a:bodyPr>
+        <a:lstStyle/>
+        <a:p>
+          <a:pPr marL="0" lvl="0" indent="0" algn="ctr" defTabSz="1022350">
+            <a:lnSpc>
+              <a:spcPct val="100000"/>
+            </a:lnSpc>
+            <a:spcBef>
+              <a:spcPct val="0"/>
+            </a:spcBef>
+            <a:spcAft>
+              <a:spcPct val="35000"/>
+            </a:spcAft>
+            <a:buNone/>
+          </a:pPr>
+          <a:r>
+            <a:rPr lang="en-MY" sz="2300" kern="1200"/>
+            <a:t>Check it out!!</a:t>
+          </a:r>
+          <a:endParaRPr lang="en-US" sz="2300" kern="1200"/>
+        </a:p>
+      </dsp:txBody>
+      <dsp:txXfrm>
+        <a:off x="5635800" y="3022743"/>
+        <a:ext cx="4320000" cy="720000"/>
+      </dsp:txXfrm>
+    </dsp:sp>
+  </dsp:spTree>
+</dsp:drawing>
+</file>
+
+<file path=ppt/diagrams/layout1.xml><?xml version="1.0" encoding="utf-8"?>
+<dgm:layoutDef xmlns:dgm="http://schemas.openxmlformats.org/drawingml/2006/diagram" xmlns:a="http://schemas.openxmlformats.org/drawingml/2006/main" uniqueId="urn:microsoft.com/office/officeart/2018/2/layout/IconLabelList">
+  <dgm:title val="Icon Label List"/>
+  <dgm:desc val="Use to show non-sequential or grouped chunks of information accompanied by a related visuals. Works best with icons or small pictures with short text captions."/>
+  <dgm:catLst>
+    <dgm:cat type="icon" pri="500"/>
+  </dgm:catLst>
+  <dgm:sampData useDef="1">
+    <dgm:dataModel>
+      <dgm:ptLst/>
+      <dgm:bg/>
+      <dgm:whole/>
+    </dgm:dataModel>
+  </dgm:sampData>
+  <dgm:styleData useDef="1">
+    <dgm:dataModel>
+      <dgm:ptLst/>
+      <dgm:bg/>
+      <dgm:whole/>
+    </dgm:dataModel>
+  </dgm:styleData>
+  <dgm:clrData useDef="1">
+    <dgm:dataModel>
+      <dgm:ptLst/>
+      <dgm:bg/>
+      <dgm:whole/>
+    </dgm:dataModel>
+  </dgm:clrData>
+  <dgm:layoutNode name="root">
+    <dgm:varLst>
+      <dgm:dir/>
+      <dgm:resizeHandles val="exact"/>
+    </dgm:varLst>
+    <dgm:choose name="Name0">
+      <dgm:if name="Name1" axis="self" func="var" arg="dir" op="equ" val="norm">
+        <dgm:alg type="snake">
+          <dgm:param type="grDir" val="tL"/>
+          <dgm:param type="flowDir" val="row"/>
+          <dgm:param type="contDir" val="sameDir"/>
+          <dgm:param type="off" val="ctr"/>
+          <dgm:param type="vertAlign" val="mid"/>
+          <dgm:param type="horzAlign" val="ctr"/>
+        </dgm:alg>
+      </dgm:if>
+      <dgm:else name="Name2">
+        <dgm:alg type="snake">
+          <dgm:param type="grDir" val="tR"/>
+          <dgm:param type="flowDir" val="row"/>
+          <dgm:param type="contDir" val="sameDir"/>
+          <dgm:param type="off" val="ctr"/>
+          <dgm:param type="vertAlign" val="mid"/>
+          <dgm:param type="horzAlign" val="ctr"/>
+        </dgm:alg>
+      </dgm:else>
+    </dgm:choose>
+    <dgm:shape xmlns:r="http://schemas.openxmlformats.org/officeDocument/2006/relationships" r:blip="">
+      <dgm:adjLst/>
+    </dgm:shape>
+    <dgm:presOf/>
+    <dgm:choose name="Name3">
+      <dgm:if name="Name4" axis="ch" ptType="node" func="cnt" op="lte" val="2">
+        <dgm:constrLst>
+          <dgm:constr type="h" for="ch" forName="compNode" refType="h" fact="0.4"/>
+          <dgm:constr type="w" for="ch" forName="compNode" val="120"/>
+          <dgm:constr type="w" for="ch" forName="sibTrans" refType="w" refFor="ch" refForName="compNode" fact="0.175"/>
+          <dgm:constr type="sp" refType="w" refFor="ch" refForName="compNode" op="equ" fact="0.25"/>
+          <dgm:constr type="primFontSz" for="des" ptType="node" op="equ" val="50"/>
+          <dgm:constr type="h" for="des" forName="compNode" op="equ"/>
+          <dgm:constr type="h" for="des" forName="textRect" op="equ"/>
+        </dgm:constrLst>
+      </dgm:if>
+      <dgm:if name="Name5" axis="ch" ptType="node" func="cnt" op="lte" val="4">
+        <dgm:constrLst>
+          <dgm:constr type="h" for="ch" forName="compNode" refType="h" fact="0.4"/>
+          <dgm:constr type="w" for="ch" forName="compNode" refType="w"/>
+          <dgm:constr type="w" for="ch" forName="sibTrans" refType="w" refFor="ch" refForName="compNode" fact="0.175"/>
+          <dgm:constr type="sp" refType="w" refFor="ch" refForName="compNode" op="equ" fact="0.25"/>
+          <dgm:constr type="primFontSz" for="des" ptType="node" op="equ" val="36"/>
+          <dgm:constr type="h" for="des" forName="compNode" op="equ"/>
+          <dgm:constr type="h" for="des" forName="textRect" op="equ"/>
+        </dgm:constrLst>
+      </dgm:if>
+      <dgm:else name="Name6">
+        <dgm:constrLst>
+          <dgm:constr type="h" for="ch" forName="compNode" refType="h" fact="0.4"/>
+          <dgm:constr type="w" for="ch" forName="compNode" refType="w"/>
+          <dgm:constr type="w" for="ch" forName="sibTrans" refType="w" refFor="ch" refForName="compNode" fact="0.175"/>
+          <dgm:constr type="sp" refType="w" refFor="ch" refForName="compNode" op="equ" fact="0.25"/>
+          <dgm:constr type="primFontSz" for="des" ptType="node" op="equ" val="24"/>
+          <dgm:constr type="h" for="des" forName="compNode" op="equ"/>
+          <dgm:constr type="h" for="des" forName="textRect" op="equ"/>
+        </dgm:constrLst>
+      </dgm:else>
+    </dgm:choose>
+    <dgm:ruleLst>
+      <dgm:rule type="w" for="ch" forName="compNode" val="50" fact="NaN" max="NaN"/>
+    </dgm:ruleLst>
+    <dgm:forEach name="Name7" axis="ch" ptType="node">
+      <dgm:layoutNode name="compNode">
+        <dgm:alg type="composite"/>
+        <dgm:shape xmlns:r="http://schemas.openxmlformats.org/officeDocument/2006/relationships" r:blip="">
+          <dgm:adjLst/>
+        </dgm:shape>
+        <dgm:presOf axis="self"/>
+        <dgm:constrLst>
+          <dgm:constr type="w" for="ch" forName="iconRect" refType="w" fact="0.45"/>
+          <dgm:constr type="h" for="ch" forName="iconRect" refType="w" refFor="ch" refForName="iconRect"/>
+          <dgm:constr type="ctrX" for="ch" forName="iconRect" refType="w" fact="0.5"/>
+          <dgm:constr type="t" for="ch" forName="iconRect"/>
+          <dgm:constr type="h" for="ch" forName="spaceRect" refType="h" fact="0.15"/>
+          <dgm:constr type="w" for="ch" forName="spaceRect" refType="w"/>
+          <dgm:constr type="l" for="ch" forName="spaceRect"/>
+          <dgm:constr type="t" for="ch" forName="spaceRect" refType="b" refFor="ch" refForName="iconRect"/>
+          <dgm:constr type="h" for="ch" forName="textRect" val="20"/>
+          <dgm:constr type="w" for="ch" forName="textRect" refType="w"/>
+          <dgm:constr type="l" for="ch" forName="textRect"/>
+          <dgm:constr type="t" for="ch" forName="textRect" refType="b" refFor="ch" refForName="spaceRect"/>
+        </dgm:constrLst>
+        <dgm:ruleLst>
+          <dgm:rule type="h" val="INF" fact="NaN" max="NaN"/>
+        </dgm:ruleLst>
+        <dgm:layoutNode name="iconRect" styleLbl="node1">
+          <dgm:alg type="sp"/>
+          <dgm:shape xmlns:r="http://schemas.openxmlformats.org/officeDocument/2006/relationships" type="rect" r:blip="" blipPhldr="1">
+            <dgm:adjLst/>
+          </dgm:shape>
+          <dgm:presOf/>
+          <dgm:constrLst/>
+          <dgm:ruleLst/>
+        </dgm:layoutNode>
+        <dgm:layoutNode name="spaceRect">
+          <dgm:alg type="sp"/>
+          <dgm:shape xmlns:r="http://schemas.openxmlformats.org/officeDocument/2006/relationships" r:blip="">
+            <dgm:adjLst/>
+          </dgm:shape>
+          <dgm:presOf/>
+          <dgm:constrLst/>
+          <dgm:ruleLst/>
+        </dgm:layoutNode>
+        <dgm:layoutNode name="textRect" styleLbl="revTx">
+          <dgm:varLst>
+            <dgm:chMax val="1"/>
+            <dgm:chPref val="1"/>
+          </dgm:varLst>
+          <dgm:alg type="tx">
+            <dgm:param type="txAnchorVert" val="t"/>
+          </dgm:alg>
+          <dgm:shape xmlns:r="http://schemas.openxmlformats.org/officeDocument/2006/relationships" type="rect" r:blip="">
+            <dgm:adjLst/>
+          </dgm:shape>
+          <dgm:presOf axis="self" ptType="node"/>
+          <dgm:constrLst>
+            <dgm:constr type="lMarg"/>
+            <dgm:constr type="rMarg"/>
+            <dgm:constr type="tMarg"/>
+            <dgm:constr type="bMarg"/>
+          </dgm:constrLst>
+          <dgm:ruleLst>
+            <dgm:rule type="primFontSz" val="11" fact="NaN" max="NaN"/>
+            <dgm:rule type="h" val="INF" fact="NaN" max="NaN"/>
+          </dgm:ruleLst>
+        </dgm:layoutNode>
+      </dgm:layoutNode>
+      <dgm:forEach name="Name8" axis="followSib" ptType="sibTrans" cnt="1">
+        <dgm:layoutNode name="sibTrans">
+          <dgm:alg type="sp"/>
+          <dgm:shape xmlns:r="http://schemas.openxmlformats.org/officeDocument/2006/relationships" r:blip="">
+            <dgm:adjLst/>
+          </dgm:shape>
+          <dgm:presOf axis="self"/>
+          <dgm:constrLst/>
+          <dgm:ruleLst/>
+        </dgm:layoutNode>
+      </dgm:forEach>
+    </dgm:forEach>
+  </dgm:layoutNode>
+  <dgm:extLst>
+    <a:ext uri="{68A01E43-0DF5-4B5B-8FA6-DAF915123BFB}">
+      <dgm1612:lstStyle xmlns:dgm1612="http://schemas.microsoft.com/office/drawing/2016/12/diagram">
+        <a:lvl1pPr>
+          <a:lnSpc>
+            <a:spcPct val="100000"/>
+          </a:lnSpc>
+        </a:lvl1pPr>
+      </dgm1612:lstStyle>
+    </a:ext>
+  </dgm:extLst>
+</dgm:layoutDef>
+</file>
+
+<file path=ppt/diagrams/quickStyle1.xml><?xml version="1.0" encoding="utf-8"?>
+<dgm:styleDef xmlns:dgm="http://schemas.openxmlformats.org/drawingml/2006/diagram" xmlns:a="http://schemas.openxmlformats.org/drawingml/2006/main" uniqueId="urn:microsoft.com/office/officeart/2005/8/quickstyle/simple1">
+  <dgm:title val=""/>
+  <dgm:desc val=""/>
+  <dgm:catLst>
+    <dgm:cat type="simple" pri="10100"/>
+  </dgm:catLst>
+  <dgm:scene3d>
+    <a:camera prst="orthographicFront"/>
+    <a:lightRig rig="threePt" dir="t"/>
+  </dgm:scene3d>
+  <dgm:styleLbl name="node0">
+    <dgm:scene3d>
+      <a:camera prst="orthographicFront"/>
+      <a:lightRig rig="threePt" dir="t"/>
+    </dgm:scene3d>
+    <dgm:sp3d/>
+    <dgm:txPr/>
+    <dgm:style>
+      <a:lnRef idx="2">
+        <a:scrgbClr r="0" g="0" b="0"/>
+      </a:lnRef>
+      <a:fillRef idx="1">
+        <a:scrgbClr r="0" g="0" b="0"/>
+      </a:fillRef>
+      <a:effectRef idx="0">
+        <a:scrgbClr r="0" g="0" b="0"/>
+      </a:effectRef>
+      <a:fontRef idx="minor">
+        <a:schemeClr val="lt1"/>
+      </a:fontRef>
+    </dgm:style>
+  </dgm:styleLbl>
+  <dgm:styleLbl name="lnNode1">
+    <dgm:scene3d>
+      <a:camera prst="orthographicFront"/>
+      <a:lightRig rig="threePt" dir="t"/>
+    </dgm:scene3d>
+    <dgm:sp3d/>
+    <dgm:txPr/>
+    <dgm:style>
+      <a:lnRef idx="2">
+        <a:scrgbClr r="0" g="0" b="0"/>
+      </a:lnRef>
+      <a:fillRef idx="1">
+        <a:scrgbClr r="0" g="0" b="0"/>
+      </a:fillRef>
+      <a:effectRef idx="0">
+        <a:scrgbClr r="0" g="0" b="0"/>
+      </a:effectRef>
+      <a:fontRef idx="minor">
+        <a:schemeClr val="lt1"/>
+      </a:fontRef>
+    </dgm:style>
+  </dgm:styleLbl>
+  <dgm:styleLbl name="vennNode1">
+    <dgm:scene3d>
+      <a:camera prst="orthographicFront"/>
+      <a:lightRig rig="threePt" dir="t"/>
+    </dgm:scene3d>
+    <dgm:sp3d/>
+    <dgm:txPr/>
+    <dgm:style>
+      <a:lnRef idx="2">
+        <a:scrgbClr r="0" g="0" b="0"/>
+      </a:lnRef>
+      <a:fillRef idx="1">
+        <a:scrgbClr r="0" g="0" b="0"/>
+      </a:fillRef>
+      <a:effectRef idx="0">
+        <a:scrgbClr r="0" g="0" b="0"/>
+      </a:effectRef>
+      <a:fontRef idx="minor">
+        <a:schemeClr val="tx1"/>
+      </a:fontRef>
+    </dgm:style>
+  </dgm:styleLbl>
+  <dgm:styleLbl name="alignNode1">
+    <dgm:scene3d>
+      <a:camera prst="orthographicFront"/>
+      <a:lightRig rig="threePt" dir="t"/>
+    </dgm:scene3d>
+    <dgm:sp3d/>
+    <dgm:txPr/>
+    <dgm:style>
+      <a:lnRef idx="2">
+        <a:scrgbClr r="0" g="0" b="0"/>
+      </a:lnRef>
+      <a:fillRef idx="1">
+        <a:scrgbClr r="0" g="0" b="0"/>
+      </a:fillRef>
+      <a:effectRef idx="0">
+        <a:scrgbClr r="0" g="0" b="0"/>
+      </a:effectRef>
+      <a:fontRef idx="minor">
+        <a:schemeClr val="lt1"/>
+      </a:fontRef>
+    </dgm:style>
+  </dgm:styleLbl>
+  <dgm:styleLbl name="node1">
+    <dgm:scene3d>
+      <a:camera prst="orthographicFront"/>
+      <a:lightRig rig="threePt" dir="t"/>
+    </dgm:scene3d>
+    <dgm:sp3d/>
+    <dgm:txPr/>
+    <dgm:style>
+      <a:lnRef idx="2">
+        <a:scrgbClr r="0" g="0" b="0"/>
+      </a:lnRef>
+      <a:fillRef idx="1">
+        <a:scrgbClr r="0" g="0" b="0"/>
+      </a:fillRef>
+      <a:effectRef idx="0">
+        <a:scrgbClr r="0" g="0" b="0"/>
+      </a:effectRef>
+      <a:fontRef idx="minor">
+        <a:schemeClr val="lt1"/>
+      </a:fontRef>
+    </dgm:style>
+  </dgm:styleLbl>
+  <dgm:styleLbl name="node2">
+    <dgm:scene3d>
+      <a:camera prst="orthographicFront"/>
+      <a:lightRig rig="threePt" dir="t"/>
+    </dgm:scene3d>
+    <dgm:sp3d/>
+    <dgm:txPr/>
+    <dgm:style>
+      <a:lnRef idx="2">
+        <a:scrgbClr r="0" g="0" b="0"/>
+      </a:lnRef>
+      <a:fillRef idx="1">
+        <a:scrgbClr r="0" g="0" b="0"/>
+      </a:fillRef>
+      <a:effectRef idx="0">
+        <a:scrgbClr r="0" g="0" b="0"/>
+      </a:effectRef>
+      <a:fontRef idx="minor">
+        <a:schemeClr val="lt1"/>
+      </a:fontRef>
+    </dgm:style>
+  </dgm:styleLbl>
+  <dgm:styleLbl name="node3">
+    <dgm:scene3d>
+      <a:camera prst="orthographicFront"/>
+      <a:lightRig rig="threePt" dir="t"/>
+    </dgm:scene3d>
+    <dgm:sp3d/>
+    <dgm:txPr/>
+    <dgm:style>
+      <a:lnRef idx="2">
+        <a:scrgbClr r="0" g="0" b="0"/>
+      </a:lnRef>
+      <a:fillRef idx="1">
+        <a:scrgbClr r="0" g="0" b="0"/>
+      </a:fillRef>
+      <a:effectRef idx="0">
+        <a:scrgbClr r="0" g="0" b="0"/>
+      </a:effectRef>
+      <a:fontRef idx="minor">
+        <a:schemeClr val="lt1"/>
+      </a:fontRef>
+    </dgm:style>
+  </dgm:styleLbl>
+  <dgm:styleLbl name="node4">
+    <dgm:scene3d>
+      <a:camera prst="orthographicFront"/>
+      <a:lightRig rig="threePt" dir="t"/>
+    </dgm:scene3d>
+    <dgm:sp3d/>
+    <dgm:txPr/>
+    <dgm:style>
+      <a:lnRef idx="2">
+        <a:scrgbClr r="0" g="0" b="0"/>
+      </a:lnRef>
+      <a:fillRef idx="1">
+        <a:scrgbClr r="0" g="0" b="0"/>
+      </a:fillRef>
+      <a:effectRef idx="0">
+        <a:scrgbClr r="0" g="0" b="0"/>
+      </a:effectRef>
+      <a:fontRef idx="minor">
+        <a:schemeClr val="lt1"/>
+      </a:fontRef>
+    </dgm:style>
+  </dgm:styleLbl>
+  <dgm:styleLbl name="fgImgPlace1">
+    <dgm:scene3d>
+      <a:camera prst="orthographicFront"/>
+      <a:lightRig rig="threePt" dir="t"/>
+    </dgm:scene3d>
+    <dgm:sp3d/>
+    <dgm:txPr/>
+    <dgm:style>
+      <a:lnRef idx="2">
+        <a:scrgbClr r="0" g="0" b="0"/>
+      </a:lnRef>
+      <a:fillRef idx="1">
+        <a:scrgbClr r="0" g="0" b="0"/>
+      </a:fillRef>
+      <a:effectRef idx="0">
+        <a:scrgbClr r="0" g="0" b="0"/>
+      </a:effectRef>
+      <a:fontRef idx="minor"/>
+    </dgm:style>
+  </dgm:styleLbl>
+  <dgm:styleLbl name="alignImgPlace1">
+    <dgm:scene3d>
+      <a:camera prst="orthographicFront"/>
+      <a:lightRig rig="threePt" dir="t"/>
+    </dgm:scene3d>
+    <dgm:sp3d/>
+    <dgm:txPr/>
+    <dgm:style>
+      <a:lnRef idx="2">
+        <a:scrgbClr r="0" g="0" b="0"/>
+      </a:lnRef>
+      <a:fillRef idx="1">
+        <a:scrgbClr r="0" g="0" b="0"/>
+      </a:fillRef>
+      <a:effectRef idx="0">
+        <a:scrgbClr r="0" g="0" b="0"/>
+      </a:effectRef>
+      <a:fontRef idx="minor"/>
+    </dgm:style>
+  </dgm:styleLbl>
+  <dgm:styleLbl name="bgImgPlace1">
+    <dgm:scene3d>
+      <a:camera prst="orthographicFront"/>
+      <a:lightRig rig="threePt" dir="t"/>
+    </dgm:scene3d>
+    <dgm:sp3d/>
+    <dgm:txPr/>
+    <dgm:style>
+      <a:lnRef idx="2">
+        <a:scrgbClr r="0" g="0" b="0"/>
+      </a:lnRef>
+      <a:fillRef idx="1">
+        <a:scrgbClr r="0" g="0" b="0"/>
+      </a:fillRef>
+      <a:effectRef idx="0">
+        <a:scrgbClr r="0" g="0" b="0"/>
+      </a:effectRef>
+      <a:fontRef idx="minor"/>
+    </dgm:style>
+  </dgm:styleLbl>
+  <dgm:styleLbl name="sibTrans2D1">
+    <dgm:scene3d>
+      <a:camera prst="orthographicFront"/>
+      <a:lightRig rig="threePt" dir="t"/>
+    </dgm:scene3d>
+    <dgm:sp3d/>
+    <dgm:txPr/>
+    <dgm:style>
+      <a:lnRef idx="0">
+        <a:scrgbClr r="0" g="0" b="0"/>
+      </a:lnRef>
+      <a:fillRef idx="1">
+        <a:scrgbClr r="0" g="0" b="0"/>
+      </a:fillRef>
+      <a:effectRef idx="0">
+        <a:scrgbClr r="0" g="0" b="0"/>
+      </a:effectRef>
+      <a:fontRef idx="minor">
+        <a:schemeClr val="lt1"/>
+      </a:fontRef>
+    </dgm:style>
+  </dgm:styleLbl>
+  <dgm:styleLbl name="fgSibTrans2D1">
+    <dgm:scene3d>
+      <a:camera prst="orthographicFront"/>
+      <a:lightRig rig="threePt" dir="t"/>
+    </dgm:scene3d>
+    <dgm:sp3d/>
+    <dgm:txPr/>
+    <dgm:style>
+      <a:lnRef idx="0">
+        <a:scrgbClr r="0" g="0" b="0"/>
+      </a:lnRef>
+      <a:fillRef idx="1">
+        <a:scrgbClr r="0" g="0" b="0"/>
+      </a:fillRef>
+      <a:effectRef idx="0">
+        <a:scrgbClr r="0" g="0" b="0"/>
+      </a:effectRef>
+      <a:fontRef idx="minor">
+        <a:schemeClr val="lt1"/>
+      </a:fontRef>
+    </dgm:style>
+  </dgm:styleLbl>
+  <dgm:styleLbl name="bgSibTrans2D1">
+    <dgm:scene3d>
+      <a:camera prst="orthographicFront"/>
+      <a:lightRig rig="threePt" dir="t"/>
+    </dgm:scene3d>
+    <dgm:sp3d/>
+    <dgm:txPr/>
+    <dgm:style>
+      <a:lnRef idx="0">
+        <a:scrgbClr r="0" g="0" b="0"/>
+      </a:lnRef>
+      <a:fillRef idx="1">
+        <a:scrgbClr r="0" g="0" b="0"/>
+      </a:fillRef>
+      <a:effectRef idx="0">
+        <a:scrgbClr r="0" g="0" b="0"/>
+      </a:effectRef>
+      <a:fontRef idx="minor">
+        <a:schemeClr val="lt1"/>
+      </a:fontRef>
+    </dgm:style>
+  </dgm:styleLbl>
+  <dgm:styleLbl name="sibTrans1D1">
+    <dgm:scene3d>
+      <a:camera prst="orthographicFront"/>
+      <a:lightRig rig="threePt" dir="t"/>
+    </dgm:scene3d>
+    <dgm:sp3d/>
+    <dgm:txPr/>
+    <dgm:style>
+      <a:lnRef idx="1">
+        <a:scrgbClr r="0" g="0" b="0"/>
+      </a:lnRef>
+      <a:fillRef idx="0">
+        <a:scrgbClr r="0" g="0" b="0"/>
+      </a:fillRef>
+      <a:effectRef idx="0">
+        <a:scrgbClr r="0" g="0" b="0"/>
+      </a:effectRef>
+      <a:fontRef idx="minor"/>
+    </dgm:style>
+  </dgm:styleLbl>
+  <dgm:styleLbl name="callout">
+    <dgm:scene3d>
+      <a:camera prst="orthographicFront"/>
+      <a:lightRig rig="threePt" dir="t"/>
+    </dgm:scene3d>
+    <dgm:sp3d/>
+    <dgm:txPr/>
+    <dgm:style>
+      <a:lnRef idx="2">
+        <a:scrgbClr r="0" g="0" b="0"/>
+      </a:lnRef>
+      <a:fillRef idx="1">
+        <a:scrgbClr r="0" g="0" b="0"/>
+      </a:fillRef>
+      <a:effectRef idx="0">
+        <a:scrgbClr r="0" g="0" b="0"/>
+      </a:effectRef>
+      <a:fontRef idx="minor"/>
+    </dgm:style>
+  </dgm:styleLbl>
+  <dgm:styleLbl name="asst0">
+    <dgm:scene3d>
+      <a:camera prst="orthographicFront"/>
+      <a:lightRig rig="threePt" dir="t"/>
+    </dgm:scene3d>
+    <dgm:sp3d/>
+    <dgm:txPr/>
+    <dgm:style>
+      <a:lnRef idx="2">
+        <a:scrgbClr r="0" g="0" b="0"/>
+      </a:lnRef>
+      <a:fillRef idx="1">
+        <a:scrgbClr r="0" g="0" b="0"/>
+      </a:fillRef>
+      <a:effectRef idx="0">
+        <a:scrgbClr r="0" g="0" b="0"/>
+      </a:effectRef>
+      <a:fontRef idx="minor">
+        <a:schemeClr val="lt1"/>
+      </a:fontRef>
+    </dgm:style>
+  </dgm:styleLbl>
+  <dgm:styleLbl name="asst1">
+    <dgm:scene3d>
+      <a:camera prst="orthographicFront"/>
+      <a:lightRig rig="threePt" dir="t"/>
+    </dgm:scene3d>
+    <dgm:sp3d/>
+    <dgm:txPr/>
+    <dgm:style>
+      <a:lnRef idx="2">
+        <a:scrgbClr r="0" g="0" b="0"/>
+      </a:lnRef>
+      <a:fillRef idx="1">
+        <a:scrgbClr r="0" g="0" b="0"/>
+      </a:fillRef>
+      <a:effectRef idx="0">
+        <a:scrgbClr r="0" g="0" b="0"/>
+      </a:effectRef>
+      <a:fontRef idx="minor">
+        <a:schemeClr val="lt1"/>
+      </a:fontRef>
+    </dgm:style>
+  </dgm:styleLbl>
+  <dgm:styleLbl name="asst2">
+    <dgm:scene3d>
+      <a:camera prst="orthographicFront"/>
+      <a:lightRig rig="threePt" dir="t"/>
+    </dgm:scene3d>
+    <dgm:sp3d/>
+    <dgm:txPr/>
+    <dgm:style>
+      <a:lnRef idx="2">
+        <a:scrgbClr r="0" g="0" b="0"/>
+      </a:lnRef>
+      <a:fillRef idx="1">
+        <a:scrgbClr r="0" g="0" b="0"/>
+      </a:fillRef>
+      <a:effectRef idx="0">
+        <a:scrgbClr r="0" g="0" b="0"/>
+      </a:effectRef>
+      <a:fontRef idx="minor">
+        <a:schemeClr val="lt1"/>
+      </a:fontRef>
+    </dgm:style>
+  </dgm:styleLbl>
+  <dgm:styleLbl name="asst3">
+    <dgm:scene3d>
+      <a:camera prst="orthographicFront"/>
+      <a:lightRig rig="threePt" dir="t"/>
+    </dgm:scene3d>
+    <dgm:sp3d/>
+    <dgm:txPr/>
+    <dgm:style>
+      <a:lnRef idx="2">
+        <a:scrgbClr r="0" g="0" b="0"/>
+      </a:lnRef>
+      <a:fillRef idx="1">
+        <a:scrgbClr r="0" g="0" b="0"/>
+      </a:fillRef>
+      <a:effectRef idx="0">
+        <a:scrgbClr r="0" g="0" b="0"/>
+      </a:effectRef>
+      <a:fontRef idx="minor">
+        <a:schemeClr val="lt1"/>
+      </a:fontRef>
+    </dgm:style>
+  </dgm:styleLbl>
+  <dgm:styleLbl name="asst4">
+    <dgm:scene3d>
+      <a:camera prst="orthographicFront"/>
+      <a:lightRig rig="threePt" dir="t"/>
+    </dgm:scene3d>
+    <dgm:sp3d/>
+    <dgm:txPr/>
+    <dgm:style>
+      <a:lnRef idx="2">
+        <a:scrgbClr r="0" g="0" b="0"/>
+      </a:lnRef>
+      <a:fillRef idx="1">
+        <a:scrgbClr r="0" g="0" b="0"/>
+      </a:fillRef>
+      <a:effectRef idx="0">
+        <a:scrgbClr r="0" g="0" b="0"/>
+      </a:effectRef>
+      <a:fontRef idx="minor">
+        <a:schemeClr val="lt1"/>
+      </a:fontRef>
+    </dgm:style>
+  </dgm:styleLbl>
+  <dgm:styleLbl name="parChTrans2D1">
+    <dgm:scene3d>
+      <a:camera prst="orthographicFront"/>
+      <a:lightRig rig="threePt" dir="t"/>
+    </dgm:scene3d>
+    <dgm:sp3d/>
+    <dgm:txPr/>
+    <dgm:style>
+      <a:lnRef idx="2">
+        <a:scrgbClr r="0" g="0" b="0"/>
+      </a:lnRef>
+      <a:fillRef idx="1">
+        <a:scrgbClr r="0" g="0" b="0"/>
+      </a:fillRef>
+      <a:effectRef idx="0">
+        <a:scrgbClr r="0" g="0" b="0"/>
+      </a:effectRef>
+      <a:fontRef idx="minor">
+        <a:schemeClr val="lt1"/>
+      </a:fontRef>
+    </dgm:style>
+  </dgm:styleLbl>
+  <dgm:styleLbl name="parChTrans2D2">
+    <dgm:scene3d>
+      <a:camera prst="orthographicFront"/>
+      <a:lightRig rig="threePt" dir="t"/>
+    </dgm:scene3d>
+    <dgm:sp3d/>
+    <dgm:txPr/>
+    <dgm:style>
+      <a:lnRef idx="2">
+        <a:scrgbClr r="0" g="0" b="0"/>
+      </a:lnRef>
+      <a:fillRef idx="1">
+        <a:scrgbClr r="0" g="0" b="0"/>
+      </a:fillRef>
+      <a:effectRef idx="0">
+        <a:scrgbClr r="0" g="0" b="0"/>
+      </a:effectRef>
+      <a:fontRef idx="minor">
+        <a:schemeClr val="lt1"/>
+      </a:fontRef>
+    </dgm:style>
+  </dgm:styleLbl>
+  <dgm:styleLbl name="parChTrans2D3">
+    <dgm:scene3d>
+      <a:camera prst="orthographicFront"/>
+      <a:lightRig rig="threePt" dir="t"/>
+    </dgm:scene3d>
+    <dgm:sp3d/>
+    <dgm:txPr/>
+    <dgm:style>
+      <a:lnRef idx="2">
+        <a:scrgbClr r="0" g="0" b="0"/>
+      </a:lnRef>
+      <a:fillRef idx="1">
+        <a:scrgbClr r="0" g="0" b="0"/>
+      </a:fillRef>
+      <a:effectRef idx="0">
+        <a:scrgbClr r="0" g="0" b="0"/>
+      </a:effectRef>
+      <a:fontRef idx="minor">
+        <a:schemeClr val="lt1"/>
+      </a:fontRef>
+    </dgm:style>
+  </dgm:styleLbl>
+  <dgm:styleLbl name="parChTrans2D4">
+    <dgm:scene3d>
+      <a:camera prst="orthographicFront"/>
+      <a:lightRig rig="threePt" dir="t"/>
+    </dgm:scene3d>
+    <dgm:sp3d/>
+    <dgm:txPr/>
+    <dgm:style>
+      <a:lnRef idx="2">
+        <a:scrgbClr r="0" g="0" b="0"/>
+      </a:lnRef>
+      <a:fillRef idx="1">
+        <a:scrgbClr r="0" g="0" b="0"/>
+      </a:fillRef>
+      <a:effectRef idx="0">
+        <a:scrgbClr r="0" g="0" b="0"/>
+      </a:effectRef>
+      <a:fontRef idx="minor">
+        <a:schemeClr val="lt1"/>
+      </a:fontRef>
+    </dgm:style>
+  </dgm:styleLbl>
+  <dgm:styleLbl name="parChTrans1D1">
+    <dgm:scene3d>
+      <a:camera prst="orthographicFront"/>
+      <a:lightRig rig="threePt" dir="t"/>
+    </dgm:scene3d>
+    <dgm:sp3d/>
+    <dgm:txPr/>
+    <dgm:style>
+      <a:lnRef idx="2">
+        <a:scrgbClr r="0" g="0" b="0"/>
+      </a:lnRef>
+      <a:fillRef idx="0">
+        <a:scrgbClr r="0" g="0" b="0"/>
+      </a:fillRef>
+      <a:effectRef idx="0">
+        <a:scrgbClr r="0" g="0" b="0"/>
+      </a:effectRef>
+      <a:fontRef idx="minor"/>
+    </dgm:style>
+  </dgm:styleLbl>
+  <dgm:styleLbl name="parChTrans1D2">
+    <dgm:scene3d>
+      <a:camera prst="orthographicFront"/>
+      <a:lightRig rig="threePt" dir="t"/>
+    </dgm:scene3d>
+    <dgm:sp3d/>
+    <dgm:txPr/>
+    <dgm:style>
+      <a:lnRef idx="2">
+        <a:scrgbClr r="0" g="0" b="0"/>
+      </a:lnRef>
+      <a:fillRef idx="0">
+        <a:scrgbClr r="0" g="0" b="0"/>
+      </a:fillRef>
+      <a:effectRef idx="0">
+        <a:scrgbClr r="0" g="0" b="0"/>
+      </a:effectRef>
+      <a:fontRef idx="minor"/>
+    </dgm:style>
+  </dgm:styleLbl>
+  <dgm:styleLbl name="parChTrans1D3">
+    <dgm:scene3d>
+      <a:camera prst="orthographicFront"/>
+      <a:lightRig rig="threePt" dir="t"/>
+    </dgm:scene3d>
+    <dgm:sp3d/>
+    <dgm:txPr/>
+    <dgm:style>
+      <a:lnRef idx="2">
+        <a:scrgbClr r="0" g="0" b="0"/>
+      </a:lnRef>
+      <a:fillRef idx="0">
+        <a:scrgbClr r="0" g="0" b="0"/>
+      </a:fillRef>
+      <a:effectRef idx="0">
+        <a:scrgbClr r="0" g="0" b="0"/>
+      </a:effectRef>
+      <a:fontRef idx="minor"/>
+    </dgm:style>
+  </dgm:styleLbl>
+  <dgm:styleLbl name="parChTrans1D4">
+    <dgm:scene3d>
+      <a:camera prst="orthographicFront"/>
+      <a:lightRig rig="threePt" dir="t"/>
+    </dgm:scene3d>
+    <dgm:sp3d/>
+    <dgm:txPr/>
+    <dgm:style>
+      <a:lnRef idx="2">
+        <a:scrgbClr r="0" g="0" b="0"/>
+      </a:lnRef>
+      <a:fillRef idx="0">
+        <a:scrgbClr r="0" g="0" b="0"/>
+      </a:fillRef>
+      <a:effectRef idx="0">
+        <a:scrgbClr r="0" g="0" b="0"/>
+      </a:effectRef>
+      <a:fontRef idx="minor"/>
+    </dgm:style>
+  </dgm:styleLbl>
+  <dgm:styleLbl name="fgAcc1">
+    <dgm:scene3d>
+      <a:camera prst="orthographicFront"/>
+      <a:lightRig rig="threePt" dir="t"/>
+    </dgm:scene3d>
+    <dgm:sp3d/>
+    <dgm:txPr/>
+    <dgm:style>
+      <a:lnRef idx="2">
+        <a:scrgbClr r="0" g="0" b="0"/>
+      </a:lnRef>
+      <a:fillRef idx="1">
+        <a:scrgbClr r="0" g="0" b="0"/>
+      </a:fillRef>
+      <a:effectRef idx="0">
+        <a:scrgbClr r="0" g="0" b="0"/>
+      </a:effectRef>
+      <a:fontRef idx="minor"/>
+    </dgm:style>
+  </dgm:styleLbl>
+  <dgm:styleLbl name="conFgAcc1">
+    <dgm:scene3d>
+      <a:camera prst="orthographicFront"/>
+      <a:lightRig rig="threePt" dir="t"/>
+    </dgm:scene3d>
+    <dgm:sp3d/>
+    <dgm:txPr/>
+    <dgm:style>
+      <a:lnRef idx="2">
+        <a:scrgbClr r="0" g="0" b="0"/>
+      </a:lnRef>
+      <a:fillRef idx="1">
+        <a:scrgbClr r="0" g="0" b="0"/>
+      </a:fillRef>
+      <a:effectRef idx="0">
+        <a:scrgbClr r="0" g="0" b="0"/>
+      </a:effectRef>
+      <a:fontRef idx="minor"/>
+    </dgm:style>
+  </dgm:styleLbl>
+  <dgm:styleLbl name="alignAcc1">
+    <dgm:scene3d>
+      <a:camera prst="orthographicFront"/>
+      <a:lightRig rig="threePt" dir="t"/>
+    </dgm:scene3d>
+    <dgm:sp3d/>
+    <dgm:txPr/>
+    <dgm:style>
+      <a:lnRef idx="2">
+        <a:scrgbClr r="0" g="0" b="0"/>
+      </a:lnRef>
+      <a:fillRef idx="1">
+        <a:scrgbClr r="0" g="0" b="0"/>
+      </a:fillRef>
+      <a:effectRef idx="0">
+        <a:scrgbClr r="0" g="0" b="0"/>
+      </a:effectRef>
+      <a:fontRef idx="minor"/>
+    </dgm:style>
+  </dgm:styleLbl>
+  <dgm:styleLbl name="trAlignAcc1">
+    <dgm:scene3d>
+      <a:camera prst="orthographicFront"/>
+      <a:lightRig rig="threePt" dir="t"/>
+    </dgm:scene3d>
+    <dgm:sp3d/>
+    <dgm:txPr/>
+    <dgm:style>
+      <a:lnRef idx="1">
+        <a:scrgbClr r="0" g="0" b="0"/>
+      </a:lnRef>
+      <a:fillRef idx="1">
+        <a:scrgbClr r="0" g="0" b="0"/>
+      </a:fillRef>
+      <a:effectRef idx="0">
+        <a:scrgbClr r="0" g="0" b="0"/>
+      </a:effectRef>
+      <a:fontRef idx="minor"/>
+    </dgm:style>
+  </dgm:styleLbl>
+  <dgm:styleLbl name="bgAcc1">
+    <dgm:scene3d>
+      <a:camera prst="orthographicFront"/>
+      <a:lightRig rig="threePt" dir="t"/>
+    </dgm:scene3d>
+    <dgm:sp3d/>
+    <dgm:txPr/>
+    <dgm:style>
+      <a:lnRef idx="2">
+        <a:scrgbClr r="0" g="0" b="0"/>
+      </a:lnRef>
+      <a:fillRef idx="1">
+        <a:scrgbClr r="0" g="0" b="0"/>
+      </a:fillRef>
+      <a:effectRef idx="0">
+        <a:scrgbClr r="0" g="0" b="0"/>
+      </a:effectRef>
+      <a:fontRef idx="minor"/>
+    </dgm:style>
+  </dgm:styleLbl>
+  <dgm:styleLbl name="solidFgAcc1">
+    <dgm:scene3d>
+      <a:camera prst="orthographicFront"/>
+      <a:lightRig rig="threePt" dir="t"/>
+    </dgm:scene3d>
+    <dgm:sp3d/>
+    <dgm:txPr/>
+    <dgm:style>
+      <a:lnRef idx="2">
+        <a:scrgbClr r="0" g="0" b="0"/>
+      </a:lnRef>
+      <a:fillRef idx="1">
+        <a:scrgbClr r="0" g="0" b="0"/>
+      </a:fillRef>
+      <a:effectRef idx="0">
+        <a:scrgbClr r="0" g="0" b="0"/>
+      </a:effectRef>
+      <a:fontRef idx="minor"/>
+    </dgm:style>
+  </dgm:styleLbl>
+  <dgm:styleLbl name="solidAlignAcc1">
+    <dgm:scene3d>
+      <a:camera prst="orthographicFront"/>
+      <a:lightRig rig="threePt" dir="t"/>
+    </dgm:scene3d>
+    <dgm:sp3d/>
+    <dgm:txPr/>
+    <dgm:style>
+      <a:lnRef idx="2">
+        <a:scrgbClr r="0" g="0" b="0"/>
+      </a:lnRef>
+      <a:fillRef idx="1">
+        <a:scrgbClr r="0" g="0" b="0"/>
+      </a:fillRef>
+      <a:effectRef idx="0">
+        <a:scrgbClr r="0" g="0" b="0"/>
+      </a:effectRef>
+      <a:fontRef idx="minor"/>
+    </dgm:style>
+  </dgm:styleLbl>
+  <dgm:styleLbl name="solidBgAcc1">
+    <dgm:scene3d>
+      <a:camera prst="orthographicFront"/>
+      <a:lightRig rig="threePt" dir="t"/>
+    </dgm:scene3d>
+    <dgm:sp3d/>
+    <dgm:txPr/>
+    <dgm:style>
+      <a:lnRef idx="2">
+        <a:scrgbClr r="0" g="0" b="0"/>
+      </a:lnRef>
+      <a:fillRef idx="1">
+        <a:scrgbClr r="0" g="0" b="0"/>
+      </a:fillRef>
+      <a:effectRef idx="0">
+        <a:scrgbClr r="0" g="0" b="0"/>
+      </a:effectRef>
+      <a:fontRef idx="minor"/>
+    </dgm:style>
+  </dgm:styleLbl>
+  <dgm:styleLbl name="fgAccFollowNode1">
+    <dgm:scene3d>
+      <a:camera prst="orthographicFront"/>
+      <a:lightRig rig="threePt" dir="t"/>
+    </dgm:scene3d>
+    <dgm:sp3d/>
+    <dgm:txPr/>
+    <dgm:style>
+      <a:lnRef idx="2">
+        <a:scrgbClr r="0" g="0" b="0"/>
+      </a:lnRef>
+      <a:fillRef idx="1">
+        <a:scrgbClr r="0" g="0" b="0"/>
+      </a:fillRef>
+      <a:effectRef idx="0">
+        <a:scrgbClr r="0" g="0" b="0"/>
+      </a:effectRef>
+      <a:fontRef idx="minor"/>
+    </dgm:style>
+  </dgm:styleLbl>
+  <dgm:styleLbl name="alignAccFollowNode1">
+    <dgm:scene3d>
+      <a:camera prst="orthographicFront"/>
+      <a:lightRig rig="threePt" dir="t"/>
+    </dgm:scene3d>
+    <dgm:sp3d/>
+    <dgm:txPr/>
+    <dgm:style>
+      <a:lnRef idx="2">
+        <a:scrgbClr r="0" g="0" b="0"/>
+      </a:lnRef>
+      <a:fillRef idx="1">
+        <a:scrgbClr r="0" g="0" b="0"/>
+      </a:fillRef>
+      <a:effectRef idx="0">
+        <a:scrgbClr r="0" g="0" b="0"/>
+      </a:effectRef>
+      <a:fontRef idx="minor"/>
+    </dgm:style>
+  </dgm:styleLbl>
+  <dgm:styleLbl name="bgAccFollowNode1">
+    <dgm:scene3d>
+      <a:camera prst="orthographicFront"/>
+      <a:lightRig rig="threePt" dir="t"/>
+    </dgm:scene3d>
+    <dgm:sp3d/>
+    <dgm:txPr/>
+    <dgm:style>
+      <a:lnRef idx="2">
+        <a:scrgbClr r="0" g="0" b="0"/>
+      </a:lnRef>
+      <a:fillRef idx="1">
+        <a:scrgbClr r="0" g="0" b="0"/>
+      </a:fillRef>
+      <a:effectRef idx="0">
+        <a:scrgbClr r="0" g="0" b="0"/>
+      </a:effectRef>
+      <a:fontRef idx="minor"/>
+    </dgm:style>
+  </dgm:styleLbl>
+  <dgm:styleLbl name="fgAcc0">
+    <dgm:scene3d>
+      <a:camera prst="orthographicFront"/>
+      <a:lightRig rig="threePt" dir="t"/>
+    </dgm:scene3d>
+    <dgm:sp3d/>
+    <dgm:txPr/>
+    <dgm:style>
+      <a:lnRef idx="2">
+        <a:scrgbClr r="0" g="0" b="0"/>
+      </a:lnRef>
+      <a:fillRef idx="1">
+        <a:scrgbClr r="0" g="0" b="0"/>
+      </a:fillRef>
+      <a:effectRef idx="0">
+        <a:scrgbClr r="0" g="0" b="0"/>
+      </a:effectRef>
+      <a:fontRef idx="minor"/>
+    </dgm:style>
+  </dgm:styleLbl>
+  <dgm:styleLbl name="fgAcc2">
+    <dgm:scene3d>
+      <a:camera prst="orthographicFront"/>
+      <a:lightRig rig="threePt" dir="t"/>
+    </dgm:scene3d>
+    <dgm:sp3d/>
+    <dgm:txPr/>
+    <dgm:style>
+      <a:lnRef idx="2">
+        <a:scrgbClr r="0" g="0" b="0"/>
+      </a:lnRef>
+      <a:fillRef idx="1">
+        <a:scrgbClr r="0" g="0" b="0"/>
+      </a:fillRef>
+      <a:effectRef idx="0">
+        <a:scrgbClr r="0" g="0" b="0"/>
+      </a:effectRef>
+      <a:fontRef idx="minor"/>
+    </dgm:style>
+  </dgm:styleLbl>
+  <dgm:styleLbl name="fgAcc3">
+    <dgm:scene3d>
+      <a:camera prst="orthographicFront"/>
+      <a:lightRig rig="threePt" dir="t"/>
+    </dgm:scene3d>
+    <dgm:sp3d/>
+    <dgm:txPr/>
+    <dgm:style>
+      <a:lnRef idx="2">
+        <a:scrgbClr r="0" g="0" b="0"/>
+      </a:lnRef>
+      <a:fillRef idx="1">
+        <a:scrgbClr r="0" g="0" b="0"/>
+      </a:fillRef>
+      <a:effectRef idx="0">
+        <a:scrgbClr r="0" g="0" b="0"/>
+      </a:effectRef>
+      <a:fontRef idx="minor"/>
+    </dgm:style>
+  </dgm:styleLbl>
+  <dgm:styleLbl name="fgAcc4">
+    <dgm:scene3d>
+      <a:camera prst="orthographicFront"/>
+      <a:lightRig rig="threePt" dir="t"/>
+    </dgm:scene3d>
+    <dgm:sp3d/>
+    <dgm:txPr/>
+    <dgm:style>
+      <a:lnRef idx="2">
+        <a:scrgbClr r="0" g="0" b="0"/>
+      </a:lnRef>
+      <a:fillRef idx="1">
+        <a:scrgbClr r="0" g="0" b="0"/>
+      </a:fillRef>
+      <a:effectRef idx="0">
+        <a:scrgbClr r="0" g="0" b="0"/>
+      </a:effectRef>
+      <a:fontRef idx="minor"/>
+    </dgm:style>
+  </dgm:styleLbl>
+  <dgm:styleLbl name="bgShp">
+    <dgm:scene3d>
+      <a:camera prst="orthographicFront"/>
+      <a:lightRig rig="threePt" dir="t"/>
+    </dgm:scene3d>
+    <dgm:sp3d/>
+    <dgm:txPr/>
+    <dgm:style>
+      <a:lnRef idx="0">
+        <a:scrgbClr r="0" g="0" b="0"/>
+      </a:lnRef>
+      <a:fillRef idx="1">
+        <a:scrgbClr r="0" g="0" b="0"/>
+      </a:fillRef>
+      <a:effectRef idx="0">
+        <a:scrgbClr r="0" g="0" b="0"/>
+      </a:effectRef>
+      <a:fontRef idx="minor"/>
+    </dgm:style>
+  </dgm:styleLbl>
+  <dgm:styleLbl name="dkBgShp">
+    <dgm:scene3d>
+      <a:camera prst="orthographicFront"/>
+      <a:lightRig rig="threePt" dir="t"/>
+    </dgm:scene3d>
+    <dgm:sp3d/>
+    <dgm:txPr/>
+    <dgm:style>
+      <a:lnRef idx="0">
+        <a:scrgbClr r="0" g="0" b="0"/>
+      </a:lnRef>
+      <a:fillRef idx="1">
+        <a:scrgbClr r="0" g="0" b="0"/>
+      </a:fillRef>
+      <a:effectRef idx="0">
+        <a:scrgbClr r="0" g="0" b="0"/>
+      </a:effectRef>
+      <a:fontRef idx="minor"/>
+    </dgm:style>
+  </dgm:styleLbl>
+  <dgm:styleLbl name="trBgShp">
+    <dgm:scene3d>
+      <a:camera prst="orthographicFront"/>
+      <a:lightRig rig="threePt" dir="t"/>
+    </dgm:scene3d>
+    <dgm:sp3d/>
+    <dgm:txPr/>
+    <dgm:style>
+      <a:lnRef idx="0">
+        <a:scrgbClr r="0" g="0" b="0"/>
+      </a:lnRef>
+      <a:fillRef idx="1">
+        <a:scrgbClr r="0" g="0" b="0"/>
+      </a:fillRef>
+      <a:effectRef idx="0">
+        <a:scrgbClr r="0" g="0" b="0"/>
+      </a:effectRef>
+      <a:fontRef idx="minor"/>
+    </dgm:style>
+  </dgm:styleLbl>
+  <dgm:styleLbl name="fgShp">
+    <dgm:scene3d>
+      <a:camera prst="orthographicFront"/>
+      <a:lightRig rig="threePt" dir="t"/>
+    </dgm:scene3d>
+    <dgm:sp3d/>
+    <dgm:txPr/>
+    <dgm:style>
+      <a:lnRef idx="2">
+        <a:scrgbClr r="0" g="0" b="0"/>
+      </a:lnRef>
+      <a:fillRef idx="1">
+        <a:scrgbClr r="0" g="0" b="0"/>
+      </a:fillRef>
+      <a:effectRef idx="0">
+        <a:scrgbClr r="0" g="0" b="0"/>
+      </a:effectRef>
+      <a:fontRef idx="minor"/>
+    </dgm:style>
+  </dgm:styleLbl>
+  <dgm:styleLbl name="revTx">
+    <dgm:scene3d>
+      <a:camera prst="orthographicFront"/>
+      <a:lightRig rig="threePt" dir="t"/>
+    </dgm:scene3d>
+    <dgm:sp3d/>
+    <dgm:txPr/>
+    <dgm:style>
+      <a:lnRef idx="0">
+        <a:scrgbClr r="0" g="0" b="0"/>
+      </a:lnRef>
+      <a:fillRef idx="0">
+        <a:scrgbClr r="0" g="0" b="0"/>
+      </a:fillRef>
+      <a:effectRef idx="0">
+        <a:scrgbClr r="0" g="0" b="0"/>
+      </a:effectRef>
+      <a:fontRef idx="minor"/>
+    </dgm:style>
+  </dgm:styleLbl>
+</dgm:styleDef>
 </file>
 
 <file path=ppt/slideLayouts/slideLayout1.xml><?xml version="1.0" encoding="utf-8"?>
@@ -3840,8 +6288,8 @@
           <a:lstStyle/>
           <a:p>
             <a:r>
-              <a:rPr lang="en-MY" sz="7200"/>
-              <a:t>World Choropleth of Countries Trade Balance</a:t>
+              <a:rPr lang="en-MY" sz="7200" dirty="0"/>
+              <a:t>World Trade Balance Visualization</a:t>
             </a:r>
           </a:p>
         </p:txBody>
@@ -4271,7 +6719,7 @@
           <a:lstStyle/>
           <a:p>
             <a:r>
-              <a:rPr lang="en-US" kern="1200">
+              <a:rPr lang="en-US" kern="1200" dirty="0">
                 <a:solidFill>
                   <a:schemeClr val="tx1"/>
                 </a:solidFill>
@@ -4703,14 +7151,14 @@
           <a:lstStyle/>
           <a:p>
             <a:r>
-              <a:rPr lang="en-MY" sz="2200"/>
+              <a:rPr lang="en-MY" sz="2200" dirty="0"/>
               <a:t>In export-led growth countries (China, Singapore, Hong Kong and Vietnam), the trade balance will shift towards exports during an economic expansion.</a:t>
             </a:r>
           </a:p>
           <a:p>
             <a:r>
-              <a:rPr lang="en-MY" sz="2200"/>
-              <a:t>In domestic demand-led growth (the US and Australia) the trade balance will shift towards imports at the same stage.</a:t>
+              <a:rPr lang="en-MY" sz="2200" dirty="0"/>
+              <a:t>In domestic demand-led growth (the US and Canada) the trade balance will shift towards imports at the same stage.</a:t>
             </a:r>
           </a:p>
         </p:txBody>
@@ -4753,12 +7201,12 @@
           <a:chExt cx="0" cy="0"/>
         </a:xfrm>
       </p:grpSpPr>
-      <p:sp useBgFill="1">
+      <p:sp>
         <p:nvSpPr>
           <p:cNvPr id="8" name="Rectangle 7">
             <a:extLst>
               <a:ext uri="{FF2B5EF4-FFF2-40B4-BE49-F238E27FC236}">
-                <a16:creationId xmlns:a16="http://schemas.microsoft.com/office/drawing/2014/main" id="{CBB2B1F0-0DD6-4744-9A46-7A344FB48E40}"/>
+                <a16:creationId xmlns:a16="http://schemas.microsoft.com/office/drawing/2014/main" id="{F3060C83-F051-4F0E-ABAD-AA0DFC48B218}"/>
               </a:ext>
               <a:ext uri="{C183D7F6-B498-43B3-948B-1728B52AA6E4}">
                 <adec:decorative xmlns:adec="http://schemas.microsoft.com/office/drawing/2017/decorative" val="1"/>
@@ -4784,172 +7232,8 @@
           <a:prstGeom prst="rect">
             <a:avLst/>
           </a:prstGeom>
-          <a:ln>
-            <a:noFill/>
-          </a:ln>
-        </p:spPr>
-        <p:style>
-          <a:lnRef idx="2">
-            <a:schemeClr val="accent1">
-              <a:shade val="50000"/>
-            </a:schemeClr>
-          </a:lnRef>
-          <a:fillRef idx="1">
-            <a:schemeClr val="accent1"/>
-          </a:fillRef>
-          <a:effectRef idx="0">
-            <a:schemeClr val="accent1"/>
-          </a:effectRef>
-          <a:fontRef idx="minor">
-            <a:schemeClr val="lt1"/>
-          </a:fontRef>
-        </p:style>
-        <p:txBody>
-          <a:bodyPr rtlCol="0" anchor="ctr"/>
-          <a:lstStyle/>
-          <a:p>
-            <a:pPr algn="ctr"/>
-            <a:endParaRPr lang="en-US"/>
-          </a:p>
-        </p:txBody>
-      </p:sp>
-      <p:sp>
-        <p:nvSpPr>
-          <p:cNvPr id="2" name="Title 1">
-            <a:extLst>
-              <a:ext uri="{FF2B5EF4-FFF2-40B4-BE49-F238E27FC236}">
-                <a16:creationId xmlns:a16="http://schemas.microsoft.com/office/drawing/2014/main" id="{A9811255-9D59-40A6-A06A-C03E019AF44C}"/>
-              </a:ext>
-            </a:extLst>
-          </p:cNvPr>
-          <p:cNvSpPr>
-            <a:spLocks noGrp="1"/>
-          </p:cNvSpPr>
-          <p:nvPr>
-            <p:ph type="title"/>
-          </p:nvPr>
-        </p:nvSpPr>
-        <p:spPr>
-          <a:xfrm>
-            <a:off x="841248" y="426720"/>
-            <a:ext cx="10506456" cy="1919141"/>
-          </a:xfrm>
-        </p:spPr>
-        <p:txBody>
-          <a:bodyPr anchor="b">
-            <a:normAutofit/>
-          </a:bodyPr>
-          <a:lstStyle/>
-          <a:p>
-            <a:r>
-              <a:rPr lang="en-MY" sz="6000"/>
-              <a:t>Visualising the data</a:t>
-            </a:r>
-          </a:p>
-        </p:txBody>
-      </p:sp>
-      <p:sp>
-        <p:nvSpPr>
-          <p:cNvPr id="10" name="Rectangle 9">
-            <a:extLst>
-              <a:ext uri="{FF2B5EF4-FFF2-40B4-BE49-F238E27FC236}">
-                <a16:creationId xmlns:a16="http://schemas.microsoft.com/office/drawing/2014/main" id="{52D502E5-F6B4-4D58-B4AE-FC466FF15EE8}"/>
-              </a:ext>
-              <a:ext uri="{C183D7F6-B498-43B3-948B-1728B52AA6E4}">
-                <adec:decorative xmlns:adec="http://schemas.microsoft.com/office/drawing/2017/decorative" val="1"/>
-              </a:ext>
-            </a:extLst>
-          </p:cNvPr>
-          <p:cNvSpPr>
-            <a:spLocks noGrp="1" noRot="1" noChangeAspect="1" noMove="1" noResize="1" noEditPoints="1" noAdjustHandles="1" noChangeArrowheads="1" noChangeShapeType="1" noTextEdit="1"/>
-          </p:cNvSpPr>
-          <p:nvPr>
-            <p:extLst>
-              <p:ext uri="{386F3935-93C4-4BCD-93E2-E3B085C9AB24}">
-                <p16:designElem xmlns:p16="http://schemas.microsoft.com/office/powerpoint/2015/main" val="1"/>
-              </p:ext>
-            </p:extLst>
-          </p:nvPr>
-        </p:nvSpPr>
-        <p:spPr>
-          <a:xfrm>
-            <a:off x="865953" y="2899927"/>
-            <a:ext cx="10451592" cy="18288"/>
-          </a:xfrm>
-          <a:prstGeom prst="rect">
-            <a:avLst/>
-          </a:prstGeom>
           <a:solidFill>
-            <a:srgbClr val="D5D5D5"/>
-          </a:solidFill>
-          <a:ln w="3175">
-            <a:noFill/>
-          </a:ln>
-          <a:effectLst/>
-        </p:spPr>
-        <p:style>
-          <a:lnRef idx="2">
-            <a:schemeClr val="accent1">
-              <a:shade val="50000"/>
-            </a:schemeClr>
-          </a:lnRef>
-          <a:fillRef idx="1">
-            <a:schemeClr val="accent1"/>
-          </a:fillRef>
-          <a:effectRef idx="0">
-            <a:schemeClr val="accent1"/>
-          </a:effectRef>
-          <a:fontRef idx="minor">
-            <a:schemeClr val="lt1"/>
-          </a:fontRef>
-        </p:style>
-        <p:txBody>
-          <a:bodyPr rtlCol="0" anchor="ctr"/>
-          <a:lstStyle/>
-          <a:p>
-            <a:pPr algn="ctr"/>
-            <a:endParaRPr lang="en-US">
-              <a:solidFill>
-                <a:prstClr val="white"/>
-              </a:solidFill>
-              <a:latin typeface="Calibri" panose="020F0502020204030204"/>
-            </a:endParaRPr>
-          </a:p>
-        </p:txBody>
-      </p:sp>
-      <p:sp>
-        <p:nvSpPr>
-          <p:cNvPr id="12" name="Rectangle 11">
-            <a:extLst>
-              <a:ext uri="{FF2B5EF4-FFF2-40B4-BE49-F238E27FC236}">
-                <a16:creationId xmlns:a16="http://schemas.microsoft.com/office/drawing/2014/main" id="{9DECDBF4-02B6-4BB4-B65B-B8107AD6A9E8}"/>
-              </a:ext>
-              <a:ext uri="{C183D7F6-B498-43B3-948B-1728B52AA6E4}">
-                <adec:decorative xmlns:adec="http://schemas.microsoft.com/office/drawing/2017/decorative" val="1"/>
-              </a:ext>
-            </a:extLst>
-          </p:cNvPr>
-          <p:cNvSpPr>
-            <a:spLocks noGrp="1" noRot="1" noChangeAspect="1" noMove="1" noResize="1" noEditPoints="1" noAdjustHandles="1" noChangeArrowheads="1" noChangeShapeType="1" noTextEdit="1"/>
-          </p:cNvSpPr>
-          <p:nvPr>
-            <p:extLst>
-              <p:ext uri="{386F3935-93C4-4BCD-93E2-E3B085C9AB24}">
-                <p16:designElem xmlns:p16="http://schemas.microsoft.com/office/powerpoint/2015/main" val="1"/>
-              </p:ext>
-            </p:extLst>
-          </p:nvPr>
-        </p:nvSpPr>
-        <p:spPr>
-          <a:xfrm flipV="1">
-            <a:off x="841248" y="2776031"/>
-            <a:ext cx="1873457" cy="137160"/>
-          </a:xfrm>
-          <a:prstGeom prst="rect">
-            <a:avLst/>
-          </a:prstGeom>
-          <a:solidFill>
-            <a:schemeClr val="accent2"/>
+            <a:schemeClr val="bg1"/>
           </a:solidFill>
           <a:ln>
             <a:noFill/>
@@ -4976,100 +7260,16 @@
           <a:lstStyle/>
           <a:p>
             <a:pPr algn="ctr"/>
-            <a:endParaRPr lang="en-US">
-              <a:solidFill>
-                <a:prstClr val="white"/>
-              </a:solidFill>
-              <a:latin typeface="Calibri" panose="020F0502020204030204"/>
-            </a:endParaRPr>
+            <a:endParaRPr lang="en-US" dirty="0"/>
           </a:p>
         </p:txBody>
       </p:sp>
       <p:sp>
         <p:nvSpPr>
-          <p:cNvPr id="3" name="Content Placeholder 2">
-            <a:extLst>
-              <a:ext uri="{FF2B5EF4-FFF2-40B4-BE49-F238E27FC236}">
-                <a16:creationId xmlns:a16="http://schemas.microsoft.com/office/drawing/2014/main" id="{199DAC01-2F04-4546-ACD3-6540C5AE8A53}"/>
-              </a:ext>
-            </a:extLst>
-          </p:cNvPr>
-          <p:cNvSpPr>
-            <a:spLocks noGrp="1"/>
-          </p:cNvSpPr>
-          <p:nvPr>
-            <p:ph idx="1"/>
-          </p:nvPr>
-        </p:nvSpPr>
-        <p:spPr>
-          <a:xfrm>
-            <a:off x="841248" y="3337269"/>
-            <a:ext cx="10509504" cy="2905686"/>
-          </a:xfrm>
-        </p:spPr>
-        <p:txBody>
-          <a:bodyPr>
-            <a:normAutofit/>
-          </a:bodyPr>
-          <a:lstStyle/>
-          <a:p>
-            <a:r>
-              <a:rPr lang="en-MY" sz="2200"/>
-              <a:t>To find out each country’s net export values over a given period of time</a:t>
-            </a:r>
-          </a:p>
-          <a:p>
-            <a:r>
-              <a:rPr lang="en-MY" sz="2200"/>
-              <a:t>Colour code each country on a world choropleth based on their net export values</a:t>
-            </a:r>
-          </a:p>
-        </p:txBody>
-      </p:sp>
-    </p:spTree>
-    <p:extLst>
-      <p:ext uri="{BB962C8B-B14F-4D97-AF65-F5344CB8AC3E}">
-        <p14:creationId xmlns:p14="http://schemas.microsoft.com/office/powerpoint/2010/main" val="4003289482"/>
-      </p:ext>
-    </p:extLst>
-  </p:cSld>
-  <p:clrMapOvr>
-    <a:masterClrMapping/>
-  </p:clrMapOvr>
-</p:sld>
-</file>
-
-<file path=ppt/slides/slide5.xml><?xml version="1.0" encoding="utf-8"?>
-<p:sld xmlns:a="http://schemas.openxmlformats.org/drawingml/2006/main" xmlns:r="http://schemas.openxmlformats.org/officeDocument/2006/relationships" xmlns:p="http://schemas.openxmlformats.org/presentationml/2006/main">
-  <p:cSld>
-    <p:bg>
-      <p:bgPr>
-        <a:solidFill>
-          <a:schemeClr val="bg1"/>
-        </a:solidFill>
-        <a:effectLst/>
-      </p:bgPr>
-    </p:bg>
-    <p:spTree>
-      <p:nvGrpSpPr>
-        <p:cNvPr id="1" name=""/>
-        <p:cNvGrpSpPr/>
-        <p:nvPr/>
-      </p:nvGrpSpPr>
-      <p:grpSpPr>
-        <a:xfrm>
-          <a:off x="0" y="0"/>
-          <a:ext cx="0" cy="0"/>
-          <a:chOff x="0" y="0"/>
-          <a:chExt cx="0" cy="0"/>
-        </a:xfrm>
-      </p:grpSpPr>
-      <p:sp useBgFill="1">
-        <p:nvSpPr>
-          <p:cNvPr id="8" name="Rectangle 7">
-            <a:extLst>
-              <a:ext uri="{FF2B5EF4-FFF2-40B4-BE49-F238E27FC236}">
-                <a16:creationId xmlns:a16="http://schemas.microsoft.com/office/drawing/2014/main" id="{CBB2B1F0-0DD6-4744-9A46-7A344FB48E40}"/>
+          <p:cNvPr id="10" name="Freeform: Shape 9">
+            <a:extLst>
+              <a:ext uri="{FF2B5EF4-FFF2-40B4-BE49-F238E27FC236}">
+                <a16:creationId xmlns:a16="http://schemas.microsoft.com/office/drawing/2014/main" id="{83C98ABE-055B-441F-B07E-44F97F083C39}"/>
               </a:ext>
               <a:ext uri="{C183D7F6-B498-43B3-948B-1728B52AA6E4}">
                 <adec:decorative xmlns:adec="http://schemas.microsoft.com/office/drawing/2017/decorative" val="1"/>
@@ -5088,179 +7288,68 @@
           </p:nvPr>
         </p:nvSpPr>
         <p:spPr>
-          <a:xfrm>
-            <a:off x="0" y="0"/>
-            <a:ext cx="12192000" cy="6858000"/>
+          <a:xfrm rot="18900000" flipH="1">
+            <a:off x="-376156" y="-253670"/>
+            <a:ext cx="1827638" cy="1376989"/>
           </a:xfrm>
-          <a:prstGeom prst="rect">
+          <a:custGeom>
             <a:avLst/>
-          </a:prstGeom>
-          <a:ln>
-            <a:noFill/>
-          </a:ln>
-        </p:spPr>
-        <p:style>
-          <a:lnRef idx="2">
+            <a:gdLst>
+              <a:gd name="connsiteX0" fmla="*/ 0 w 1827638"/>
+              <a:gd name="connsiteY0" fmla="*/ 987379 h 1376989"/>
+              <a:gd name="connsiteX1" fmla="*/ 987379 w 1827638"/>
+              <a:gd name="connsiteY1" fmla="*/ 0 h 1376989"/>
+              <a:gd name="connsiteX2" fmla="*/ 1827638 w 1827638"/>
+              <a:gd name="connsiteY2" fmla="*/ 840260 h 1376989"/>
+              <a:gd name="connsiteX3" fmla="*/ 1827638 w 1827638"/>
+              <a:gd name="connsiteY3" fmla="*/ 1376989 h 1376989"/>
+              <a:gd name="connsiteX4" fmla="*/ 0 w 1827638"/>
+              <a:gd name="connsiteY4" fmla="*/ 1376989 h 1376989"/>
+            </a:gdLst>
+            <a:ahLst/>
+            <a:cxnLst>
+              <a:cxn ang="0">
+                <a:pos x="connsiteX0" y="connsiteY0"/>
+              </a:cxn>
+              <a:cxn ang="0">
+                <a:pos x="connsiteX1" y="connsiteY1"/>
+              </a:cxn>
+              <a:cxn ang="0">
+                <a:pos x="connsiteX2" y="connsiteY2"/>
+              </a:cxn>
+              <a:cxn ang="0">
+                <a:pos x="connsiteX3" y="connsiteY3"/>
+              </a:cxn>
+              <a:cxn ang="0">
+                <a:pos x="connsiteX4" y="connsiteY4"/>
+              </a:cxn>
+            </a:cxnLst>
+            <a:rect l="l" t="t" r="r" b="b"/>
+            <a:pathLst>
+              <a:path w="1827638" h="1376989">
+                <a:moveTo>
+                  <a:pt x="0" y="987379"/>
+                </a:moveTo>
+                <a:lnTo>
+                  <a:pt x="987379" y="0"/>
+                </a:lnTo>
+                <a:lnTo>
+                  <a:pt x="1827638" y="840260"/>
+                </a:lnTo>
+                <a:lnTo>
+                  <a:pt x="1827638" y="1376989"/>
+                </a:lnTo>
+                <a:lnTo>
+                  <a:pt x="0" y="1376989"/>
+                </a:lnTo>
+                <a:close/>
+              </a:path>
+            </a:pathLst>
+          </a:custGeom>
+          <a:solidFill>
             <a:schemeClr val="accent1">
-              <a:shade val="50000"/>
+              <a:alpha val="30000"/>
             </a:schemeClr>
-          </a:lnRef>
-          <a:fillRef idx="1">
-            <a:schemeClr val="accent1"/>
-          </a:fillRef>
-          <a:effectRef idx="0">
-            <a:schemeClr val="accent1"/>
-          </a:effectRef>
-          <a:fontRef idx="minor">
-            <a:schemeClr val="lt1"/>
-          </a:fontRef>
-        </p:style>
-        <p:txBody>
-          <a:bodyPr rtlCol="0" anchor="ctr"/>
-          <a:lstStyle/>
-          <a:p>
-            <a:pPr algn="ctr"/>
-            <a:endParaRPr lang="en-US"/>
-          </a:p>
-        </p:txBody>
-      </p:sp>
-      <p:sp>
-        <p:nvSpPr>
-          <p:cNvPr id="2" name="Title 1">
-            <a:extLst>
-              <a:ext uri="{FF2B5EF4-FFF2-40B4-BE49-F238E27FC236}">
-                <a16:creationId xmlns:a16="http://schemas.microsoft.com/office/drawing/2014/main" id="{11300963-FFC1-48CF-9A8A-903F96702B93}"/>
-              </a:ext>
-            </a:extLst>
-          </p:cNvPr>
-          <p:cNvSpPr>
-            <a:spLocks noGrp="1"/>
-          </p:cNvSpPr>
-          <p:nvPr>
-            <p:ph type="title"/>
-          </p:nvPr>
-        </p:nvSpPr>
-        <p:spPr>
-          <a:xfrm>
-            <a:off x="841248" y="426720"/>
-            <a:ext cx="10506456" cy="1919141"/>
-          </a:xfrm>
-        </p:spPr>
-        <p:txBody>
-          <a:bodyPr anchor="b">
-            <a:normAutofit/>
-          </a:bodyPr>
-          <a:lstStyle/>
-          <a:p>
-            <a:r>
-              <a:rPr lang="en-MY" sz="6000"/>
-              <a:t>Visualisation – World Choropleth</a:t>
-            </a:r>
-          </a:p>
-        </p:txBody>
-      </p:sp>
-      <p:sp>
-        <p:nvSpPr>
-          <p:cNvPr id="10" name="Rectangle 9">
-            <a:extLst>
-              <a:ext uri="{FF2B5EF4-FFF2-40B4-BE49-F238E27FC236}">
-                <a16:creationId xmlns:a16="http://schemas.microsoft.com/office/drawing/2014/main" id="{52D502E5-F6B4-4D58-B4AE-FC466FF15EE8}"/>
-              </a:ext>
-              <a:ext uri="{C183D7F6-B498-43B3-948B-1728B52AA6E4}">
-                <adec:decorative xmlns:adec="http://schemas.microsoft.com/office/drawing/2017/decorative" val="1"/>
-              </a:ext>
-            </a:extLst>
-          </p:cNvPr>
-          <p:cNvSpPr>
-            <a:spLocks noGrp="1" noRot="1" noChangeAspect="1" noMove="1" noResize="1" noEditPoints="1" noAdjustHandles="1" noChangeArrowheads="1" noChangeShapeType="1" noTextEdit="1"/>
-          </p:cNvSpPr>
-          <p:nvPr>
-            <p:extLst>
-              <p:ext uri="{386F3935-93C4-4BCD-93E2-E3B085C9AB24}">
-                <p16:designElem xmlns:p16="http://schemas.microsoft.com/office/powerpoint/2015/main" val="1"/>
-              </p:ext>
-            </p:extLst>
-          </p:nvPr>
-        </p:nvSpPr>
-        <p:spPr>
-          <a:xfrm>
-            <a:off x="865953" y="2899927"/>
-            <a:ext cx="10451592" cy="18288"/>
-          </a:xfrm>
-          <a:prstGeom prst="rect">
-            <a:avLst/>
-          </a:prstGeom>
-          <a:solidFill>
-            <a:srgbClr val="D5D5D5"/>
-          </a:solidFill>
-          <a:ln w="3175">
-            <a:noFill/>
-          </a:ln>
-          <a:effectLst/>
-        </p:spPr>
-        <p:style>
-          <a:lnRef idx="2">
-            <a:schemeClr val="accent1">
-              <a:shade val="50000"/>
-            </a:schemeClr>
-          </a:lnRef>
-          <a:fillRef idx="1">
-            <a:schemeClr val="accent1"/>
-          </a:fillRef>
-          <a:effectRef idx="0">
-            <a:schemeClr val="accent1"/>
-          </a:effectRef>
-          <a:fontRef idx="minor">
-            <a:schemeClr val="lt1"/>
-          </a:fontRef>
-        </p:style>
-        <p:txBody>
-          <a:bodyPr rtlCol="0" anchor="ctr"/>
-          <a:lstStyle/>
-          <a:p>
-            <a:pPr algn="ctr"/>
-            <a:endParaRPr lang="en-US">
-              <a:solidFill>
-                <a:prstClr val="white"/>
-              </a:solidFill>
-              <a:latin typeface="Calibri" panose="020F0502020204030204"/>
-            </a:endParaRPr>
-          </a:p>
-        </p:txBody>
-      </p:sp>
-      <p:sp>
-        <p:nvSpPr>
-          <p:cNvPr id="12" name="Rectangle 11">
-            <a:extLst>
-              <a:ext uri="{FF2B5EF4-FFF2-40B4-BE49-F238E27FC236}">
-                <a16:creationId xmlns:a16="http://schemas.microsoft.com/office/drawing/2014/main" id="{9DECDBF4-02B6-4BB4-B65B-B8107AD6A9E8}"/>
-              </a:ext>
-              <a:ext uri="{C183D7F6-B498-43B3-948B-1728B52AA6E4}">
-                <adec:decorative xmlns:adec="http://schemas.microsoft.com/office/drawing/2017/decorative" val="1"/>
-              </a:ext>
-            </a:extLst>
-          </p:cNvPr>
-          <p:cNvSpPr>
-            <a:spLocks noGrp="1" noRot="1" noChangeAspect="1" noMove="1" noResize="1" noEditPoints="1" noAdjustHandles="1" noChangeArrowheads="1" noChangeShapeType="1" noTextEdit="1"/>
-          </p:cNvSpPr>
-          <p:nvPr>
-            <p:extLst>
-              <p:ext uri="{386F3935-93C4-4BCD-93E2-E3B085C9AB24}">
-                <p16:designElem xmlns:p16="http://schemas.microsoft.com/office/powerpoint/2015/main" val="1"/>
-              </p:ext>
-            </p:extLst>
-          </p:nvPr>
-        </p:nvSpPr>
-        <p:spPr>
-          <a:xfrm flipV="1">
-            <a:off x="841248" y="2776031"/>
-            <a:ext cx="1873457" cy="137160"/>
-          </a:xfrm>
-          <a:prstGeom prst="rect">
-            <a:avLst/>
-          </a:prstGeom>
-          <a:solidFill>
-            <a:schemeClr val="accent2"/>
           </a:solidFill>
           <a:ln>
             <a:noFill/>
@@ -5287,21 +7376,655 @@
           <a:lstStyle/>
           <a:p>
             <a:pPr algn="ctr"/>
-            <a:endParaRPr lang="en-US">
-              <a:solidFill>
-                <a:prstClr val="white"/>
-              </a:solidFill>
-              <a:latin typeface="Calibri" panose="020F0502020204030204"/>
-            </a:endParaRPr>
+            <a:endParaRPr lang="en-US" dirty="0"/>
           </a:p>
         </p:txBody>
       </p:sp>
       <p:sp>
         <p:nvSpPr>
-          <p:cNvPr id="3" name="Content Placeholder 2">
-            <a:extLst>
-              <a:ext uri="{FF2B5EF4-FFF2-40B4-BE49-F238E27FC236}">
-                <a16:creationId xmlns:a16="http://schemas.microsoft.com/office/drawing/2014/main" id="{F93C21F2-8B96-439A-9A34-ABAF5BE27757}"/>
+          <p:cNvPr id="12" name="Rectangle 11">
+            <a:extLst>
+              <a:ext uri="{FF2B5EF4-FFF2-40B4-BE49-F238E27FC236}">
+                <a16:creationId xmlns:a16="http://schemas.microsoft.com/office/drawing/2014/main" id="{29FDB030-9B49-4CED-8CCD-4D99382388AC}"/>
+              </a:ext>
+              <a:ext uri="{C183D7F6-B498-43B3-948B-1728B52AA6E4}">
+                <adec:decorative xmlns:adec="http://schemas.microsoft.com/office/drawing/2017/decorative" val="1"/>
+              </a:ext>
+            </a:extLst>
+          </p:cNvPr>
+          <p:cNvSpPr>
+            <a:spLocks noGrp="1" noRot="1" noChangeAspect="1" noMove="1" noResize="1" noEditPoints="1" noAdjustHandles="1" noChangeArrowheads="1" noChangeShapeType="1" noTextEdit="1"/>
+          </p:cNvSpPr>
+          <p:nvPr>
+            <p:extLst>
+              <p:ext uri="{386F3935-93C4-4BCD-93E2-E3B085C9AB24}">
+                <p16:designElem xmlns:p16="http://schemas.microsoft.com/office/powerpoint/2015/main" val="1"/>
+              </p:ext>
+            </p:extLst>
+          </p:nvPr>
+        </p:nvSpPr>
+        <p:spPr>
+          <a:xfrm rot="18900000" flipH="1">
+            <a:off x="891641" y="422146"/>
+            <a:ext cx="645368" cy="645368"/>
+          </a:xfrm>
+          <a:prstGeom prst="rect">
+            <a:avLst/>
+          </a:prstGeom>
+          <a:solidFill>
+            <a:schemeClr val="accent1">
+              <a:alpha val="30000"/>
+            </a:schemeClr>
+          </a:solidFill>
+          <a:ln>
+            <a:noFill/>
+          </a:ln>
+        </p:spPr>
+        <p:style>
+          <a:lnRef idx="2">
+            <a:schemeClr val="accent1">
+              <a:shade val="50000"/>
+            </a:schemeClr>
+          </a:lnRef>
+          <a:fillRef idx="1">
+            <a:schemeClr val="accent1"/>
+          </a:fillRef>
+          <a:effectRef idx="0">
+            <a:schemeClr val="accent1"/>
+          </a:effectRef>
+          <a:fontRef idx="minor">
+            <a:schemeClr val="lt1"/>
+          </a:fontRef>
+        </p:style>
+        <p:txBody>
+          <a:bodyPr rtlCol="0" anchor="ctr"/>
+          <a:lstStyle/>
+          <a:p>
+            <a:pPr algn="ctr"/>
+            <a:endParaRPr lang="en-US"/>
+          </a:p>
+        </p:txBody>
+      </p:sp>
+      <p:sp>
+        <p:nvSpPr>
+          <p:cNvPr id="14" name="Rectangle 13">
+            <a:extLst>
+              <a:ext uri="{FF2B5EF4-FFF2-40B4-BE49-F238E27FC236}">
+                <a16:creationId xmlns:a16="http://schemas.microsoft.com/office/drawing/2014/main" id="{3783CA14-24A1-485C-8B30-D6A5D87987AD}"/>
+              </a:ext>
+              <a:ext uri="{C183D7F6-B498-43B3-948B-1728B52AA6E4}">
+                <adec:decorative xmlns:adec="http://schemas.microsoft.com/office/drawing/2017/decorative" val="1"/>
+              </a:ext>
+            </a:extLst>
+          </p:cNvPr>
+          <p:cNvSpPr>
+            <a:spLocks noGrp="1" noRot="1" noChangeAspect="1" noMove="1" noResize="1" noEditPoints="1" noAdjustHandles="1" noChangeArrowheads="1" noChangeShapeType="1" noTextEdit="1"/>
+          </p:cNvSpPr>
+          <p:nvPr>
+            <p:extLst>
+              <p:ext uri="{386F3935-93C4-4BCD-93E2-E3B085C9AB24}">
+                <p16:designElem xmlns:p16="http://schemas.microsoft.com/office/powerpoint/2015/main" val="1"/>
+              </p:ext>
+            </p:extLst>
+          </p:nvPr>
+        </p:nvSpPr>
+        <p:spPr>
+          <a:xfrm rot="18900000" flipH="1">
+            <a:off x="10043482" y="655140"/>
+            <a:ext cx="687472" cy="687472"/>
+          </a:xfrm>
+          <a:prstGeom prst="rect">
+            <a:avLst/>
+          </a:prstGeom>
+          <a:solidFill>
+            <a:schemeClr val="accent4">
+              <a:alpha val="30000"/>
+            </a:schemeClr>
+          </a:solidFill>
+          <a:ln>
+            <a:noFill/>
+          </a:ln>
+        </p:spPr>
+        <p:style>
+          <a:lnRef idx="2">
+            <a:schemeClr val="accent1">
+              <a:shade val="50000"/>
+            </a:schemeClr>
+          </a:lnRef>
+          <a:fillRef idx="1">
+            <a:schemeClr val="accent1"/>
+          </a:fillRef>
+          <a:effectRef idx="0">
+            <a:schemeClr val="accent1"/>
+          </a:effectRef>
+          <a:fontRef idx="minor">
+            <a:schemeClr val="lt1"/>
+          </a:fontRef>
+        </p:style>
+        <p:txBody>
+          <a:bodyPr rtlCol="0" anchor="ctr"/>
+          <a:lstStyle/>
+          <a:p>
+            <a:pPr algn="ctr"/>
+            <a:endParaRPr lang="en-US"/>
+          </a:p>
+        </p:txBody>
+      </p:sp>
+      <p:sp>
+        <p:nvSpPr>
+          <p:cNvPr id="16" name="Freeform: Shape 15">
+            <a:extLst>
+              <a:ext uri="{FF2B5EF4-FFF2-40B4-BE49-F238E27FC236}">
+                <a16:creationId xmlns:a16="http://schemas.microsoft.com/office/drawing/2014/main" id="{9A97C86A-04D6-40F7-AE84-31AB43E6A846}"/>
+              </a:ext>
+              <a:ext uri="{C183D7F6-B498-43B3-948B-1728B52AA6E4}">
+                <adec:decorative xmlns:adec="http://schemas.microsoft.com/office/drawing/2017/decorative" val="1"/>
+              </a:ext>
+            </a:extLst>
+          </p:cNvPr>
+          <p:cNvSpPr>
+            <a:spLocks noGrp="1" noRot="1" noChangeAspect="1" noMove="1" noResize="1" noEditPoints="1" noAdjustHandles="1" noChangeArrowheads="1" noChangeShapeType="1" noTextEdit="1"/>
+          </p:cNvSpPr>
+          <p:nvPr>
+            <p:extLst>
+              <p:ext uri="{386F3935-93C4-4BCD-93E2-E3B085C9AB24}">
+                <p16:designElem xmlns:p16="http://schemas.microsoft.com/office/powerpoint/2015/main" val="1"/>
+              </p:ext>
+            </p:extLst>
+          </p:nvPr>
+        </p:nvSpPr>
+        <p:spPr>
+          <a:xfrm rot="10800000" flipH="1">
+            <a:off x="9356643" y="0"/>
+            <a:ext cx="2835357" cy="1480837"/>
+          </a:xfrm>
+          <a:custGeom>
+            <a:avLst/>
+            <a:gdLst>
+              <a:gd name="connsiteX0" fmla="*/ 2835357 w 2835357"/>
+              <a:gd name="connsiteY0" fmla="*/ 1480837 h 1480837"/>
+              <a:gd name="connsiteX1" fmla="*/ 0 w 2835357"/>
+              <a:gd name="connsiteY1" fmla="*/ 1480837 h 1480837"/>
+              <a:gd name="connsiteX2" fmla="*/ 1552727 w 2835357"/>
+              <a:gd name="connsiteY2" fmla="*/ 0 h 1480837"/>
+              <a:gd name="connsiteX3" fmla="*/ 2835357 w 2835357"/>
+              <a:gd name="connsiteY3" fmla="*/ 1223245 h 1480837"/>
+            </a:gdLst>
+            <a:ahLst/>
+            <a:cxnLst>
+              <a:cxn ang="0">
+                <a:pos x="connsiteX0" y="connsiteY0"/>
+              </a:cxn>
+              <a:cxn ang="0">
+                <a:pos x="connsiteX1" y="connsiteY1"/>
+              </a:cxn>
+              <a:cxn ang="0">
+                <a:pos x="connsiteX2" y="connsiteY2"/>
+              </a:cxn>
+              <a:cxn ang="0">
+                <a:pos x="connsiteX3" y="connsiteY3"/>
+              </a:cxn>
+            </a:cxnLst>
+            <a:rect l="l" t="t" r="r" b="b"/>
+            <a:pathLst>
+              <a:path w="2835357" h="1480837">
+                <a:moveTo>
+                  <a:pt x="2835357" y="1480837"/>
+                </a:moveTo>
+                <a:lnTo>
+                  <a:pt x="0" y="1480837"/>
+                </a:lnTo>
+                <a:lnTo>
+                  <a:pt x="1552727" y="0"/>
+                </a:lnTo>
+                <a:lnTo>
+                  <a:pt x="2835357" y="1223245"/>
+                </a:lnTo>
+                <a:close/>
+              </a:path>
+            </a:pathLst>
+          </a:custGeom>
+          <a:solidFill>
+            <a:schemeClr val="accent4">
+              <a:alpha val="30000"/>
+            </a:schemeClr>
+          </a:solidFill>
+          <a:ln>
+            <a:noFill/>
+          </a:ln>
+        </p:spPr>
+        <p:style>
+          <a:lnRef idx="2">
+            <a:schemeClr val="accent1">
+              <a:shade val="50000"/>
+            </a:schemeClr>
+          </a:lnRef>
+          <a:fillRef idx="1">
+            <a:schemeClr val="accent1"/>
+          </a:fillRef>
+          <a:effectRef idx="0">
+            <a:schemeClr val="accent1"/>
+          </a:effectRef>
+          <a:fontRef idx="minor">
+            <a:schemeClr val="lt1"/>
+          </a:fontRef>
+        </p:style>
+        <p:txBody>
+          <a:bodyPr wrap="square" rtlCol="0" anchor="ctr">
+            <a:noAutofit/>
+          </a:bodyPr>
+          <a:lstStyle/>
+          <a:p>
+            <a:pPr algn="ctr"/>
+            <a:endParaRPr lang="en-US" dirty="0"/>
+          </a:p>
+        </p:txBody>
+      </p:sp>
+      <p:sp>
+        <p:nvSpPr>
+          <p:cNvPr id="18" name="Isosceles Triangle 17">
+            <a:extLst>
+              <a:ext uri="{FF2B5EF4-FFF2-40B4-BE49-F238E27FC236}">
+                <a16:creationId xmlns:a16="http://schemas.microsoft.com/office/drawing/2014/main" id="{FF9F2414-84E8-453E-B1F3-389FDE8192D9}"/>
+              </a:ext>
+              <a:ext uri="{C183D7F6-B498-43B3-948B-1728B52AA6E4}">
+                <adec:decorative xmlns:adec="http://schemas.microsoft.com/office/drawing/2017/decorative" val="1"/>
+              </a:ext>
+            </a:extLst>
+          </p:cNvPr>
+          <p:cNvSpPr>
+            <a:spLocks noGrp="1" noRot="1" noChangeAspect="1" noMove="1" noResize="1" noEditPoints="1" noAdjustHandles="1" noChangeArrowheads="1" noChangeShapeType="1" noTextEdit="1"/>
+          </p:cNvSpPr>
+          <p:nvPr>
+            <p:extLst>
+              <p:ext uri="{386F3935-93C4-4BCD-93E2-E3B085C9AB24}">
+                <p16:designElem xmlns:p16="http://schemas.microsoft.com/office/powerpoint/2015/main" val="1"/>
+              </p:ext>
+            </p:extLst>
+          </p:nvPr>
+        </p:nvSpPr>
+        <p:spPr>
+          <a:xfrm flipH="1">
+            <a:off x="7976344" y="6115501"/>
+            <a:ext cx="1494513" cy="742499"/>
+          </a:xfrm>
+          <a:prstGeom prst="triangle">
+            <a:avLst/>
+          </a:prstGeom>
+          <a:solidFill>
+            <a:schemeClr val="accent1">
+              <a:alpha val="30000"/>
+            </a:schemeClr>
+          </a:solidFill>
+          <a:ln>
+            <a:noFill/>
+          </a:ln>
+        </p:spPr>
+        <p:style>
+          <a:lnRef idx="2">
+            <a:schemeClr val="accent1">
+              <a:shade val="50000"/>
+            </a:schemeClr>
+          </a:lnRef>
+          <a:fillRef idx="1">
+            <a:schemeClr val="accent1"/>
+          </a:fillRef>
+          <a:effectRef idx="0">
+            <a:schemeClr val="accent1"/>
+          </a:effectRef>
+          <a:fontRef idx="minor">
+            <a:schemeClr val="lt1"/>
+          </a:fontRef>
+        </p:style>
+        <p:txBody>
+          <a:bodyPr rtlCol="0" anchor="ctr"/>
+          <a:lstStyle/>
+          <a:p>
+            <a:pPr algn="ctr"/>
+            <a:endParaRPr lang="en-US"/>
+          </a:p>
+        </p:txBody>
+      </p:sp>
+      <p:pic>
+        <p:nvPicPr>
+          <p:cNvPr id="3" name="Picture 2" descr="Diagram&#10;&#10;Description automatically generated">
+            <a:extLst>
+              <a:ext uri="{FF2B5EF4-FFF2-40B4-BE49-F238E27FC236}">
+                <a16:creationId xmlns:a16="http://schemas.microsoft.com/office/drawing/2014/main" id="{10CF653E-9D70-4203-A88E-ACA2350EBA1D}"/>
+              </a:ext>
+            </a:extLst>
+          </p:cNvPr>
+          <p:cNvPicPr>
+            <a:picLocks noChangeAspect="1"/>
+          </p:cNvPicPr>
+          <p:nvPr/>
+        </p:nvPicPr>
+        <p:blipFill>
+          <a:blip r:embed="rId2">
+            <a:extLst>
+              <a:ext uri="{28A0092B-C50C-407E-A947-70E740481C1C}">
+                <a14:useLocalDpi xmlns:a14="http://schemas.microsoft.com/office/drawing/2010/main" val="0"/>
+              </a:ext>
+            </a:extLst>
+          </a:blip>
+          <a:stretch>
+            <a:fillRect/>
+          </a:stretch>
+        </p:blipFill>
+        <p:spPr>
+          <a:xfrm>
+            <a:off x="493707" y="851945"/>
+            <a:ext cx="11204585" cy="5154110"/>
+          </a:xfrm>
+          <a:prstGeom prst="rect">
+            <a:avLst/>
+          </a:prstGeom>
+          <a:ln>
+            <a:noFill/>
+          </a:ln>
+        </p:spPr>
+      </p:pic>
+      <p:sp>
+        <p:nvSpPr>
+          <p:cNvPr id="20" name="Isosceles Triangle 19">
+            <a:extLst>
+              <a:ext uri="{FF2B5EF4-FFF2-40B4-BE49-F238E27FC236}">
+                <a16:creationId xmlns:a16="http://schemas.microsoft.com/office/drawing/2014/main" id="{3ECA69A1-7536-43AC-85EF-C7106179F5ED}"/>
+              </a:ext>
+              <a:ext uri="{C183D7F6-B498-43B3-948B-1728B52AA6E4}">
+                <adec:decorative xmlns:adec="http://schemas.microsoft.com/office/drawing/2017/decorative" val="1"/>
+              </a:ext>
+            </a:extLst>
+          </p:cNvPr>
+          <p:cNvSpPr>
+            <a:spLocks noGrp="1" noRot="1" noChangeAspect="1" noMove="1" noResize="1" noEditPoints="1" noAdjustHandles="1" noChangeArrowheads="1" noChangeShapeType="1" noTextEdit="1"/>
+          </p:cNvSpPr>
+          <p:nvPr>
+            <p:extLst>
+              <p:ext uri="{386F3935-93C4-4BCD-93E2-E3B085C9AB24}">
+                <p16:designElem xmlns:p16="http://schemas.microsoft.com/office/powerpoint/2015/main" val="1"/>
+              </p:ext>
+            </p:extLst>
+          </p:nvPr>
+        </p:nvSpPr>
+        <p:spPr>
+          <a:xfrm flipH="1">
+            <a:off x="7604080" y="6453143"/>
+            <a:ext cx="814903" cy="404857"/>
+          </a:xfrm>
+          <a:prstGeom prst="triangle">
+            <a:avLst/>
+          </a:prstGeom>
+          <a:solidFill>
+            <a:schemeClr val="accent1">
+              <a:alpha val="30000"/>
+            </a:schemeClr>
+          </a:solidFill>
+          <a:ln>
+            <a:noFill/>
+          </a:ln>
+        </p:spPr>
+        <p:style>
+          <a:lnRef idx="2">
+            <a:schemeClr val="accent1">
+              <a:shade val="50000"/>
+            </a:schemeClr>
+          </a:lnRef>
+          <a:fillRef idx="1">
+            <a:schemeClr val="accent1"/>
+          </a:fillRef>
+          <a:effectRef idx="0">
+            <a:schemeClr val="accent1"/>
+          </a:effectRef>
+          <a:fontRef idx="minor">
+            <a:schemeClr val="lt1"/>
+          </a:fontRef>
+        </p:style>
+        <p:txBody>
+          <a:bodyPr rtlCol="0" anchor="ctr"/>
+          <a:lstStyle/>
+          <a:p>
+            <a:pPr algn="ctr"/>
+            <a:endParaRPr lang="en-US"/>
+          </a:p>
+        </p:txBody>
+      </p:sp>
+      <p:sp>
+        <p:nvSpPr>
+          <p:cNvPr id="5" name="Rectangle 4">
+            <a:hlinkClick r:id="rId3" action="ppaction://hlinksldjump"/>
+            <a:extLst>
+              <a:ext uri="{FF2B5EF4-FFF2-40B4-BE49-F238E27FC236}">
+                <a16:creationId xmlns:a16="http://schemas.microsoft.com/office/drawing/2014/main" id="{E602F398-CDB0-483F-86E3-3247A8BAE2E6}"/>
+              </a:ext>
+            </a:extLst>
+          </p:cNvPr>
+          <p:cNvSpPr/>
+          <p:nvPr/>
+        </p:nvSpPr>
+        <p:spPr>
+          <a:xfrm>
+            <a:off x="456733" y="487591"/>
+            <a:ext cx="1820411" cy="6081923"/>
+          </a:xfrm>
+          <a:prstGeom prst="rect">
+            <a:avLst/>
+          </a:prstGeom>
+          <a:noFill/>
+          <a:ln>
+            <a:noFill/>
+          </a:ln>
+        </p:spPr>
+        <p:style>
+          <a:lnRef idx="2">
+            <a:schemeClr val="accent1">
+              <a:shade val="50000"/>
+            </a:schemeClr>
+          </a:lnRef>
+          <a:fillRef idx="1">
+            <a:schemeClr val="accent1"/>
+          </a:fillRef>
+          <a:effectRef idx="0">
+            <a:schemeClr val="accent1"/>
+          </a:effectRef>
+          <a:fontRef idx="minor">
+            <a:schemeClr val="lt1"/>
+          </a:fontRef>
+        </p:style>
+        <p:txBody>
+          <a:bodyPr rtlCol="0" anchor="ctr"/>
+          <a:lstStyle/>
+          <a:p>
+            <a:pPr algn="ctr"/>
+            <a:endParaRPr lang="en-MY"/>
+          </a:p>
+        </p:txBody>
+      </p:sp>
+      <p:sp>
+        <p:nvSpPr>
+          <p:cNvPr id="9" name="Rectangle 8">
+            <a:hlinkClick r:id="rId4" action="ppaction://hlinksldjump"/>
+            <a:extLst>
+              <a:ext uri="{FF2B5EF4-FFF2-40B4-BE49-F238E27FC236}">
+                <a16:creationId xmlns:a16="http://schemas.microsoft.com/office/drawing/2014/main" id="{3B39CB45-AA97-478D-9226-7742530D204E}"/>
+              </a:ext>
+            </a:extLst>
+          </p:cNvPr>
+          <p:cNvSpPr/>
+          <p:nvPr/>
+        </p:nvSpPr>
+        <p:spPr>
+          <a:xfrm>
+            <a:off x="2494015" y="487592"/>
+            <a:ext cx="3263318" cy="6081922"/>
+          </a:xfrm>
+          <a:prstGeom prst="rect">
+            <a:avLst/>
+          </a:prstGeom>
+          <a:noFill/>
+          <a:ln>
+            <a:noFill/>
+          </a:ln>
+        </p:spPr>
+        <p:style>
+          <a:lnRef idx="2">
+            <a:schemeClr val="accent1">
+              <a:shade val="50000"/>
+            </a:schemeClr>
+          </a:lnRef>
+          <a:fillRef idx="1">
+            <a:schemeClr val="accent1"/>
+          </a:fillRef>
+          <a:effectRef idx="0">
+            <a:schemeClr val="accent1"/>
+          </a:effectRef>
+          <a:fontRef idx="minor">
+            <a:schemeClr val="lt1"/>
+          </a:fontRef>
+        </p:style>
+        <p:txBody>
+          <a:bodyPr rtlCol="0" anchor="ctr"/>
+          <a:lstStyle/>
+          <a:p>
+            <a:pPr algn="ctr"/>
+            <a:endParaRPr lang="en-MY"/>
+          </a:p>
+        </p:txBody>
+      </p:sp>
+      <p:sp>
+        <p:nvSpPr>
+          <p:cNvPr id="11" name="Rectangle 10">
+            <a:hlinkClick r:id="rId5" action="ppaction://hlinksldjump"/>
+            <a:extLst>
+              <a:ext uri="{FF2B5EF4-FFF2-40B4-BE49-F238E27FC236}">
+                <a16:creationId xmlns:a16="http://schemas.microsoft.com/office/drawing/2014/main" id="{823FFD62-0982-4B5E-A28F-02EA21E43E49}"/>
+              </a:ext>
+            </a:extLst>
+          </p:cNvPr>
+          <p:cNvSpPr/>
+          <p:nvPr/>
+        </p:nvSpPr>
+        <p:spPr>
+          <a:xfrm>
+            <a:off x="6784638" y="487592"/>
+            <a:ext cx="4913653" cy="5474147"/>
+          </a:xfrm>
+          <a:prstGeom prst="rect">
+            <a:avLst/>
+          </a:prstGeom>
+          <a:noFill/>
+          <a:ln>
+            <a:noFill/>
+          </a:ln>
+        </p:spPr>
+        <p:style>
+          <a:lnRef idx="2">
+            <a:schemeClr val="accent1">
+              <a:shade val="50000"/>
+            </a:schemeClr>
+          </a:lnRef>
+          <a:fillRef idx="1">
+            <a:schemeClr val="accent1"/>
+          </a:fillRef>
+          <a:effectRef idx="0">
+            <a:schemeClr val="accent1"/>
+          </a:effectRef>
+          <a:fontRef idx="minor">
+            <a:schemeClr val="lt1"/>
+          </a:fontRef>
+        </p:style>
+        <p:txBody>
+          <a:bodyPr rtlCol="0" anchor="ctr"/>
+          <a:lstStyle/>
+          <a:p>
+            <a:pPr algn="ctr"/>
+            <a:endParaRPr lang="en-MY"/>
+          </a:p>
+        </p:txBody>
+      </p:sp>
+      <p:sp>
+        <p:nvSpPr>
+          <p:cNvPr id="17" name="Arrow: Right 16">
+            <a:hlinkClick r:id="rId6" action="ppaction://hlinksldjump"/>
+            <a:extLst>
+              <a:ext uri="{FF2B5EF4-FFF2-40B4-BE49-F238E27FC236}">
+                <a16:creationId xmlns:a16="http://schemas.microsoft.com/office/drawing/2014/main" id="{D147D650-07B9-4D42-9AF9-0815CC533662}"/>
+              </a:ext>
+            </a:extLst>
+          </p:cNvPr>
+          <p:cNvSpPr/>
+          <p:nvPr/>
+        </p:nvSpPr>
+        <p:spPr>
+          <a:xfrm>
+            <a:off x="10363254" y="6115501"/>
+            <a:ext cx="1216404" cy="588737"/>
+          </a:xfrm>
+          <a:prstGeom prst="rightArrow">
+            <a:avLst/>
+          </a:prstGeom>
+        </p:spPr>
+        <p:style>
+          <a:lnRef idx="2">
+            <a:schemeClr val="accent1">
+              <a:shade val="50000"/>
+            </a:schemeClr>
+          </a:lnRef>
+          <a:fillRef idx="1">
+            <a:schemeClr val="accent1"/>
+          </a:fillRef>
+          <a:effectRef idx="0">
+            <a:schemeClr val="accent1"/>
+          </a:effectRef>
+          <a:fontRef idx="minor">
+            <a:schemeClr val="lt1"/>
+          </a:fontRef>
+        </p:style>
+        <p:txBody>
+          <a:bodyPr rtlCol="0" anchor="ctr"/>
+          <a:lstStyle/>
+          <a:p>
+            <a:pPr algn="ctr"/>
+            <a:endParaRPr lang="en-MY"/>
+          </a:p>
+        </p:txBody>
+      </p:sp>
+    </p:spTree>
+    <p:extLst>
+      <p:ext uri="{BB962C8B-B14F-4D97-AF65-F5344CB8AC3E}">
+        <p14:creationId xmlns:p14="http://schemas.microsoft.com/office/powerpoint/2010/main" val="2557013428"/>
+      </p:ext>
+    </p:extLst>
+  </p:cSld>
+  <p:clrMapOvr>
+    <a:masterClrMapping/>
+  </p:clrMapOvr>
+</p:sld>
+</file>
+
+<file path=ppt/slides/slide5.xml><?xml version="1.0" encoding="utf-8"?>
+<p:sld xmlns:a="http://schemas.openxmlformats.org/drawingml/2006/main" xmlns:r="http://schemas.openxmlformats.org/officeDocument/2006/relationships" xmlns:p="http://schemas.openxmlformats.org/presentationml/2006/main">
+  <p:cSld>
+    <p:spTree>
+      <p:nvGrpSpPr>
+        <p:cNvPr id="1" name=""/>
+        <p:cNvGrpSpPr/>
+        <p:nvPr/>
+      </p:nvGrpSpPr>
+      <p:grpSpPr>
+        <a:xfrm>
+          <a:off x="0" y="0"/>
+          <a:ext cx="0" cy="0"/>
+          <a:chOff x="0" y="0"/>
+          <a:chExt cx="0" cy="0"/>
+        </a:xfrm>
+      </p:grpSpPr>
+      <p:sp>
+        <p:nvSpPr>
+          <p:cNvPr id="2" name="Title 1">
+            <a:extLst>
+              <a:ext uri="{FF2B5EF4-FFF2-40B4-BE49-F238E27FC236}">
+                <a16:creationId xmlns:a16="http://schemas.microsoft.com/office/drawing/2014/main" id="{4CF4CACA-51A7-4166-ACF1-2389430C45AC}"/>
               </a:ext>
             </a:extLst>
           </p:cNvPr>
@@ -5309,13 +8032,46 @@
             <a:spLocks noGrp="1"/>
           </p:cNvSpPr>
           <p:nvPr>
-            <p:ph idx="1"/>
+            <p:ph type="title"/>
           </p:nvPr>
         </p:nvSpPr>
         <p:spPr>
           <a:xfrm>
-            <a:off x="841248" y="3337269"/>
-            <a:ext cx="10509504" cy="2905686"/>
+            <a:off x="898511" y="367878"/>
+            <a:ext cx="3932237" cy="596288"/>
+          </a:xfrm>
+        </p:spPr>
+        <p:txBody>
+          <a:bodyPr/>
+          <a:lstStyle/>
+          <a:p>
+            <a:r>
+              <a:rPr lang="en-MY" dirty="0"/>
+              <a:t>Data sources</a:t>
+            </a:r>
+          </a:p>
+        </p:txBody>
+      </p:sp>
+      <p:sp>
+        <p:nvSpPr>
+          <p:cNvPr id="4" name="Text Placeholder 3">
+            <a:extLst>
+              <a:ext uri="{FF2B5EF4-FFF2-40B4-BE49-F238E27FC236}">
+                <a16:creationId xmlns:a16="http://schemas.microsoft.com/office/drawing/2014/main" id="{6143C231-53B2-4FDD-87D4-FE40A81ECF26}"/>
+              </a:ext>
+            </a:extLst>
+          </p:cNvPr>
+          <p:cNvSpPr>
+            <a:spLocks noGrp="1"/>
+          </p:cNvSpPr>
+          <p:nvPr>
+            <p:ph type="body" sz="half" idx="2"/>
+          </p:nvPr>
+        </p:nvSpPr>
+        <p:spPr>
+          <a:xfrm>
+            <a:off x="973124" y="1048165"/>
+            <a:ext cx="5136351" cy="2181708"/>
           </a:xfrm>
         </p:spPr>
         <p:txBody>
@@ -5324,26 +8080,216 @@
           </a:bodyPr>
           <a:lstStyle/>
           <a:p>
+            <a:pPr marL="285750" indent="-285750">
+              <a:buFont typeface="Arial" panose="020B0604020202020204" pitchFamily="34" charset="0"/>
+              <a:buChar char="•"/>
+            </a:pPr>
             <a:r>
-              <a:rPr lang="en-MY" sz="2200"/>
-              <a:t>Displays total export, import and net export value of each country</a:t>
+              <a:rPr lang="en-MY" sz="1400" dirty="0"/>
+              <a:t>International trade data: </a:t>
             </a:r>
-          </a:p>
-          <a:p>
             <a:r>
-              <a:rPr lang="en-MY" sz="2200"/>
-              <a:t>When country is clicked on the map, information such as capital city, official language, population density, GDP total, GDP per capita and currency are displayed</a:t>
+              <a:rPr lang="en-MY" sz="1400" dirty="0">
+                <a:hlinkClick r:id="rId2"/>
+              </a:rPr>
+              <a:t>https://dataverse.harvard.edu/dataverse/atlas</a:t>
             </a:r>
-          </a:p>
-          <a:p>
-            <a:endParaRPr lang="en-MY" sz="2200"/>
-          </a:p>
-        </p:txBody>
-      </p:sp>
+            <a:r>
+              <a:rPr lang="en-MY" sz="1400" dirty="0"/>
+              <a:t> (csv)</a:t>
+            </a:r>
+          </a:p>
+          <a:p>
+            <a:pPr marL="285750" indent="-285750">
+              <a:buFont typeface="Arial" panose="020B0604020202020204" pitchFamily="34" charset="0"/>
+              <a:buChar char="•"/>
+            </a:pPr>
+            <a:r>
+              <a:rPr lang="en-MY" sz="1400" dirty="0"/>
+              <a:t>Countries ISO codes: </a:t>
+            </a:r>
+            <a:r>
+              <a:rPr lang="en-MY" sz="1400" dirty="0">
+                <a:hlinkClick r:id="rId3"/>
+              </a:rPr>
+              <a:t>https://www.kaggle.com/juanumusic/countries-iso-codes</a:t>
+            </a:r>
+            <a:endParaRPr lang="en-MY" sz="1400" dirty="0"/>
+          </a:p>
+          <a:p>
+            <a:pPr marL="285750" indent="-285750">
+              <a:buFont typeface="Arial" panose="020B0604020202020204" pitchFamily="34" charset="0"/>
+              <a:buChar char="•"/>
+            </a:pPr>
+            <a:r>
+              <a:rPr lang="en-MY" sz="1400" dirty="0"/>
+              <a:t>Country border </a:t>
+            </a:r>
+            <a:r>
+              <a:rPr lang="en-MY" sz="1400" dirty="0" err="1"/>
+              <a:t>geoJSON</a:t>
+            </a:r>
+            <a:r>
+              <a:rPr lang="en-MY" sz="1400" dirty="0"/>
+              <a:t> data: </a:t>
+            </a:r>
+            <a:r>
+              <a:rPr lang="en-MY" sz="1400" dirty="0">
+                <a:hlinkClick r:id="rId4"/>
+              </a:rPr>
+              <a:t>https://datahub.io/core/geo-countries#pandas</a:t>
+            </a:r>
+            <a:endParaRPr lang="en-MY" sz="1400" dirty="0"/>
+          </a:p>
+          <a:p>
+            <a:pPr marL="285750" indent="-285750">
+              <a:buFont typeface="Arial" panose="020B0604020202020204" pitchFamily="34" charset="0"/>
+              <a:buChar char="•"/>
+            </a:pPr>
+            <a:r>
+              <a:rPr lang="en-MY" sz="1400" dirty="0"/>
+              <a:t>Countries information from Wikipedia: Web scrape - countries general information </a:t>
+            </a:r>
+            <a:r>
+              <a:rPr lang="en-MY" sz="1400" dirty="0">
+                <a:hlinkClick r:id="rId5"/>
+              </a:rPr>
+              <a:t>https://www.wikipedia.org/</a:t>
+            </a:r>
+            <a:endParaRPr lang="en-MY" sz="1400" dirty="0"/>
+          </a:p>
+          <a:p>
+            <a:pPr marL="285750" lvl="0" indent="-285750">
+              <a:buFont typeface="Arial" panose="020B0604020202020204" pitchFamily="34" charset="0"/>
+              <a:buChar char="•"/>
+            </a:pPr>
+            <a:endParaRPr lang="en-MY" dirty="0"/>
+          </a:p>
+        </p:txBody>
+      </p:sp>
+      <p:sp>
+        <p:nvSpPr>
+          <p:cNvPr id="5" name="Arrow: Right 4">
+            <a:hlinkClick r:id="rId6" action="ppaction://hlinksldjump"/>
+            <a:extLst>
+              <a:ext uri="{FF2B5EF4-FFF2-40B4-BE49-F238E27FC236}">
+                <a16:creationId xmlns:a16="http://schemas.microsoft.com/office/drawing/2014/main" id="{7ADF4501-2155-440C-95BA-4EDE1C8ED30E}"/>
+              </a:ext>
+            </a:extLst>
+          </p:cNvPr>
+          <p:cNvSpPr/>
+          <p:nvPr/>
+        </p:nvSpPr>
+        <p:spPr>
+          <a:xfrm rot="10800000">
+            <a:off x="595619" y="6098795"/>
+            <a:ext cx="755010" cy="562063"/>
+          </a:xfrm>
+          <a:prstGeom prst="rightArrow">
+            <a:avLst/>
+          </a:prstGeom>
+        </p:spPr>
+        <p:style>
+          <a:lnRef idx="2">
+            <a:schemeClr val="accent1">
+              <a:shade val="50000"/>
+            </a:schemeClr>
+          </a:lnRef>
+          <a:fillRef idx="1">
+            <a:schemeClr val="accent1"/>
+          </a:fillRef>
+          <a:effectRef idx="0">
+            <a:schemeClr val="accent1"/>
+          </a:effectRef>
+          <a:fontRef idx="minor">
+            <a:schemeClr val="lt1"/>
+          </a:fontRef>
+        </p:style>
+        <p:txBody>
+          <a:bodyPr rtlCol="0" anchor="ctr"/>
+          <a:lstStyle/>
+          <a:p>
+            <a:pPr algn="ctr"/>
+            <a:endParaRPr lang="en-MY"/>
+          </a:p>
+        </p:txBody>
+      </p:sp>
+      <p:pic>
+        <p:nvPicPr>
+          <p:cNvPr id="14" name="Picture 13" descr="Map&#10;&#10;Description automatically generated">
+            <a:extLst>
+              <a:ext uri="{FF2B5EF4-FFF2-40B4-BE49-F238E27FC236}">
+                <a16:creationId xmlns:a16="http://schemas.microsoft.com/office/drawing/2014/main" id="{A595E6D1-3AF0-4F34-9242-369C6CCC0797}"/>
+              </a:ext>
+            </a:extLst>
+          </p:cNvPr>
+          <p:cNvPicPr>
+            <a:picLocks noChangeAspect="1"/>
+          </p:cNvPicPr>
+          <p:nvPr/>
+        </p:nvPicPr>
+        <p:blipFill>
+          <a:blip r:embed="rId7">
+            <a:extLst>
+              <a:ext uri="{28A0092B-C50C-407E-A947-70E740481C1C}">
+                <a14:useLocalDpi xmlns:a14="http://schemas.microsoft.com/office/drawing/2010/main" val="0"/>
+              </a:ext>
+            </a:extLst>
+          </a:blip>
+          <a:stretch>
+            <a:fillRect/>
+          </a:stretch>
+        </p:blipFill>
+        <p:spPr>
+          <a:xfrm>
+            <a:off x="1926269" y="3481652"/>
+            <a:ext cx="7033444" cy="2898174"/>
+          </a:xfrm>
+          <a:prstGeom prst="rect">
+            <a:avLst/>
+          </a:prstGeom>
+        </p:spPr>
+      </p:pic>
+      <p:pic>
+        <p:nvPicPr>
+          <p:cNvPr id="16" name="Picture 15">
+            <a:extLst>
+              <a:ext uri="{FF2B5EF4-FFF2-40B4-BE49-F238E27FC236}">
+                <a16:creationId xmlns:a16="http://schemas.microsoft.com/office/drawing/2014/main" id="{6BDED3C7-39ED-4008-866F-F32977BA7544}"/>
+              </a:ext>
+            </a:extLst>
+          </p:cNvPr>
+          <p:cNvPicPr>
+            <a:picLocks noChangeAspect="1"/>
+          </p:cNvPicPr>
+          <p:nvPr/>
+        </p:nvPicPr>
+        <p:blipFill>
+          <a:blip r:embed="rId8">
+            <a:extLst>
+              <a:ext uri="{28A0092B-C50C-407E-A947-70E740481C1C}">
+                <a14:useLocalDpi xmlns:a14="http://schemas.microsoft.com/office/drawing/2010/main" val="0"/>
+              </a:ext>
+            </a:extLst>
+          </a:blip>
+          <a:stretch>
+            <a:fillRect/>
+          </a:stretch>
+        </p:blipFill>
+        <p:spPr>
+          <a:xfrm>
+            <a:off x="9535352" y="447674"/>
+            <a:ext cx="2061029" cy="6213183"/>
+          </a:xfrm>
+          <a:prstGeom prst="rect">
+            <a:avLst/>
+          </a:prstGeom>
+        </p:spPr>
+      </p:pic>
     </p:spTree>
     <p:extLst>
       <p:ext uri="{BB962C8B-B14F-4D97-AF65-F5344CB8AC3E}">
-        <p14:creationId xmlns:p14="http://schemas.microsoft.com/office/powerpoint/2010/main" val="1630654973"/>
+        <p14:creationId xmlns:p14="http://schemas.microsoft.com/office/powerpoint/2010/main" val="2115906366"/>
       </p:ext>
     </p:extLst>
   </p:cSld>
@@ -5380,10 +8326,10 @@
       </p:grpSpPr>
       <p:sp useBgFill="1">
         <p:nvSpPr>
-          <p:cNvPr id="8" name="Rectangle 7">
-            <a:extLst>
-              <a:ext uri="{FF2B5EF4-FFF2-40B4-BE49-F238E27FC236}">
-                <a16:creationId xmlns:a16="http://schemas.microsoft.com/office/drawing/2014/main" id="{CBB2B1F0-0DD6-4744-9A46-7A344FB48E40}"/>
+          <p:cNvPr id="13" name="Rectangle 12">
+            <a:extLst>
+              <a:ext uri="{FF2B5EF4-FFF2-40B4-BE49-F238E27FC236}">
+                <a16:creationId xmlns:a16="http://schemas.microsoft.com/office/drawing/2014/main" id="{8D1AA55E-40D5-461B-A5A8-4AE8AAB71B08}"/>
               </a:ext>
               <a:ext uri="{C183D7F6-B498-43B3-948B-1728B52AA6E4}">
                 <adec:decorative xmlns:adec="http://schemas.microsoft.com/office/drawing/2017/decorative" val="1"/>
@@ -5443,7 +8389,7 @@
           <p:cNvPr id="2" name="Title 1">
             <a:extLst>
               <a:ext uri="{FF2B5EF4-FFF2-40B4-BE49-F238E27FC236}">
-                <a16:creationId xmlns:a16="http://schemas.microsoft.com/office/drawing/2014/main" id="{4AD32780-167B-4CBE-A780-5CDF5175E8DC}"/>
+                <a16:creationId xmlns:a16="http://schemas.microsoft.com/office/drawing/2014/main" id="{2BAE0D52-19FA-4D5B-86C9-A0F4E22ED5EA}"/>
               </a:ext>
             </a:extLst>
           </p:cNvPr>
@@ -5456,38 +8402,38 @@
         </p:nvSpPr>
         <p:spPr>
           <a:xfrm>
-            <a:off x="841248" y="426720"/>
-            <a:ext cx="10506456" cy="1919141"/>
+            <a:off x="838200" y="698643"/>
+            <a:ext cx="5243394" cy="2225532"/>
           </a:xfrm>
         </p:spPr>
         <p:txBody>
-          <a:bodyPr anchor="b">
+          <a:bodyPr vert="horz" lIns="91440" tIns="45720" rIns="91440" bIns="45720" rtlCol="0" anchor="t">
             <a:normAutofit/>
           </a:bodyPr>
           <a:lstStyle/>
           <a:p>
             <a:r>
-              <a:rPr lang="en-MY" sz="6000"/>
-              <a:t>Data Sources</a:t>
+              <a:rPr lang="en-US" sz="5600"/>
+              <a:t>ETL Python / Pandas </a:t>
             </a:r>
           </a:p>
         </p:txBody>
       </p:sp>
-      <p:sp>
-        <p:nvSpPr>
-          <p:cNvPr id="10" name="Rectangle 9">
-            <a:extLst>
-              <a:ext uri="{FF2B5EF4-FFF2-40B4-BE49-F238E27FC236}">
-                <a16:creationId xmlns:a16="http://schemas.microsoft.com/office/drawing/2014/main" id="{52D502E5-F6B4-4D58-B4AE-FC466FF15EE8}"/>
+      <p:cxnSp>
+        <p:nvCxnSpPr>
+          <p:cNvPr id="15" name="Straight Connector 14">
+            <a:extLst>
+              <a:ext uri="{FF2B5EF4-FFF2-40B4-BE49-F238E27FC236}">
+                <a16:creationId xmlns:a16="http://schemas.microsoft.com/office/drawing/2014/main" id="{C49DA8F6-BCC1-4447-B54C-57856834B94B}"/>
               </a:ext>
               <a:ext uri="{C183D7F6-B498-43B3-948B-1728B52AA6E4}">
                 <adec:decorative xmlns:adec="http://schemas.microsoft.com/office/drawing/2017/decorative" val="1"/>
               </a:ext>
             </a:extLst>
           </p:cNvPr>
-          <p:cNvSpPr>
-            <a:spLocks noGrp="1" noRot="1" noChangeAspect="1" noMove="1" noResize="1" noEditPoints="1" noAdjustHandles="1" noChangeArrowheads="1" noChangeShapeType="1" noTextEdit="1"/>
-          </p:cNvSpPr>
+          <p:cNvCxnSpPr>
+            <a:cxnSpLocks noGrp="1" noRot="1" noChangeAspect="1" noMove="1" noResize="1" noEditPoints="1" noAdjustHandles="1" noChangeArrowheads="1" noChangeShapeType="1"/>
+          </p:cNvCxnSpPr>
           <p:nvPr>
             <p:extLst>
               <p:ext uri="{386F3935-93C4-4BCD-93E2-E3B085C9AB24}">
@@ -5495,22 +8441,595 @@
               </p:ext>
             </p:extLst>
           </p:nvPr>
-        </p:nvSpPr>
+        </p:nvCxnSpPr>
         <p:spPr>
           <a:xfrm>
-            <a:off x="865953" y="2899927"/>
-            <a:ext cx="10451592" cy="18288"/>
+            <a:off x="623622" y="381934"/>
+            <a:ext cx="0" cy="6476066"/>
+          </a:xfrm>
+          <a:prstGeom prst="line">
+            <a:avLst/>
+          </a:prstGeom>
+          <a:ln w="25400" cap="sq">
+            <a:gradFill flip="none" rotWithShape="1">
+              <a:gsLst>
+                <a:gs pos="0">
+                  <a:schemeClr val="accent1"/>
+                </a:gs>
+                <a:gs pos="100000">
+                  <a:schemeClr val="accent2"/>
+                </a:gs>
+              </a:gsLst>
+              <a:lin ang="16200000" scaled="1"/>
+              <a:tileRect/>
+            </a:gradFill>
+            <a:bevel/>
+          </a:ln>
+        </p:spPr>
+        <p:style>
+          <a:lnRef idx="1">
+            <a:schemeClr val="accent1"/>
+          </a:lnRef>
+          <a:fillRef idx="0">
+            <a:schemeClr val="accent1"/>
+          </a:fillRef>
+          <a:effectRef idx="0">
+            <a:schemeClr val="accent1"/>
+          </a:effectRef>
+          <a:fontRef idx="minor">
+            <a:schemeClr val="tx1"/>
+          </a:fontRef>
+        </p:style>
+      </p:cxnSp>
+      <p:grpSp>
+        <p:nvGrpSpPr>
+          <p:cNvPr id="17" name="Group 16">
+            <a:extLst>
+              <a:ext uri="{FF2B5EF4-FFF2-40B4-BE49-F238E27FC236}">
+                <a16:creationId xmlns:a16="http://schemas.microsoft.com/office/drawing/2014/main" id="{0FE0E4CA-04FD-4712-9979-0D4FACCA607F}"/>
+              </a:ext>
+              <a:ext uri="{C183D7F6-B498-43B3-948B-1728B52AA6E4}">
+                <adec:decorative xmlns:adec="http://schemas.microsoft.com/office/drawing/2017/decorative" val="1"/>
+              </a:ext>
+            </a:extLst>
+          </p:cNvPr>
+          <p:cNvGrpSpPr>
+            <a:grpSpLocks noGrp="1" noUngrp="1" noRot="1" noChangeAspect="1" noMove="1" noResize="1"/>
+          </p:cNvGrpSpPr>
+          <p:nvPr>
+            <p:extLst>
+              <p:ext uri="{386F3935-93C4-4BCD-93E2-E3B085C9AB24}">
+                <p16:designElem xmlns:p16="http://schemas.microsoft.com/office/powerpoint/2015/main" val="1"/>
+              </p:ext>
+            </p:extLst>
+          </p:nvPr>
+        </p:nvGrpSpPr>
+        <p:grpSpPr>
+          <a:xfrm>
+            <a:off x="6110408" y="740316"/>
+            <a:ext cx="465458" cy="872153"/>
+            <a:chOff x="6110408" y="740316"/>
+            <a:chExt cx="465458" cy="872153"/>
+          </a:xfrm>
+        </p:grpSpPr>
+        <p:sp>
+          <p:nvSpPr>
+            <p:cNvPr id="18" name="Graphic 11">
+              <a:extLst>
+                <a:ext uri="{FF2B5EF4-FFF2-40B4-BE49-F238E27FC236}">
+                  <a16:creationId xmlns:a16="http://schemas.microsoft.com/office/drawing/2014/main" id="{6CB927A4-E432-4310-9CD5-E89FF5063179}"/>
+                </a:ext>
+                <a:ext uri="{C183D7F6-B498-43B3-948B-1728B52AA6E4}">
+                  <adec:decorative xmlns:adec="http://schemas.microsoft.com/office/drawing/2017/decorative" val="1"/>
+                </a:ext>
+              </a:extLst>
+            </p:cNvPr>
+            <p:cNvSpPr/>
+            <p:nvPr>
+              <p:extLst>
+                <p:ext uri="{386F3935-93C4-4BCD-93E2-E3B085C9AB24}">
+                  <p16:designElem xmlns:p16="http://schemas.microsoft.com/office/powerpoint/2015/main" val="1"/>
+                </p:ext>
+              </p:extLst>
+            </p:nvPr>
+          </p:nvSpPr>
+          <p:spPr>
+            <a:xfrm>
+              <a:off x="6125948" y="740316"/>
+              <a:ext cx="139039" cy="139039"/>
+            </a:xfrm>
+            <a:custGeom>
+              <a:avLst/>
+              <a:gdLst>
+                <a:gd name="connsiteX0" fmla="*/ 129602 w 139039"/>
+                <a:gd name="connsiteY0" fmla="*/ 60082 h 139039"/>
+                <a:gd name="connsiteX1" fmla="*/ 78957 w 139039"/>
+                <a:gd name="connsiteY1" fmla="*/ 60082 h 139039"/>
+                <a:gd name="connsiteX2" fmla="*/ 78957 w 139039"/>
+                <a:gd name="connsiteY2" fmla="*/ 9437 h 139039"/>
+                <a:gd name="connsiteX3" fmla="*/ 69520 w 139039"/>
+                <a:gd name="connsiteY3" fmla="*/ 0 h 139039"/>
+                <a:gd name="connsiteX4" fmla="*/ 60082 w 139039"/>
+                <a:gd name="connsiteY4" fmla="*/ 9437 h 139039"/>
+                <a:gd name="connsiteX5" fmla="*/ 60082 w 139039"/>
+                <a:gd name="connsiteY5" fmla="*/ 60082 h 139039"/>
+                <a:gd name="connsiteX6" fmla="*/ 9437 w 139039"/>
+                <a:gd name="connsiteY6" fmla="*/ 60082 h 139039"/>
+                <a:gd name="connsiteX7" fmla="*/ 0 w 139039"/>
+                <a:gd name="connsiteY7" fmla="*/ 69520 h 139039"/>
+                <a:gd name="connsiteX8" fmla="*/ 9437 w 139039"/>
+                <a:gd name="connsiteY8" fmla="*/ 78957 h 139039"/>
+                <a:gd name="connsiteX9" fmla="*/ 60082 w 139039"/>
+                <a:gd name="connsiteY9" fmla="*/ 78957 h 139039"/>
+                <a:gd name="connsiteX10" fmla="*/ 60082 w 139039"/>
+                <a:gd name="connsiteY10" fmla="*/ 129602 h 139039"/>
+                <a:gd name="connsiteX11" fmla="*/ 69520 w 139039"/>
+                <a:gd name="connsiteY11" fmla="*/ 139039 h 139039"/>
+                <a:gd name="connsiteX12" fmla="*/ 78957 w 139039"/>
+                <a:gd name="connsiteY12" fmla="*/ 129602 h 139039"/>
+                <a:gd name="connsiteX13" fmla="*/ 78957 w 139039"/>
+                <a:gd name="connsiteY13" fmla="*/ 78957 h 139039"/>
+                <a:gd name="connsiteX14" fmla="*/ 129602 w 139039"/>
+                <a:gd name="connsiteY14" fmla="*/ 78957 h 139039"/>
+                <a:gd name="connsiteX15" fmla="*/ 139039 w 139039"/>
+                <a:gd name="connsiteY15" fmla="*/ 69520 h 139039"/>
+                <a:gd name="connsiteX16" fmla="*/ 129602 w 139039"/>
+                <a:gd name="connsiteY16" fmla="*/ 60082 h 139039"/>
+              </a:gdLst>
+              <a:ahLst/>
+              <a:cxnLst>
+                <a:cxn ang="0">
+                  <a:pos x="connsiteX0" y="connsiteY0"/>
+                </a:cxn>
+                <a:cxn ang="0">
+                  <a:pos x="connsiteX1" y="connsiteY1"/>
+                </a:cxn>
+                <a:cxn ang="0">
+                  <a:pos x="connsiteX2" y="connsiteY2"/>
+                </a:cxn>
+                <a:cxn ang="0">
+                  <a:pos x="connsiteX3" y="connsiteY3"/>
+                </a:cxn>
+                <a:cxn ang="0">
+                  <a:pos x="connsiteX4" y="connsiteY4"/>
+                </a:cxn>
+                <a:cxn ang="0">
+                  <a:pos x="connsiteX5" y="connsiteY5"/>
+                </a:cxn>
+                <a:cxn ang="0">
+                  <a:pos x="connsiteX6" y="connsiteY6"/>
+                </a:cxn>
+                <a:cxn ang="0">
+                  <a:pos x="connsiteX7" y="connsiteY7"/>
+                </a:cxn>
+                <a:cxn ang="0">
+                  <a:pos x="connsiteX8" y="connsiteY8"/>
+                </a:cxn>
+                <a:cxn ang="0">
+                  <a:pos x="connsiteX9" y="connsiteY9"/>
+                </a:cxn>
+                <a:cxn ang="0">
+                  <a:pos x="connsiteX10" y="connsiteY10"/>
+                </a:cxn>
+                <a:cxn ang="0">
+                  <a:pos x="connsiteX11" y="connsiteY11"/>
+                </a:cxn>
+                <a:cxn ang="0">
+                  <a:pos x="connsiteX12" y="connsiteY12"/>
+                </a:cxn>
+                <a:cxn ang="0">
+                  <a:pos x="connsiteX13" y="connsiteY13"/>
+                </a:cxn>
+                <a:cxn ang="0">
+                  <a:pos x="connsiteX14" y="connsiteY14"/>
+                </a:cxn>
+                <a:cxn ang="0">
+                  <a:pos x="connsiteX15" y="connsiteY15"/>
+                </a:cxn>
+                <a:cxn ang="0">
+                  <a:pos x="connsiteX16" y="connsiteY16"/>
+                </a:cxn>
+              </a:cxnLst>
+              <a:rect l="l" t="t" r="r" b="b"/>
+              <a:pathLst>
+                <a:path w="139039" h="139039">
+                  <a:moveTo>
+                    <a:pt x="129602" y="60082"/>
+                  </a:moveTo>
+                  <a:lnTo>
+                    <a:pt x="78957" y="60082"/>
+                  </a:lnTo>
+                  <a:lnTo>
+                    <a:pt x="78957" y="9437"/>
+                  </a:lnTo>
+                  <a:cubicBezTo>
+                    <a:pt x="78957" y="4225"/>
+                    <a:pt x="74731" y="0"/>
+                    <a:pt x="69520" y="0"/>
+                  </a:cubicBezTo>
+                  <a:cubicBezTo>
+                    <a:pt x="64308" y="0"/>
+                    <a:pt x="60082" y="4225"/>
+                    <a:pt x="60082" y="9437"/>
+                  </a:cubicBezTo>
+                  <a:lnTo>
+                    <a:pt x="60082" y="60082"/>
+                  </a:lnTo>
+                  <a:lnTo>
+                    <a:pt x="9437" y="60082"/>
+                  </a:lnTo>
+                  <a:cubicBezTo>
+                    <a:pt x="4225" y="60082"/>
+                    <a:pt x="0" y="64308"/>
+                    <a:pt x="0" y="69520"/>
+                  </a:cubicBezTo>
+                  <a:cubicBezTo>
+                    <a:pt x="0" y="74731"/>
+                    <a:pt x="4225" y="78957"/>
+                    <a:pt x="9437" y="78957"/>
+                  </a:cubicBezTo>
+                  <a:lnTo>
+                    <a:pt x="60082" y="78957"/>
+                  </a:lnTo>
+                  <a:lnTo>
+                    <a:pt x="60082" y="129602"/>
+                  </a:lnTo>
+                  <a:cubicBezTo>
+                    <a:pt x="60082" y="134814"/>
+                    <a:pt x="64308" y="139039"/>
+                    <a:pt x="69520" y="139039"/>
+                  </a:cubicBezTo>
+                  <a:cubicBezTo>
+                    <a:pt x="74731" y="139039"/>
+                    <a:pt x="78957" y="134814"/>
+                    <a:pt x="78957" y="129602"/>
+                  </a:cubicBezTo>
+                  <a:lnTo>
+                    <a:pt x="78957" y="78957"/>
+                  </a:lnTo>
+                  <a:lnTo>
+                    <a:pt x="129602" y="78957"/>
+                  </a:lnTo>
+                  <a:cubicBezTo>
+                    <a:pt x="134814" y="78957"/>
+                    <a:pt x="139039" y="74731"/>
+                    <a:pt x="139039" y="69520"/>
+                  </a:cubicBezTo>
+                  <a:cubicBezTo>
+                    <a:pt x="139039" y="64308"/>
+                    <a:pt x="134814" y="60082"/>
+                    <a:pt x="129602" y="60082"/>
+                  </a:cubicBezTo>
+                  <a:close/>
+                </a:path>
+              </a:pathLst>
+            </a:custGeom>
+            <a:solidFill>
+              <a:schemeClr val="accent2"/>
+            </a:solidFill>
+            <a:ln w="603" cap="flat">
+              <a:noFill/>
+              <a:prstDash val="solid"/>
+              <a:miter/>
+            </a:ln>
+          </p:spPr>
+          <p:txBody>
+            <a:bodyPr rtlCol="0" anchor="ctr"/>
+            <a:lstStyle/>
+            <a:p>
+              <a:endParaRPr lang="en-US"/>
+            </a:p>
+          </p:txBody>
+        </p:sp>
+        <p:sp>
+          <p:nvSpPr>
+            <p:cNvPr id="19" name="Graphic 10">
+              <a:extLst>
+                <a:ext uri="{FF2B5EF4-FFF2-40B4-BE49-F238E27FC236}">
+                  <a16:creationId xmlns:a16="http://schemas.microsoft.com/office/drawing/2014/main" id="{E3020543-B24B-4EC4-8FFC-8DD88EEA91A8}"/>
+                </a:ext>
+                <a:ext uri="{C183D7F6-B498-43B3-948B-1728B52AA6E4}">
+                  <adec:decorative xmlns:adec="http://schemas.microsoft.com/office/drawing/2017/decorative" val="1"/>
+                </a:ext>
+              </a:extLst>
+            </p:cNvPr>
+            <p:cNvSpPr/>
+            <p:nvPr>
+              <p:extLst>
+                <p:ext uri="{386F3935-93C4-4BCD-93E2-E3B085C9AB24}">
+                  <p16:designElem xmlns:p16="http://schemas.microsoft.com/office/powerpoint/2015/main" val="1"/>
+                </p:ext>
+              </p:extLst>
+            </p:nvPr>
+          </p:nvSpPr>
+          <p:spPr>
+            <a:xfrm>
+              <a:off x="6484728" y="969611"/>
+              <a:ext cx="91138" cy="91138"/>
+            </a:xfrm>
+            <a:custGeom>
+              <a:avLst/>
+              <a:gdLst>
+                <a:gd name="connsiteX0" fmla="*/ 91138 w 91138"/>
+                <a:gd name="connsiteY0" fmla="*/ 45569 h 91138"/>
+                <a:gd name="connsiteX1" fmla="*/ 45569 w 91138"/>
+                <a:gd name="connsiteY1" fmla="*/ 91138 h 91138"/>
+                <a:gd name="connsiteX2" fmla="*/ 0 w 91138"/>
+                <a:gd name="connsiteY2" fmla="*/ 45569 h 91138"/>
+                <a:gd name="connsiteX3" fmla="*/ 45569 w 91138"/>
+                <a:gd name="connsiteY3" fmla="*/ 0 h 91138"/>
+                <a:gd name="connsiteX4" fmla="*/ 91138 w 91138"/>
+                <a:gd name="connsiteY4" fmla="*/ 45569 h 91138"/>
+              </a:gdLst>
+              <a:ahLst/>
+              <a:cxnLst>
+                <a:cxn ang="0">
+                  <a:pos x="connsiteX0" y="connsiteY0"/>
+                </a:cxn>
+                <a:cxn ang="0">
+                  <a:pos x="connsiteX1" y="connsiteY1"/>
+                </a:cxn>
+                <a:cxn ang="0">
+                  <a:pos x="connsiteX2" y="connsiteY2"/>
+                </a:cxn>
+                <a:cxn ang="0">
+                  <a:pos x="connsiteX3" y="connsiteY3"/>
+                </a:cxn>
+                <a:cxn ang="0">
+                  <a:pos x="connsiteX4" y="connsiteY4"/>
+                </a:cxn>
+              </a:cxnLst>
+              <a:rect l="l" t="t" r="r" b="b"/>
+              <a:pathLst>
+                <a:path w="91138" h="91138">
+                  <a:moveTo>
+                    <a:pt x="91138" y="45569"/>
+                  </a:moveTo>
+                  <a:cubicBezTo>
+                    <a:pt x="91138" y="70736"/>
+                    <a:pt x="70736" y="91138"/>
+                    <a:pt x="45569" y="91138"/>
+                  </a:cubicBezTo>
+                  <a:cubicBezTo>
+                    <a:pt x="20402" y="91138"/>
+                    <a:pt x="0" y="70736"/>
+                    <a:pt x="0" y="45569"/>
+                  </a:cubicBezTo>
+                  <a:cubicBezTo>
+                    <a:pt x="0" y="20402"/>
+                    <a:pt x="20402" y="0"/>
+                    <a:pt x="45569" y="0"/>
+                  </a:cubicBezTo>
+                  <a:cubicBezTo>
+                    <a:pt x="70736" y="0"/>
+                    <a:pt x="91138" y="20402"/>
+                    <a:pt x="91138" y="45569"/>
+                  </a:cubicBezTo>
+                  <a:close/>
+                </a:path>
+              </a:pathLst>
+            </a:custGeom>
+            <a:solidFill>
+              <a:schemeClr val="accent2"/>
+            </a:solidFill>
+            <a:ln w="422" cap="flat">
+              <a:noFill/>
+              <a:prstDash val="solid"/>
+              <a:miter/>
+            </a:ln>
+          </p:spPr>
+          <p:txBody>
+            <a:bodyPr rtlCol="0" anchor="ctr"/>
+            <a:lstStyle/>
+            <a:p>
+              <a:endParaRPr lang="en-US"/>
+            </a:p>
+          </p:txBody>
+        </p:sp>
+        <p:sp>
+          <p:nvSpPr>
+            <p:cNvPr id="20" name="Graphic 12">
+              <a:extLst>
+                <a:ext uri="{FF2B5EF4-FFF2-40B4-BE49-F238E27FC236}">
+                  <a16:creationId xmlns:a16="http://schemas.microsoft.com/office/drawing/2014/main" id="{1453BF6C-B012-48B7-B4E8-6D7AC7C27D02}"/>
+                </a:ext>
+                <a:ext uri="{C183D7F6-B498-43B3-948B-1728B52AA6E4}">
+                  <adec:decorative xmlns:adec="http://schemas.microsoft.com/office/drawing/2017/decorative" val="1"/>
+                </a:ext>
+              </a:extLst>
+            </p:cNvPr>
+            <p:cNvSpPr/>
+            <p:nvPr>
+              <p:extLst>
+                <p:ext uri="{386F3935-93C4-4BCD-93E2-E3B085C9AB24}">
+                  <p16:designElem xmlns:p16="http://schemas.microsoft.com/office/powerpoint/2015/main" val="1"/>
+                </p:ext>
+              </p:extLst>
+            </p:nvPr>
+          </p:nvSpPr>
+          <p:spPr>
+            <a:xfrm>
+              <a:off x="6110408" y="1484755"/>
+              <a:ext cx="127714" cy="127714"/>
+            </a:xfrm>
+            <a:custGeom>
+              <a:avLst/>
+              <a:gdLst>
+                <a:gd name="connsiteX0" fmla="*/ 63857 w 127714"/>
+                <a:gd name="connsiteY0" fmla="*/ 18874 h 127714"/>
+                <a:gd name="connsiteX1" fmla="*/ 108840 w 127714"/>
+                <a:gd name="connsiteY1" fmla="*/ 63857 h 127714"/>
+                <a:gd name="connsiteX2" fmla="*/ 63857 w 127714"/>
+                <a:gd name="connsiteY2" fmla="*/ 108840 h 127714"/>
+                <a:gd name="connsiteX3" fmla="*/ 18874 w 127714"/>
+                <a:gd name="connsiteY3" fmla="*/ 63857 h 127714"/>
+                <a:gd name="connsiteX4" fmla="*/ 63857 w 127714"/>
+                <a:gd name="connsiteY4" fmla="*/ 18874 h 127714"/>
+                <a:gd name="connsiteX5" fmla="*/ 63857 w 127714"/>
+                <a:gd name="connsiteY5" fmla="*/ 0 h 127714"/>
+                <a:gd name="connsiteX6" fmla="*/ 0 w 127714"/>
+                <a:gd name="connsiteY6" fmla="*/ 63857 h 127714"/>
+                <a:gd name="connsiteX7" fmla="*/ 63857 w 127714"/>
+                <a:gd name="connsiteY7" fmla="*/ 127714 h 127714"/>
+                <a:gd name="connsiteX8" fmla="*/ 127714 w 127714"/>
+                <a:gd name="connsiteY8" fmla="*/ 63857 h 127714"/>
+                <a:gd name="connsiteX9" fmla="*/ 63857 w 127714"/>
+                <a:gd name="connsiteY9" fmla="*/ 0 h 127714"/>
+              </a:gdLst>
+              <a:ahLst/>
+              <a:cxnLst>
+                <a:cxn ang="0">
+                  <a:pos x="connsiteX0" y="connsiteY0"/>
+                </a:cxn>
+                <a:cxn ang="0">
+                  <a:pos x="connsiteX1" y="connsiteY1"/>
+                </a:cxn>
+                <a:cxn ang="0">
+                  <a:pos x="connsiteX2" y="connsiteY2"/>
+                </a:cxn>
+                <a:cxn ang="0">
+                  <a:pos x="connsiteX3" y="connsiteY3"/>
+                </a:cxn>
+                <a:cxn ang="0">
+                  <a:pos x="connsiteX4" y="connsiteY4"/>
+                </a:cxn>
+                <a:cxn ang="0">
+                  <a:pos x="connsiteX5" y="connsiteY5"/>
+                </a:cxn>
+                <a:cxn ang="0">
+                  <a:pos x="connsiteX6" y="connsiteY6"/>
+                </a:cxn>
+                <a:cxn ang="0">
+                  <a:pos x="connsiteX7" y="connsiteY7"/>
+                </a:cxn>
+                <a:cxn ang="0">
+                  <a:pos x="connsiteX8" y="connsiteY8"/>
+                </a:cxn>
+                <a:cxn ang="0">
+                  <a:pos x="connsiteX9" y="connsiteY9"/>
+                </a:cxn>
+              </a:cxnLst>
+              <a:rect l="l" t="t" r="r" b="b"/>
+              <a:pathLst>
+                <a:path w="127714" h="127714">
+                  <a:moveTo>
+                    <a:pt x="63857" y="18874"/>
+                  </a:moveTo>
+                  <a:cubicBezTo>
+                    <a:pt x="88700" y="18874"/>
+                    <a:pt x="108840" y="39014"/>
+                    <a:pt x="108840" y="63857"/>
+                  </a:cubicBezTo>
+                  <a:cubicBezTo>
+                    <a:pt x="108840" y="88700"/>
+                    <a:pt x="88700" y="108840"/>
+                    <a:pt x="63857" y="108840"/>
+                  </a:cubicBezTo>
+                  <a:cubicBezTo>
+                    <a:pt x="39014" y="108840"/>
+                    <a:pt x="18874" y="88700"/>
+                    <a:pt x="18874" y="63857"/>
+                  </a:cubicBezTo>
+                  <a:cubicBezTo>
+                    <a:pt x="18898" y="39024"/>
+                    <a:pt x="39024" y="18898"/>
+                    <a:pt x="63857" y="18874"/>
+                  </a:cubicBezTo>
+                  <a:moveTo>
+                    <a:pt x="63857" y="0"/>
+                  </a:moveTo>
+                  <a:cubicBezTo>
+                    <a:pt x="28590" y="0"/>
+                    <a:pt x="0" y="28590"/>
+                    <a:pt x="0" y="63857"/>
+                  </a:cubicBezTo>
+                  <a:cubicBezTo>
+                    <a:pt x="0" y="99124"/>
+                    <a:pt x="28590" y="127714"/>
+                    <a:pt x="63857" y="127714"/>
+                  </a:cubicBezTo>
+                  <a:cubicBezTo>
+                    <a:pt x="99124" y="127714"/>
+                    <a:pt x="127714" y="99124"/>
+                    <a:pt x="127714" y="63857"/>
+                  </a:cubicBezTo>
+                  <a:cubicBezTo>
+                    <a:pt x="127714" y="28590"/>
+                    <a:pt x="99124" y="0"/>
+                    <a:pt x="63857" y="0"/>
+                  </a:cubicBezTo>
+                  <a:close/>
+                </a:path>
+              </a:pathLst>
+            </a:custGeom>
+            <a:solidFill>
+              <a:schemeClr val="accent2"/>
+            </a:solidFill>
+            <a:ln w="610" cap="flat">
+              <a:noFill/>
+              <a:prstDash val="solid"/>
+              <a:miter/>
+            </a:ln>
+          </p:spPr>
+          <p:txBody>
+            <a:bodyPr rtlCol="0" anchor="ctr"/>
+            <a:lstStyle/>
+            <a:p>
+              <a:endParaRPr lang="en-US"/>
+            </a:p>
+          </p:txBody>
+        </p:sp>
+      </p:grpSp>
+      <p:sp>
+        <p:nvSpPr>
+          <p:cNvPr id="22" name="Rectangle 21">
+            <a:extLst>
+              <a:ext uri="{FF2B5EF4-FFF2-40B4-BE49-F238E27FC236}">
+                <a16:creationId xmlns:a16="http://schemas.microsoft.com/office/drawing/2014/main" id="{2CA8D992-BB3F-47CD-BA18-71D54539202C}"/>
+              </a:ext>
+              <a:ext uri="{C183D7F6-B498-43B3-948B-1728B52AA6E4}">
+                <adec:decorative xmlns:adec="http://schemas.microsoft.com/office/drawing/2017/decorative" val="1"/>
+              </a:ext>
+            </a:extLst>
+          </p:cNvPr>
+          <p:cNvSpPr>
+            <a:spLocks noGrp="1" noRot="1" noChangeAspect="1" noMove="1" noResize="1" noEditPoints="1" noAdjustHandles="1" noChangeArrowheads="1" noChangeShapeType="1" noTextEdit="1"/>
+          </p:cNvSpPr>
+          <p:nvPr>
+            <p:extLst>
+              <p:ext uri="{386F3935-93C4-4BCD-93E2-E3B085C9AB24}">
+                <p16:designElem xmlns:p16="http://schemas.microsoft.com/office/powerpoint/2015/main" val="1"/>
+              </p:ext>
+            </p:extLst>
+          </p:nvPr>
+        </p:nvSpPr>
+        <p:spPr>
+          <a:xfrm>
+            <a:off x="838200" y="3000055"/>
+            <a:ext cx="5243390" cy="2997970"/>
           </a:xfrm>
           <a:prstGeom prst="rect">
             <a:avLst/>
           </a:prstGeom>
-          <a:solidFill>
-            <a:srgbClr val="D5D5D5"/>
-          </a:solidFill>
-          <a:ln w="3175">
+          <a:gradFill flip="none" rotWithShape="1">
+            <a:gsLst>
+              <a:gs pos="100000">
+                <a:schemeClr val="accent2">
+                  <a:alpha val="20000"/>
+                </a:schemeClr>
+              </a:gs>
+              <a:gs pos="0">
+                <a:schemeClr val="accent1">
+                  <a:alpha val="20000"/>
+                </a:schemeClr>
+              </a:gs>
+            </a:gsLst>
+            <a:lin ang="16200000" scaled="1"/>
+            <a:tileRect/>
+          </a:gradFill>
+          <a:ln>
             <a:noFill/>
           </a:ln>
-          <a:effectLst/>
         </p:spPr>
         <p:style>
           <a:lnRef idx="2">
@@ -5533,21 +9052,249 @@
           <a:lstStyle/>
           <a:p>
             <a:pPr algn="ctr"/>
-            <a:endParaRPr lang="en-US">
+            <a:endParaRPr lang="en-US"/>
+          </a:p>
+        </p:txBody>
+      </p:sp>
+      <p:pic>
+        <p:nvPicPr>
+          <p:cNvPr id="8" name="Picture Placeholder 7" descr="Logo, company name&#10;&#10;Description automatically generated">
+            <a:extLst>
+              <a:ext uri="{FF2B5EF4-FFF2-40B4-BE49-F238E27FC236}">
+                <a16:creationId xmlns:a16="http://schemas.microsoft.com/office/drawing/2014/main" id="{BABE959F-F88B-4343-8499-5345D7BE5190}"/>
+              </a:ext>
+            </a:extLst>
+          </p:cNvPr>
+          <p:cNvPicPr>
+            <a:picLocks noGrp="1" noChangeAspect="1"/>
+          </p:cNvPicPr>
+          <p:nvPr>
+            <p:ph type="pic" idx="1"/>
+          </p:nvPr>
+        </p:nvPicPr>
+        <p:blipFill rotWithShape="1">
+          <a:blip r:embed="rId2">
+            <a:extLst>
+              <a:ext uri="{28A0092B-C50C-407E-A947-70E740481C1C}">
+                <a14:useLocalDpi xmlns:a14="http://schemas.microsoft.com/office/drawing/2010/main" val="0"/>
+              </a:ext>
+            </a:extLst>
+          </a:blip>
+          <a:srcRect l="6435" r="775" b="-2"/>
+          <a:stretch/>
+        </p:blipFill>
+        <p:spPr>
+          <a:xfrm>
+            <a:off x="838200" y="3003053"/>
+            <a:ext cx="5243391" cy="2994972"/>
+          </a:xfrm>
+          <a:prstGeom prst="rect">
+            <a:avLst/>
+          </a:prstGeom>
+        </p:spPr>
+      </p:pic>
+      <p:sp>
+        <p:nvSpPr>
+          <p:cNvPr id="4" name="Text Placeholder 3">
+            <a:extLst>
+              <a:ext uri="{FF2B5EF4-FFF2-40B4-BE49-F238E27FC236}">
+                <a16:creationId xmlns:a16="http://schemas.microsoft.com/office/drawing/2014/main" id="{E8DBB2EF-3B81-49A3-8A70-00B807C379ED}"/>
+              </a:ext>
+            </a:extLst>
+          </p:cNvPr>
+          <p:cNvSpPr>
+            <a:spLocks noGrp="1"/>
+          </p:cNvSpPr>
+          <p:nvPr>
+            <p:ph type="body" sz="half" idx="2"/>
+          </p:nvPr>
+        </p:nvSpPr>
+        <p:spPr>
+          <a:xfrm>
+            <a:off x="7229042" y="879355"/>
+            <a:ext cx="4124758" cy="5120755"/>
+          </a:xfrm>
+        </p:spPr>
+        <p:txBody>
+          <a:bodyPr vert="horz" lIns="91440" tIns="45720" rIns="91440" bIns="45720" rtlCol="0" anchor="ctr">
+            <a:normAutofit/>
+          </a:bodyPr>
+          <a:lstStyle/>
+          <a:p>
+            <a:pPr marL="285750" indent="-228600">
+              <a:buFont typeface="Arial" panose="020B0604020202020204" pitchFamily="34" charset="0"/>
+              <a:buChar char="•"/>
+            </a:pPr>
+            <a:r>
+              <a:rPr lang="en-US" sz="2000" dirty="0">
+                <a:solidFill>
+                  <a:schemeClr val="tx1">
+                    <a:alpha val="80000"/>
+                  </a:schemeClr>
+                </a:solidFill>
+              </a:rPr>
+              <a:t>Data transformation – cleaning, merging extracting years and export data</a:t>
+            </a:r>
+          </a:p>
+          <a:p>
+            <a:pPr marL="285750" indent="-228600">
+              <a:buFont typeface="Arial" panose="020B0604020202020204" pitchFamily="34" charset="0"/>
+              <a:buChar char="•"/>
+            </a:pPr>
+            <a:r>
+              <a:rPr lang="en-US" sz="2000" dirty="0">
+                <a:solidFill>
+                  <a:schemeClr val="tx1">
+                    <a:alpha val="80000"/>
+                  </a:schemeClr>
+                </a:solidFill>
+              </a:rPr>
+              <a:t>Data loading – MongoDB Atlas Cloud Database</a:t>
+            </a:r>
+          </a:p>
+          <a:p>
+            <a:pPr marL="285750" indent="-228600">
+              <a:buFont typeface="Arial" panose="020B0604020202020204" pitchFamily="34" charset="0"/>
+              <a:buChar char="•"/>
+            </a:pPr>
+            <a:endParaRPr lang="en-US" sz="2000" dirty="0">
               <a:solidFill>
-                <a:prstClr val="white"/>
+                <a:schemeClr val="tx1">
+                  <a:alpha val="80000"/>
+                </a:schemeClr>
               </a:solidFill>
-              <a:latin typeface="Calibri" panose="020F0502020204030204"/>
             </a:endParaRPr>
           </a:p>
         </p:txBody>
       </p:sp>
       <p:sp>
         <p:nvSpPr>
-          <p:cNvPr id="12" name="Rectangle 11">
-            <a:extLst>
-              <a:ext uri="{FF2B5EF4-FFF2-40B4-BE49-F238E27FC236}">
-                <a16:creationId xmlns:a16="http://schemas.microsoft.com/office/drawing/2014/main" id="{9DECDBF4-02B6-4BB4-B65B-B8107AD6A9E8}"/>
+          <p:cNvPr id="6" name="Arrow: Right 5">
+            <a:hlinkClick r:id="rId3" action="ppaction://hlinksldjump"/>
+            <a:extLst>
+              <a:ext uri="{FF2B5EF4-FFF2-40B4-BE49-F238E27FC236}">
+                <a16:creationId xmlns:a16="http://schemas.microsoft.com/office/drawing/2014/main" id="{8FB81DE2-8BE5-431F-AB31-AC7B73B54C9C}"/>
+              </a:ext>
+            </a:extLst>
+          </p:cNvPr>
+          <p:cNvSpPr/>
+          <p:nvPr/>
+        </p:nvSpPr>
+        <p:spPr>
+          <a:xfrm rot="10800000">
+            <a:off x="595619" y="6098795"/>
+            <a:ext cx="755010" cy="562063"/>
+          </a:xfrm>
+          <a:prstGeom prst="rightArrow">
+            <a:avLst/>
+          </a:prstGeom>
+        </p:spPr>
+        <p:style>
+          <a:lnRef idx="2">
+            <a:schemeClr val="accent1">
+              <a:shade val="50000"/>
+            </a:schemeClr>
+          </a:lnRef>
+          <a:fillRef idx="1">
+            <a:schemeClr val="accent1"/>
+          </a:fillRef>
+          <a:effectRef idx="0">
+            <a:schemeClr val="accent1"/>
+          </a:effectRef>
+          <a:fontRef idx="minor">
+            <a:schemeClr val="lt1"/>
+          </a:fontRef>
+        </p:style>
+        <p:txBody>
+          <a:bodyPr rtlCol="0" anchor="ctr"/>
+          <a:lstStyle/>
+          <a:p>
+            <a:pPr algn="ctr"/>
+            <a:endParaRPr lang="en-MY"/>
+          </a:p>
+        </p:txBody>
+      </p:sp>
+    </p:spTree>
+    <p:extLst>
+      <p:ext uri="{BB962C8B-B14F-4D97-AF65-F5344CB8AC3E}">
+        <p14:creationId xmlns:p14="http://schemas.microsoft.com/office/powerpoint/2010/main" val="1316717293"/>
+      </p:ext>
+    </p:extLst>
+  </p:cSld>
+  <p:clrMapOvr>
+    <a:masterClrMapping/>
+  </p:clrMapOvr>
+</p:sld>
+</file>
+
+<file path=ppt/slides/slide7.xml><?xml version="1.0" encoding="utf-8"?>
+<p:sld xmlns:a="http://schemas.openxmlformats.org/drawingml/2006/main" xmlns:r="http://schemas.openxmlformats.org/officeDocument/2006/relationships" xmlns:p="http://schemas.openxmlformats.org/presentationml/2006/main">
+  <p:cSld>
+    <p:bg>
+      <p:bgPr>
+        <a:solidFill>
+          <a:schemeClr val="bg1"/>
+        </a:solidFill>
+        <a:effectLst/>
+      </p:bgPr>
+    </p:bg>
+    <p:spTree>
+      <p:nvGrpSpPr>
+        <p:cNvPr id="1" name=""/>
+        <p:cNvGrpSpPr/>
+        <p:nvPr/>
+      </p:nvGrpSpPr>
+      <p:grpSpPr>
+        <a:xfrm>
+          <a:off x="0" y="0"/>
+          <a:ext cx="0" cy="0"/>
+          <a:chOff x="0" y="0"/>
+          <a:chExt cx="0" cy="0"/>
+        </a:xfrm>
+      </p:grpSpPr>
+      <p:pic>
+        <p:nvPicPr>
+          <p:cNvPr id="7" name="Picture Placeholder 6" descr="Map&#10;&#10;Description automatically generated">
+            <a:extLst>
+              <a:ext uri="{FF2B5EF4-FFF2-40B4-BE49-F238E27FC236}">
+                <a16:creationId xmlns:a16="http://schemas.microsoft.com/office/drawing/2014/main" id="{5DFBE9E8-9B30-4DA0-ADBE-5AEC05155BA0}"/>
+              </a:ext>
+            </a:extLst>
+          </p:cNvPr>
+          <p:cNvPicPr>
+            <a:picLocks noGrp="1" noChangeAspect="1"/>
+          </p:cNvPicPr>
+          <p:nvPr>
+            <p:ph type="pic" idx="1"/>
+          </p:nvPr>
+        </p:nvPicPr>
+        <p:blipFill rotWithShape="1">
+          <a:blip r:embed="rId2">
+            <a:extLst>
+              <a:ext uri="{28A0092B-C50C-407E-A947-70E740481C1C}">
+                <a14:useLocalDpi xmlns:a14="http://schemas.microsoft.com/office/drawing/2010/main" val="0"/>
+              </a:ext>
+            </a:extLst>
+          </a:blip>
+          <a:srcRect l="9091" t="19152"/>
+          <a:stretch/>
+        </p:blipFill>
+        <p:spPr>
+          <a:xfrm>
+            <a:off x="-1" y="10"/>
+            <a:ext cx="12192000" cy="6857990"/>
+          </a:xfrm>
+          <a:prstGeom prst="rect">
+            <a:avLst/>
+          </a:prstGeom>
+        </p:spPr>
+      </p:pic>
+      <p:sp>
+        <p:nvSpPr>
+          <p:cNvPr id="29" name="Freeform: Shape 28">
+            <a:extLst>
+              <a:ext uri="{FF2B5EF4-FFF2-40B4-BE49-F238E27FC236}">
+                <a16:creationId xmlns:a16="http://schemas.microsoft.com/office/drawing/2014/main" id="{E862BE82-D00D-42C1-BF16-93AA37870C32}"/>
               </a:ext>
               <a:ext uri="{C183D7F6-B498-43B3-948B-1728B52AA6E4}">
                 <adec:decorative xmlns:adec="http://schemas.microsoft.com/office/drawing/2017/decorative" val="1"/>
@@ -5566,15 +9313,90 @@
           </p:nvPr>
         </p:nvSpPr>
         <p:spPr>
-          <a:xfrm flipV="1">
-            <a:off x="841248" y="2776031"/>
-            <a:ext cx="1873457" cy="137160"/>
+          <a:xfrm flipH="1">
+            <a:off x="6582780" y="-2008"/>
+            <a:ext cx="5609220" cy="5840278"/>
           </a:xfrm>
-          <a:prstGeom prst="rect">
+          <a:custGeom>
             <a:avLst/>
-          </a:prstGeom>
+            <a:gdLst>
+              <a:gd name="connsiteX0" fmla="*/ 0 w 5609220"/>
+              <a:gd name="connsiteY0" fmla="*/ 0 h 5840278"/>
+              <a:gd name="connsiteX1" fmla="*/ 4637091 w 5609220"/>
+              <a:gd name="connsiteY1" fmla="*/ 0 h 5840278"/>
+              <a:gd name="connsiteX2" fmla="*/ 4822569 w 5609220"/>
+              <a:gd name="connsiteY2" fmla="*/ 204077 h 5840278"/>
+              <a:gd name="connsiteX3" fmla="*/ 5609220 w 5609220"/>
+              <a:gd name="connsiteY3" fmla="*/ 2395363 h 5840278"/>
+              <a:gd name="connsiteX4" fmla="*/ 2164305 w 5609220"/>
+              <a:gd name="connsiteY4" fmla="*/ 5840278 h 5840278"/>
+              <a:gd name="connsiteX5" fmla="*/ 238220 w 5609220"/>
+              <a:gd name="connsiteY5" fmla="*/ 5251941 h 5840278"/>
+              <a:gd name="connsiteX6" fmla="*/ 0 w 5609220"/>
+              <a:gd name="connsiteY6" fmla="*/ 5073803 h 5840278"/>
+            </a:gdLst>
+            <a:ahLst/>
+            <a:cxnLst>
+              <a:cxn ang="0">
+                <a:pos x="connsiteX0" y="connsiteY0"/>
+              </a:cxn>
+              <a:cxn ang="0">
+                <a:pos x="connsiteX1" y="connsiteY1"/>
+              </a:cxn>
+              <a:cxn ang="0">
+                <a:pos x="connsiteX2" y="connsiteY2"/>
+              </a:cxn>
+              <a:cxn ang="0">
+                <a:pos x="connsiteX3" y="connsiteY3"/>
+              </a:cxn>
+              <a:cxn ang="0">
+                <a:pos x="connsiteX4" y="connsiteY4"/>
+              </a:cxn>
+              <a:cxn ang="0">
+                <a:pos x="connsiteX5" y="connsiteY5"/>
+              </a:cxn>
+              <a:cxn ang="0">
+                <a:pos x="connsiteX6" y="connsiteY6"/>
+              </a:cxn>
+            </a:cxnLst>
+            <a:rect l="l" t="t" r="r" b="b"/>
+            <a:pathLst>
+              <a:path w="5609220" h="5840278">
+                <a:moveTo>
+                  <a:pt x="0" y="0"/>
+                </a:moveTo>
+                <a:lnTo>
+                  <a:pt x="4637091" y="0"/>
+                </a:lnTo>
+                <a:lnTo>
+                  <a:pt x="4822569" y="204077"/>
+                </a:lnTo>
+                <a:cubicBezTo>
+                  <a:pt x="5314007" y="799562"/>
+                  <a:pt x="5609220" y="1562987"/>
+                  <a:pt x="5609220" y="2395363"/>
+                </a:cubicBezTo>
+                <a:cubicBezTo>
+                  <a:pt x="5609220" y="4297937"/>
+                  <a:pt x="4066879" y="5840278"/>
+                  <a:pt x="2164305" y="5840278"/>
+                </a:cubicBezTo>
+                <a:cubicBezTo>
+                  <a:pt x="1450840" y="5840278"/>
+                  <a:pt x="788032" y="5623387"/>
+                  <a:pt x="238220" y="5251941"/>
+                </a:cubicBezTo>
+                <a:lnTo>
+                  <a:pt x="0" y="5073803"/>
+                </a:lnTo>
+                <a:close/>
+              </a:path>
+            </a:pathLst>
+          </a:custGeom>
           <a:solidFill>
-            <a:schemeClr val="accent2"/>
+            <a:schemeClr val="bg1">
+              <a:alpha val="50000"/>
+            </a:schemeClr>
           </a:solidFill>
           <a:ln>
             <a:noFill/>
@@ -5600,22 +9422,213 @@
           <a:bodyPr rtlCol="0" anchor="ctr"/>
           <a:lstStyle/>
           <a:p>
-            <a:pPr algn="ctr"/>
-            <a:endParaRPr lang="en-US">
+            <a:pPr marL="0" marR="0" lvl="0" indent="0" algn="ctr" defTabSz="914400" rtl="0" eaLnBrk="1" fontAlgn="auto" latinLnBrk="0" hangingPunct="1">
+              <a:lnSpc>
+                <a:spcPct val="100000"/>
+              </a:lnSpc>
+              <a:spcBef>
+                <a:spcPts val="0"/>
+              </a:spcBef>
+              <a:spcAft>
+                <a:spcPts val="0"/>
+              </a:spcAft>
+              <a:buClrTx/>
+              <a:buSzTx/>
+              <a:buFontTx/>
+              <a:buNone/>
+              <a:tabLst/>
+              <a:defRPr/>
+            </a:pPr>
+            <a:endParaRPr kumimoji="0" lang="en-US" sz="1800" b="0" i="0" u="none" strike="noStrike" kern="1200" cap="none" spc="0" normalizeH="0" baseline="0" noProof="0">
+              <a:ln>
+                <a:noFill/>
+              </a:ln>
               <a:solidFill>
                 <a:prstClr val="white"/>
               </a:solidFill>
+              <a:effectLst/>
+              <a:uLnTx/>
+              <a:uFillTx/>
               <a:latin typeface="Calibri" panose="020F0502020204030204"/>
+              <a:ea typeface="+mn-ea"/>
+              <a:cs typeface="+mn-cs"/>
             </a:endParaRPr>
           </a:p>
         </p:txBody>
       </p:sp>
       <p:sp>
         <p:nvSpPr>
-          <p:cNvPr id="3" name="Content Placeholder 2">
-            <a:extLst>
-              <a:ext uri="{FF2B5EF4-FFF2-40B4-BE49-F238E27FC236}">
-                <a16:creationId xmlns:a16="http://schemas.microsoft.com/office/drawing/2014/main" id="{D8156BB2-A50B-4757-9677-74A1A7980283}"/>
+          <p:cNvPr id="31" name="Freeform: Shape 30">
+            <a:extLst>
+              <a:ext uri="{FF2B5EF4-FFF2-40B4-BE49-F238E27FC236}">
+                <a16:creationId xmlns:a16="http://schemas.microsoft.com/office/drawing/2014/main" id="{F6D92C2D-1D3D-4974-918C-06579FB354A9}"/>
+              </a:ext>
+              <a:ext uri="{C183D7F6-B498-43B3-948B-1728B52AA6E4}">
+                <adec:decorative xmlns:adec="http://schemas.microsoft.com/office/drawing/2017/decorative" val="1"/>
+              </a:ext>
+            </a:extLst>
+          </p:cNvPr>
+          <p:cNvSpPr>
+            <a:spLocks noGrp="1" noRot="1" noChangeAspect="1" noMove="1" noResize="1" noEditPoints="1" noAdjustHandles="1" noChangeArrowheads="1" noChangeShapeType="1" noTextEdit="1"/>
+          </p:cNvSpPr>
+          <p:nvPr>
+            <p:extLst>
+              <p:ext uri="{386F3935-93C4-4BCD-93E2-E3B085C9AB24}">
+                <p16:designElem xmlns:p16="http://schemas.microsoft.com/office/powerpoint/2015/main" val="1"/>
+              </p:ext>
+            </p:extLst>
+          </p:nvPr>
+        </p:nvSpPr>
+        <p:spPr>
+          <a:xfrm flipH="1">
+            <a:off x="6750141" y="-2"/>
+            <a:ext cx="5441859" cy="5654940"/>
+          </a:xfrm>
+          <a:custGeom>
+            <a:avLst/>
+            <a:gdLst>
+              <a:gd name="connsiteX0" fmla="*/ 0 w 5441859"/>
+              <a:gd name="connsiteY0" fmla="*/ 0 h 5654940"/>
+              <a:gd name="connsiteX1" fmla="*/ 4400492 w 5441859"/>
+              <a:gd name="connsiteY1" fmla="*/ 0 h 5654940"/>
+              <a:gd name="connsiteX2" fmla="*/ 4484767 w 5441859"/>
+              <a:gd name="connsiteY2" fmla="*/ 76595 h 5654940"/>
+              <a:gd name="connsiteX3" fmla="*/ 5441859 w 5441859"/>
+              <a:gd name="connsiteY3" fmla="*/ 2387221 h 5654940"/>
+              <a:gd name="connsiteX4" fmla="*/ 2174140 w 5441859"/>
+              <a:gd name="connsiteY4" fmla="*/ 5654940 h 5654940"/>
+              <a:gd name="connsiteX5" fmla="*/ 156693 w 5441859"/>
+              <a:gd name="connsiteY5" fmla="*/ 4957981 h 5654940"/>
+              <a:gd name="connsiteX6" fmla="*/ 0 w 5441859"/>
+              <a:gd name="connsiteY6" fmla="*/ 4820612 h 5654940"/>
+            </a:gdLst>
+            <a:ahLst/>
+            <a:cxnLst>
+              <a:cxn ang="0">
+                <a:pos x="connsiteX0" y="connsiteY0"/>
+              </a:cxn>
+              <a:cxn ang="0">
+                <a:pos x="connsiteX1" y="connsiteY1"/>
+              </a:cxn>
+              <a:cxn ang="0">
+                <a:pos x="connsiteX2" y="connsiteY2"/>
+              </a:cxn>
+              <a:cxn ang="0">
+                <a:pos x="connsiteX3" y="connsiteY3"/>
+              </a:cxn>
+              <a:cxn ang="0">
+                <a:pos x="connsiteX4" y="connsiteY4"/>
+              </a:cxn>
+              <a:cxn ang="0">
+                <a:pos x="connsiteX5" y="connsiteY5"/>
+              </a:cxn>
+              <a:cxn ang="0">
+                <a:pos x="connsiteX6" y="connsiteY6"/>
+              </a:cxn>
+            </a:cxnLst>
+            <a:rect l="l" t="t" r="r" b="b"/>
+            <a:pathLst>
+              <a:path w="5441859" h="5654940">
+                <a:moveTo>
+                  <a:pt x="0" y="0"/>
+                </a:moveTo>
+                <a:lnTo>
+                  <a:pt x="4400492" y="0"/>
+                </a:lnTo>
+                <a:lnTo>
+                  <a:pt x="4484767" y="76595"/>
+                </a:lnTo>
+                <a:cubicBezTo>
+                  <a:pt x="5076108" y="667936"/>
+                  <a:pt x="5441859" y="1484866"/>
+                  <a:pt x="5441859" y="2387221"/>
+                </a:cubicBezTo>
+                <a:cubicBezTo>
+                  <a:pt x="5441859" y="4191932"/>
+                  <a:pt x="3978851" y="5654940"/>
+                  <a:pt x="2174140" y="5654940"/>
+                </a:cubicBezTo>
+                <a:cubicBezTo>
+                  <a:pt x="1412778" y="5654940"/>
+                  <a:pt x="712231" y="5394557"/>
+                  <a:pt x="156693" y="4957981"/>
+                </a:cubicBezTo>
+                <a:lnTo>
+                  <a:pt x="0" y="4820612"/>
+                </a:lnTo>
+                <a:close/>
+              </a:path>
+            </a:pathLst>
+          </a:custGeom>
+          <a:solidFill>
+            <a:schemeClr val="bg1">
+              <a:alpha val="75000"/>
+            </a:schemeClr>
+          </a:solidFill>
+          <a:ln>
+            <a:noFill/>
+          </a:ln>
+        </p:spPr>
+        <p:style>
+          <a:lnRef idx="2">
+            <a:schemeClr val="accent1">
+              <a:shade val="50000"/>
+            </a:schemeClr>
+          </a:lnRef>
+          <a:fillRef idx="1">
+            <a:schemeClr val="accent1"/>
+          </a:fillRef>
+          <a:effectRef idx="0">
+            <a:schemeClr val="accent1"/>
+          </a:effectRef>
+          <a:fontRef idx="minor">
+            <a:schemeClr val="lt1"/>
+          </a:fontRef>
+        </p:style>
+        <p:txBody>
+          <a:bodyPr rtlCol="0" anchor="ctr"/>
+          <a:lstStyle/>
+          <a:p>
+            <a:pPr marL="0" marR="0" lvl="0" indent="0" algn="ctr" defTabSz="914400" rtl="0" eaLnBrk="1" fontAlgn="auto" latinLnBrk="0" hangingPunct="1">
+              <a:lnSpc>
+                <a:spcPct val="100000"/>
+              </a:lnSpc>
+              <a:spcBef>
+                <a:spcPts val="0"/>
+              </a:spcBef>
+              <a:spcAft>
+                <a:spcPts val="0"/>
+              </a:spcAft>
+              <a:buClrTx/>
+              <a:buSzTx/>
+              <a:buFontTx/>
+              <a:buNone/>
+              <a:tabLst/>
+              <a:defRPr/>
+            </a:pPr>
+            <a:endParaRPr kumimoji="0" lang="en-US" sz="1800" b="0" i="0" u="none" strike="noStrike" kern="1200" cap="none" spc="0" normalizeH="0" baseline="0" noProof="0" dirty="0">
+              <a:ln>
+                <a:noFill/>
+              </a:ln>
+              <a:solidFill>
+                <a:prstClr val="white"/>
+              </a:solidFill>
+              <a:effectLst/>
+              <a:uLnTx/>
+              <a:uFillTx/>
+              <a:latin typeface="Calibri" panose="020F0502020204030204"/>
+              <a:ea typeface="+mn-ea"/>
+              <a:cs typeface="+mn-cs"/>
+            </a:endParaRPr>
+          </a:p>
+        </p:txBody>
+      </p:sp>
+      <p:sp>
+        <p:nvSpPr>
+          <p:cNvPr id="2" name="Title 1">
+            <a:extLst>
+              <a:ext uri="{FF2B5EF4-FFF2-40B4-BE49-F238E27FC236}">
+                <a16:creationId xmlns:a16="http://schemas.microsoft.com/office/drawing/2014/main" id="{EEAB0AD3-94CF-4866-B967-5B2E9C7E8070}"/>
               </a:ext>
             </a:extLst>
           </p:cNvPr>
@@ -5623,55 +9636,995 @@
             <a:spLocks noGrp="1"/>
           </p:cNvSpPr>
           <p:nvPr>
-            <p:ph idx="1"/>
+            <p:ph type="title"/>
           </p:nvPr>
         </p:nvSpPr>
         <p:spPr>
           <a:xfrm>
-            <a:off x="841248" y="3337269"/>
-            <a:ext cx="10509504" cy="2905686"/>
+            <a:off x="7851031" y="632990"/>
+            <a:ext cx="4062643" cy="1043409"/>
           </a:xfrm>
         </p:spPr>
         <p:txBody>
-          <a:bodyPr>
+          <a:bodyPr vert="horz" lIns="91440" tIns="45720" rIns="91440" bIns="45720" rtlCol="0" anchor="ctr">
             <a:normAutofit/>
           </a:bodyPr>
           <a:lstStyle/>
           <a:p>
             <a:r>
-              <a:rPr lang="en-MY" sz="2200"/>
-              <a:t>International trade data: </a:t>
+              <a:rPr lang="en-US" sz="3300"/>
+              <a:t>Flask app / Front End Data Viz</a:t>
+            </a:r>
+          </a:p>
+        </p:txBody>
+      </p:sp>
+      <p:sp>
+        <p:nvSpPr>
+          <p:cNvPr id="4" name="Text Placeholder 3">
+            <a:extLst>
+              <a:ext uri="{FF2B5EF4-FFF2-40B4-BE49-F238E27FC236}">
+                <a16:creationId xmlns:a16="http://schemas.microsoft.com/office/drawing/2014/main" id="{795D04F7-03D1-465F-A658-A89371324726}"/>
+              </a:ext>
+            </a:extLst>
+          </p:cNvPr>
+          <p:cNvSpPr>
+            <a:spLocks noGrp="1"/>
+          </p:cNvSpPr>
+          <p:nvPr>
+            <p:ph type="body" sz="half" idx="2"/>
+          </p:nvPr>
+        </p:nvSpPr>
+        <p:spPr>
+          <a:xfrm>
+            <a:off x="7621031" y="1774372"/>
+            <a:ext cx="4062642" cy="2754086"/>
+          </a:xfrm>
+        </p:spPr>
+        <p:txBody>
+          <a:bodyPr vert="horz" lIns="91440" tIns="45720" rIns="91440" bIns="45720" rtlCol="0" anchor="t">
+            <a:normAutofit/>
+          </a:bodyPr>
+          <a:lstStyle/>
+          <a:p>
+            <a:pPr marL="285750" indent="-228600">
+              <a:buFont typeface="Arial" panose="020B0604020202020204" pitchFamily="34" charset="0"/>
+              <a:buChar char="•"/>
+            </a:pPr>
+            <a:r>
+              <a:rPr lang="en-US" sz="1200" dirty="0"/>
+              <a:t>Serving index.html</a:t>
+            </a:r>
+          </a:p>
+          <a:p>
+            <a:pPr marL="285750" indent="-228600">
+              <a:buFont typeface="Arial" panose="020B0604020202020204" pitchFamily="34" charset="0"/>
+              <a:buChar char="•"/>
+            </a:pPr>
+            <a:r>
+              <a:rPr lang="en-US" sz="1200" dirty="0"/>
+              <a:t>Connecting to MongoDB</a:t>
+            </a:r>
+          </a:p>
+          <a:p>
+            <a:pPr marL="285750" indent="-228600">
+              <a:buFont typeface="Arial" panose="020B0604020202020204" pitchFamily="34" charset="0"/>
+              <a:buChar char="•"/>
+            </a:pPr>
+            <a:r>
+              <a:rPr lang="en-US" sz="1200" dirty="0"/>
+              <a:t>Serving information from MongoDB to front-end</a:t>
+            </a:r>
+          </a:p>
+          <a:p>
+            <a:pPr marL="285750" indent="-228600">
+              <a:buFont typeface="Arial" panose="020B0604020202020204" pitchFamily="34" charset="0"/>
+              <a:buChar char="•"/>
+            </a:pPr>
+            <a:r>
+              <a:rPr lang="en-US" sz="1200" dirty="0"/>
+              <a:t>HTML webpage with CSS</a:t>
+            </a:r>
+          </a:p>
+          <a:p>
+            <a:pPr marL="285750" indent="-228600">
+              <a:buFont typeface="Arial" panose="020B0604020202020204" pitchFamily="34" charset="0"/>
+              <a:buChar char="•"/>
+            </a:pPr>
+            <a:r>
+              <a:rPr lang="en-US" sz="1200" dirty="0" err="1"/>
+              <a:t>Javascript</a:t>
             </a:r>
             <a:r>
-              <a:rPr lang="en-MY" sz="2200">
-                <a:hlinkClick r:id="rId2"/>
-              </a:rPr>
-              <a:t>https://dataverse.harvard.edu/dataverse/atlas</a:t>
+              <a:rPr lang="en-US" sz="1200" dirty="0"/>
+              <a:t> interactivity powered by D3.js, Leaflet.js,  jQuery.js</a:t>
             </a:r>
-            <a:endParaRPr lang="en-MY" sz="2200"/>
-          </a:p>
-          <a:p>
+          </a:p>
+          <a:p>
+            <a:pPr marL="285750" indent="-228600">
+              <a:buFont typeface="Arial" panose="020B0604020202020204" pitchFamily="34" charset="0"/>
+              <a:buChar char="•"/>
+            </a:pPr>
             <a:r>
-              <a:rPr lang="en-MY" sz="2200"/>
-              <a:t>Country border geoJSON data: </a:t>
+              <a:rPr lang="en-US" sz="1200" dirty="0"/>
+              <a:t>Displays total export, import, net export value and contributions proportion of each country</a:t>
             </a:r>
+          </a:p>
+          <a:p>
+            <a:pPr marL="285750" indent="-228600">
+              <a:buFont typeface="Arial" panose="020B0604020202020204" pitchFamily="34" charset="0"/>
+              <a:buChar char="•"/>
+            </a:pPr>
             <a:r>
-              <a:rPr lang="en-MY" sz="2200">
-                <a:hlinkClick r:id="rId3"/>
-              </a:rPr>
-              <a:t>https://datahub.io/core/geo-countries#pandas</a:t>
+              <a:rPr lang="en-US" sz="1200" dirty="0"/>
+              <a:t>When country is clicked on the map, information such as capital city, official language, population density, GDP total, GDP per capita and currency are displayed</a:t>
             </a:r>
-            <a:endParaRPr lang="en-MY" sz="2200"/>
-          </a:p>
-          <a:p>
-            <a:endParaRPr lang="en-MY" sz="2200"/>
-          </a:p>
-        </p:txBody>
-      </p:sp>
+          </a:p>
+          <a:p>
+            <a:pPr marL="285750" indent="-228600">
+              <a:buFont typeface="Arial" panose="020B0604020202020204" pitchFamily="34" charset="0"/>
+              <a:buChar char="•"/>
+            </a:pPr>
+            <a:endParaRPr lang="en-US" sz="1100" dirty="0"/>
+          </a:p>
+          <a:p>
+            <a:pPr marL="285750" indent="-228600">
+              <a:buFont typeface="Arial" panose="020B0604020202020204" pitchFamily="34" charset="0"/>
+              <a:buChar char="•"/>
+            </a:pPr>
+            <a:endParaRPr lang="en-US" sz="1100" dirty="0"/>
+          </a:p>
+          <a:p>
+            <a:pPr marL="285750" indent="-228600">
+              <a:buFont typeface="Arial" panose="020B0604020202020204" pitchFamily="34" charset="0"/>
+              <a:buChar char="•"/>
+            </a:pPr>
+            <a:endParaRPr lang="en-US" sz="1100" dirty="0"/>
+          </a:p>
+          <a:p>
+            <a:pPr marL="285750" indent="-228600">
+              <a:buFont typeface="Arial" panose="020B0604020202020204" pitchFamily="34" charset="0"/>
+              <a:buChar char="•"/>
+            </a:pPr>
+            <a:endParaRPr lang="en-US" sz="1100" dirty="0"/>
+          </a:p>
+        </p:txBody>
+      </p:sp>
+      <p:sp>
+        <p:nvSpPr>
+          <p:cNvPr id="5" name="Arrow: Right 4">
+            <a:hlinkClick r:id="rId3" action="ppaction://hlinksldjump"/>
+            <a:extLst>
+              <a:ext uri="{FF2B5EF4-FFF2-40B4-BE49-F238E27FC236}">
+                <a16:creationId xmlns:a16="http://schemas.microsoft.com/office/drawing/2014/main" id="{F88D715B-5A43-4321-A084-0BB408AB6C09}"/>
+              </a:ext>
+            </a:extLst>
+          </p:cNvPr>
+          <p:cNvSpPr/>
+          <p:nvPr/>
+        </p:nvSpPr>
+        <p:spPr>
+          <a:xfrm rot="10800000">
+            <a:off x="595619" y="6098795"/>
+            <a:ext cx="755010" cy="562063"/>
+          </a:xfrm>
+          <a:prstGeom prst="rightArrow">
+            <a:avLst/>
+          </a:prstGeom>
+        </p:spPr>
+        <p:style>
+          <a:lnRef idx="2">
+            <a:schemeClr val="accent1">
+              <a:shade val="50000"/>
+            </a:schemeClr>
+          </a:lnRef>
+          <a:fillRef idx="1">
+            <a:schemeClr val="accent1"/>
+          </a:fillRef>
+          <a:effectRef idx="0">
+            <a:schemeClr val="accent1"/>
+          </a:effectRef>
+          <a:fontRef idx="minor">
+            <a:schemeClr val="lt1"/>
+          </a:fontRef>
+        </p:style>
+        <p:txBody>
+          <a:bodyPr rtlCol="0" anchor="ctr"/>
+          <a:lstStyle/>
+          <a:p>
+            <a:pPr algn="ctr"/>
+            <a:endParaRPr lang="en-MY"/>
+          </a:p>
+        </p:txBody>
+      </p:sp>
+      <p:pic>
+        <p:nvPicPr>
+          <p:cNvPr id="9" name="Picture 8" descr="Graphical user interface, application&#10;&#10;Description automatically generated">
+            <a:extLst>
+              <a:ext uri="{FF2B5EF4-FFF2-40B4-BE49-F238E27FC236}">
+                <a16:creationId xmlns:a16="http://schemas.microsoft.com/office/drawing/2014/main" id="{1707CAE0-DE31-4ACC-AFB0-0A7430135550}"/>
+              </a:ext>
+            </a:extLst>
+          </p:cNvPr>
+          <p:cNvPicPr>
+            <a:picLocks noChangeAspect="1"/>
+          </p:cNvPicPr>
+          <p:nvPr/>
+        </p:nvPicPr>
+        <p:blipFill>
+          <a:blip r:embed="rId4">
+            <a:extLst>
+              <a:ext uri="{28A0092B-C50C-407E-A947-70E740481C1C}">
+                <a14:useLocalDpi xmlns:a14="http://schemas.microsoft.com/office/drawing/2010/main" val="0"/>
+              </a:ext>
+            </a:extLst>
+          </a:blip>
+          <a:stretch>
+            <a:fillRect/>
+          </a:stretch>
+        </p:blipFill>
+        <p:spPr>
+          <a:xfrm>
+            <a:off x="3398336" y="3902947"/>
+            <a:ext cx="2022726" cy="2300623"/>
+          </a:xfrm>
+          <a:prstGeom prst="rect">
+            <a:avLst/>
+          </a:prstGeom>
+        </p:spPr>
+      </p:pic>
     </p:spTree>
     <p:extLst>
       <p:ext uri="{BB962C8B-B14F-4D97-AF65-F5344CB8AC3E}">
-        <p14:creationId xmlns:p14="http://schemas.microsoft.com/office/powerpoint/2010/main" val="634862660"/>
+        <p14:creationId xmlns:p14="http://schemas.microsoft.com/office/powerpoint/2010/main" val="1771138154"/>
+      </p:ext>
+    </p:extLst>
+  </p:cSld>
+  <p:clrMapOvr>
+    <a:masterClrMapping/>
+  </p:clrMapOvr>
+</p:sld>
+</file>
+
+<file path=ppt/slides/slide8.xml><?xml version="1.0" encoding="utf-8"?>
+<p:sld xmlns:a="http://schemas.openxmlformats.org/drawingml/2006/main" xmlns:r="http://schemas.openxmlformats.org/officeDocument/2006/relationships" xmlns:p="http://schemas.openxmlformats.org/presentationml/2006/main">
+  <p:cSld>
+    <p:bg>
+      <p:bgPr>
+        <a:solidFill>
+          <a:schemeClr val="bg1"/>
+        </a:solidFill>
+        <a:effectLst/>
+      </p:bgPr>
+    </p:bg>
+    <p:spTree>
+      <p:nvGrpSpPr>
+        <p:cNvPr id="1" name=""/>
+        <p:cNvGrpSpPr/>
+        <p:nvPr/>
+      </p:nvGrpSpPr>
+      <p:grpSpPr>
+        <a:xfrm>
+          <a:off x="0" y="0"/>
+          <a:ext cx="0" cy="0"/>
+          <a:chOff x="0" y="0"/>
+          <a:chExt cx="0" cy="0"/>
+        </a:xfrm>
+      </p:grpSpPr>
+      <p:sp useBgFill="1">
+        <p:nvSpPr>
+          <p:cNvPr id="13" name="Rectangle 7">
+            <a:extLst>
+              <a:ext uri="{FF2B5EF4-FFF2-40B4-BE49-F238E27FC236}">
+                <a16:creationId xmlns:a16="http://schemas.microsoft.com/office/drawing/2014/main" id="{EFD0E8E8-C530-4B2D-A01A-CCD47590B664}"/>
+              </a:ext>
+              <a:ext uri="{C183D7F6-B498-43B3-948B-1728B52AA6E4}">
+                <adec:decorative xmlns:adec="http://schemas.microsoft.com/office/drawing/2017/decorative" val="1"/>
+              </a:ext>
+            </a:extLst>
+          </p:cNvPr>
+          <p:cNvSpPr>
+            <a:spLocks noGrp="1" noRot="1" noChangeAspect="1" noMove="1" noResize="1" noEditPoints="1" noAdjustHandles="1" noChangeArrowheads="1" noChangeShapeType="1" noTextEdit="1"/>
+          </p:cNvSpPr>
+          <p:nvPr>
+            <p:extLst>
+              <p:ext uri="{386F3935-93C4-4BCD-93E2-E3B085C9AB24}">
+                <p16:designElem xmlns:p16="http://schemas.microsoft.com/office/powerpoint/2015/main" val="1"/>
+              </p:ext>
+            </p:extLst>
+          </p:nvPr>
+        </p:nvSpPr>
+        <p:spPr>
+          <a:xfrm>
+            <a:off x="0" y="0"/>
+            <a:ext cx="12192000" cy="6858000"/>
+          </a:xfrm>
+          <a:prstGeom prst="rect">
+            <a:avLst/>
+          </a:prstGeom>
+          <a:ln>
+            <a:noFill/>
+          </a:ln>
+        </p:spPr>
+        <p:style>
+          <a:lnRef idx="2">
+            <a:schemeClr val="accent1">
+              <a:shade val="50000"/>
+            </a:schemeClr>
+          </a:lnRef>
+          <a:fillRef idx="1">
+            <a:schemeClr val="accent1"/>
+          </a:fillRef>
+          <a:effectRef idx="0">
+            <a:schemeClr val="accent1"/>
+          </a:effectRef>
+          <a:fontRef idx="minor">
+            <a:schemeClr val="lt1"/>
+          </a:fontRef>
+        </p:style>
+        <p:txBody>
+          <a:bodyPr rtlCol="0" anchor="ctr"/>
+          <a:lstStyle/>
+          <a:p>
+            <a:pPr algn="ctr"/>
+            <a:endParaRPr lang="en-US"/>
+          </a:p>
+        </p:txBody>
+      </p:sp>
+      <p:sp>
+        <p:nvSpPr>
+          <p:cNvPr id="2" name="Title 1">
+            <a:extLst>
+              <a:ext uri="{FF2B5EF4-FFF2-40B4-BE49-F238E27FC236}">
+                <a16:creationId xmlns:a16="http://schemas.microsoft.com/office/drawing/2014/main" id="{EF89AF80-1B76-4929-B3D9-CBEBA7510505}"/>
+              </a:ext>
+            </a:extLst>
+          </p:cNvPr>
+          <p:cNvSpPr>
+            <a:spLocks noGrp="1"/>
+          </p:cNvSpPr>
+          <p:nvPr>
+            <p:ph type="title"/>
+          </p:nvPr>
+        </p:nvSpPr>
+        <p:spPr>
+          <a:xfrm>
+            <a:off x="1463040" y="1091821"/>
+            <a:ext cx="3801581" cy="4674358"/>
+          </a:xfrm>
+        </p:spPr>
+        <p:txBody>
+          <a:bodyPr anchor="ctr">
+            <a:normAutofit/>
+          </a:bodyPr>
+          <a:lstStyle/>
+          <a:p>
+            <a:r>
+              <a:rPr lang="en-MY" sz="4600">
+                <a:solidFill>
+                  <a:schemeClr val="tx1">
+                    <a:lumMod val="85000"/>
+                    <a:lumOff val="15000"/>
+                  </a:schemeClr>
+                </a:solidFill>
+              </a:rPr>
+              <a:t>Considerations for v2 of our project…</a:t>
+            </a:r>
+          </a:p>
+        </p:txBody>
+      </p:sp>
+      <p:sp>
+        <p:nvSpPr>
+          <p:cNvPr id="15" name="Freeform: Shape 9">
+            <a:extLst>
+              <a:ext uri="{FF2B5EF4-FFF2-40B4-BE49-F238E27FC236}">
+                <a16:creationId xmlns:a16="http://schemas.microsoft.com/office/drawing/2014/main" id="{53472F09-8E00-4E02-9034-0A382CF663D1}"/>
+              </a:ext>
+              <a:ext uri="{C183D7F6-B498-43B3-948B-1728B52AA6E4}">
+                <adec:decorative xmlns:adec="http://schemas.microsoft.com/office/drawing/2017/decorative" val="1"/>
+              </a:ext>
+            </a:extLst>
+          </p:cNvPr>
+          <p:cNvSpPr>
+            <a:spLocks noGrp="1" noRot="1" noChangeAspect="1" noMove="1" noResize="1" noEditPoints="1" noAdjustHandles="1" noChangeArrowheads="1" noChangeShapeType="1" noTextEdit="1"/>
+          </p:cNvSpPr>
+          <p:nvPr>
+            <p:extLst>
+              <p:ext uri="{386F3935-93C4-4BCD-93E2-E3B085C9AB24}">
+                <p16:designElem xmlns:p16="http://schemas.microsoft.com/office/powerpoint/2015/main" val="1"/>
+              </p:ext>
+            </p:extLst>
+          </p:nvPr>
+        </p:nvSpPr>
+        <p:spPr>
+          <a:xfrm>
+            <a:off x="5715915" y="727306"/>
+            <a:ext cx="4639824" cy="4639824"/>
+          </a:xfrm>
+          <a:custGeom>
+            <a:avLst/>
+            <a:gdLst>
+              <a:gd name="connsiteX0" fmla="*/ 2319912 w 4639824"/>
+              <a:gd name="connsiteY0" fmla="*/ 0 h 4639824"/>
+              <a:gd name="connsiteX1" fmla="*/ 4639824 w 4639824"/>
+              <a:gd name="connsiteY1" fmla="*/ 2319912 h 4639824"/>
+              <a:gd name="connsiteX2" fmla="*/ 2319912 w 4639824"/>
+              <a:gd name="connsiteY2" fmla="*/ 4639824 h 4639824"/>
+              <a:gd name="connsiteX3" fmla="*/ 0 w 4639824"/>
+              <a:gd name="connsiteY3" fmla="*/ 2319912 h 4639824"/>
+              <a:gd name="connsiteX4" fmla="*/ 2319912 w 4639824"/>
+              <a:gd name="connsiteY4" fmla="*/ 0 h 4639824"/>
+            </a:gdLst>
+            <a:ahLst/>
+            <a:cxnLst>
+              <a:cxn ang="0">
+                <a:pos x="connsiteX0" y="connsiteY0"/>
+              </a:cxn>
+              <a:cxn ang="0">
+                <a:pos x="connsiteX1" y="connsiteY1"/>
+              </a:cxn>
+              <a:cxn ang="0">
+                <a:pos x="connsiteX2" y="connsiteY2"/>
+              </a:cxn>
+              <a:cxn ang="0">
+                <a:pos x="connsiteX3" y="connsiteY3"/>
+              </a:cxn>
+              <a:cxn ang="0">
+                <a:pos x="connsiteX4" y="connsiteY4"/>
+              </a:cxn>
+            </a:cxnLst>
+            <a:rect l="l" t="t" r="r" b="b"/>
+            <a:pathLst>
+              <a:path w="4639824" h="4639824">
+                <a:moveTo>
+                  <a:pt x="2319912" y="0"/>
+                </a:moveTo>
+                <a:cubicBezTo>
+                  <a:pt x="3601164" y="0"/>
+                  <a:pt x="4639824" y="1038660"/>
+                  <a:pt x="4639824" y="2319912"/>
+                </a:cubicBezTo>
+                <a:cubicBezTo>
+                  <a:pt x="4639824" y="3601164"/>
+                  <a:pt x="3601164" y="4639824"/>
+                  <a:pt x="2319912" y="4639824"/>
+                </a:cubicBezTo>
+                <a:cubicBezTo>
+                  <a:pt x="1038660" y="4639824"/>
+                  <a:pt x="0" y="3601164"/>
+                  <a:pt x="0" y="2319912"/>
+                </a:cubicBezTo>
+                <a:cubicBezTo>
+                  <a:pt x="0" y="1038660"/>
+                  <a:pt x="1038660" y="0"/>
+                  <a:pt x="2319912" y="0"/>
+                </a:cubicBezTo>
+                <a:close/>
+              </a:path>
+            </a:pathLst>
+          </a:custGeom>
+          <a:solidFill>
+            <a:srgbClr val="4D4D4D"/>
+          </a:solidFill>
+          <a:ln>
+            <a:noFill/>
+          </a:ln>
+        </p:spPr>
+        <p:style>
+          <a:lnRef idx="2">
+            <a:schemeClr val="accent1">
+              <a:shade val="50000"/>
+            </a:schemeClr>
+          </a:lnRef>
+          <a:fillRef idx="1">
+            <a:schemeClr val="accent1"/>
+          </a:fillRef>
+          <a:effectRef idx="0">
+            <a:schemeClr val="accent1"/>
+          </a:effectRef>
+          <a:fontRef idx="minor">
+            <a:schemeClr val="lt1"/>
+          </a:fontRef>
+        </p:style>
+        <p:txBody>
+          <a:bodyPr wrap="square" rtlCol="0" anchor="ctr">
+            <a:noAutofit/>
+          </a:bodyPr>
+          <a:lstStyle/>
+          <a:p>
+            <a:pPr algn="ctr"/>
+            <a:endParaRPr lang="en-US"/>
+          </a:p>
+        </p:txBody>
+      </p:sp>
+      <p:sp>
+        <p:nvSpPr>
+          <p:cNvPr id="12" name="Oval 11">
+            <a:extLst>
+              <a:ext uri="{FF2B5EF4-FFF2-40B4-BE49-F238E27FC236}">
+                <a16:creationId xmlns:a16="http://schemas.microsoft.com/office/drawing/2014/main" id="{4DA077B8-7326-4434-87ED-77DF3CF3DCA5}"/>
+              </a:ext>
+              <a:ext uri="{C183D7F6-B498-43B3-948B-1728B52AA6E4}">
+                <adec:decorative xmlns:adec="http://schemas.microsoft.com/office/drawing/2017/decorative" val="1"/>
+              </a:ext>
+            </a:extLst>
+          </p:cNvPr>
+          <p:cNvSpPr>
+            <a:spLocks noGrp="1" noRot="1" noChangeAspect="1" noMove="1" noResize="1" noEditPoints="1" noAdjustHandles="1" noChangeArrowheads="1" noChangeShapeType="1" noTextEdit="1"/>
+          </p:cNvSpPr>
+          <p:nvPr>
+            <p:extLst>
+              <p:ext uri="{386F3935-93C4-4BCD-93E2-E3B085C9AB24}">
+                <p16:designElem xmlns:p16="http://schemas.microsoft.com/office/powerpoint/2015/main" val="1"/>
+              </p:ext>
+            </p:extLst>
+          </p:nvPr>
+        </p:nvSpPr>
+        <p:spPr>
+          <a:xfrm>
+            <a:off x="7807227" y="1253852"/>
+            <a:ext cx="457200" cy="457200"/>
+          </a:xfrm>
+          <a:prstGeom prst="ellipse">
+            <a:avLst/>
+          </a:prstGeom>
+          <a:solidFill>
+            <a:srgbClr val="FFFFFF">
+              <a:alpha val="70000"/>
+            </a:srgbClr>
+          </a:solidFill>
+          <a:ln>
+            <a:noFill/>
+          </a:ln>
+        </p:spPr>
+        <p:style>
+          <a:lnRef idx="2">
+            <a:schemeClr val="accent1">
+              <a:shade val="50000"/>
+            </a:schemeClr>
+          </a:lnRef>
+          <a:fillRef idx="1">
+            <a:schemeClr val="accent1"/>
+          </a:fillRef>
+          <a:effectRef idx="0">
+            <a:schemeClr val="accent1"/>
+          </a:effectRef>
+          <a:fontRef idx="minor">
+            <a:schemeClr val="lt1"/>
+          </a:fontRef>
+        </p:style>
+        <p:txBody>
+          <a:bodyPr rtlCol="0" anchor="ctr"/>
+          <a:lstStyle/>
+          <a:p>
+            <a:pPr algn="ctr"/>
+            <a:endParaRPr lang="en-US"/>
+          </a:p>
+        </p:txBody>
+      </p:sp>
+      <p:sp>
+        <p:nvSpPr>
+          <p:cNvPr id="14" name="Freeform: Shape 13">
+            <a:extLst>
+              <a:ext uri="{FF2B5EF4-FFF2-40B4-BE49-F238E27FC236}">
+                <a16:creationId xmlns:a16="http://schemas.microsoft.com/office/drawing/2014/main" id="{F79CDED1-AC9C-4A80-B334-1309DEAD5418}"/>
+              </a:ext>
+              <a:ext uri="{C183D7F6-B498-43B3-948B-1728B52AA6E4}">
+                <adec:decorative xmlns:adec="http://schemas.microsoft.com/office/drawing/2017/decorative" val="1"/>
+              </a:ext>
+            </a:extLst>
+          </p:cNvPr>
+          <p:cNvSpPr>
+            <a:spLocks noGrp="1" noRot="1" noChangeAspect="1" noMove="1" noResize="1" noEditPoints="1" noAdjustHandles="1" noChangeArrowheads="1" noChangeShapeType="1" noTextEdit="1"/>
+          </p:cNvSpPr>
+          <p:nvPr>
+            <p:extLst>
+              <p:ext uri="{386F3935-93C4-4BCD-93E2-E3B085C9AB24}">
+                <p16:designElem xmlns:p16="http://schemas.microsoft.com/office/powerpoint/2015/main" val="1"/>
+              </p:ext>
+            </p:extLst>
+          </p:nvPr>
+        </p:nvSpPr>
+        <p:spPr>
+          <a:xfrm rot="10800000" flipH="1">
+            <a:off x="8480791" y="0"/>
+            <a:ext cx="2229415" cy="1711051"/>
+          </a:xfrm>
+          <a:custGeom>
+            <a:avLst/>
+            <a:gdLst>
+              <a:gd name="connsiteX0" fmla="*/ 1731031 w 2229415"/>
+              <a:gd name="connsiteY0" fmla="*/ 1711051 h 1711051"/>
+              <a:gd name="connsiteX1" fmla="*/ 2229415 w 2229415"/>
+              <a:gd name="connsiteY1" fmla="*/ 1711051 h 1711051"/>
+              <a:gd name="connsiteX2" fmla="*/ 2220570 w 2229415"/>
+              <a:gd name="connsiteY2" fmla="*/ 1665525 h 1711051"/>
+              <a:gd name="connsiteX3" fmla="*/ 118985 w 2229415"/>
+              <a:gd name="connsiteY3" fmla="*/ 3008 h 1711051"/>
+              <a:gd name="connsiteX4" fmla="*/ 0 w 2229415"/>
+              <a:gd name="connsiteY4" fmla="*/ 0 h 1711051"/>
+              <a:gd name="connsiteX5" fmla="*/ 0 w 2229415"/>
+              <a:gd name="connsiteY5" fmla="*/ 474250 h 1711051"/>
+              <a:gd name="connsiteX6" fmla="*/ 187921 w 2229415"/>
+              <a:gd name="connsiteY6" fmla="*/ 483739 h 1711051"/>
+              <a:gd name="connsiteX7" fmla="*/ 1656728 w 2229415"/>
+              <a:gd name="connsiteY7" fmla="*/ 1515386 h 1711051"/>
+            </a:gdLst>
+            <a:ahLst/>
+            <a:cxnLst>
+              <a:cxn ang="0">
+                <a:pos x="connsiteX0" y="connsiteY0"/>
+              </a:cxn>
+              <a:cxn ang="0">
+                <a:pos x="connsiteX1" y="connsiteY1"/>
+              </a:cxn>
+              <a:cxn ang="0">
+                <a:pos x="connsiteX2" y="connsiteY2"/>
+              </a:cxn>
+              <a:cxn ang="0">
+                <a:pos x="connsiteX3" y="connsiteY3"/>
+              </a:cxn>
+              <a:cxn ang="0">
+                <a:pos x="connsiteX4" y="connsiteY4"/>
+              </a:cxn>
+              <a:cxn ang="0">
+                <a:pos x="connsiteX5" y="connsiteY5"/>
+              </a:cxn>
+              <a:cxn ang="0">
+                <a:pos x="connsiteX6" y="connsiteY6"/>
+              </a:cxn>
+              <a:cxn ang="0">
+                <a:pos x="connsiteX7" y="connsiteY7"/>
+              </a:cxn>
+            </a:cxnLst>
+            <a:rect l="l" t="t" r="r" b="b"/>
+            <a:pathLst>
+              <a:path w="2229415" h="1711051">
+                <a:moveTo>
+                  <a:pt x="1731031" y="1711051"/>
+                </a:moveTo>
+                <a:lnTo>
+                  <a:pt x="2229415" y="1711051"/>
+                </a:lnTo>
+                <a:lnTo>
+                  <a:pt x="2220570" y="1665525"/>
+                </a:lnTo>
+                <a:cubicBezTo>
+                  <a:pt x="1951414" y="739745"/>
+                  <a:pt x="1119014" y="53700"/>
+                  <a:pt x="118985" y="3008"/>
+                </a:cubicBezTo>
+                <a:lnTo>
+                  <a:pt x="0" y="0"/>
+                </a:lnTo>
+                <a:lnTo>
+                  <a:pt x="0" y="474250"/>
+                </a:lnTo>
+                <a:lnTo>
+                  <a:pt x="187921" y="483739"/>
+                </a:lnTo>
+                <a:cubicBezTo>
+                  <a:pt x="836687" y="549625"/>
+                  <a:pt x="1385706" y="952924"/>
+                  <a:pt x="1656728" y="1515386"/>
+                </a:cubicBezTo>
+                <a:close/>
+              </a:path>
+            </a:pathLst>
+          </a:custGeom>
+          <a:solidFill>
+            <a:schemeClr val="accent6"/>
+          </a:solidFill>
+          <a:ln>
+            <a:noFill/>
+          </a:ln>
+        </p:spPr>
+        <p:style>
+          <a:lnRef idx="2">
+            <a:schemeClr val="accent1">
+              <a:shade val="50000"/>
+            </a:schemeClr>
+          </a:lnRef>
+          <a:fillRef idx="1">
+            <a:schemeClr val="accent1"/>
+          </a:fillRef>
+          <a:effectRef idx="0">
+            <a:schemeClr val="accent1"/>
+          </a:effectRef>
+          <a:fontRef idx="minor">
+            <a:schemeClr val="lt1"/>
+          </a:fontRef>
+        </p:style>
+        <p:txBody>
+          <a:bodyPr wrap="square" rtlCol="0" anchor="ctr">
+            <a:noAutofit/>
+          </a:bodyPr>
+          <a:lstStyle/>
+          <a:p>
+            <a:pPr algn="ctr"/>
+            <a:endParaRPr lang="en-US"/>
+          </a:p>
+        </p:txBody>
+      </p:sp>
+      <p:sp>
+        <p:nvSpPr>
+          <p:cNvPr id="16" name="Oval 15">
+            <a:extLst>
+              <a:ext uri="{FF2B5EF4-FFF2-40B4-BE49-F238E27FC236}">
+                <a16:creationId xmlns:a16="http://schemas.microsoft.com/office/drawing/2014/main" id="{FD961BDC-5B67-481B-B628-6C15F47245FE}"/>
+              </a:ext>
+              <a:ext uri="{C183D7F6-B498-43B3-948B-1728B52AA6E4}">
+                <adec:decorative xmlns:adec="http://schemas.microsoft.com/office/drawing/2017/decorative" val="1"/>
+              </a:ext>
+            </a:extLst>
+          </p:cNvPr>
+          <p:cNvSpPr>
+            <a:spLocks noGrp="1" noRot="1" noChangeAspect="1" noMove="1" noResize="1" noEditPoints="1" noAdjustHandles="1" noChangeArrowheads="1" noChangeShapeType="1" noTextEdit="1"/>
+          </p:cNvSpPr>
+          <p:nvPr>
+            <p:extLst>
+              <p:ext uri="{386F3935-93C4-4BCD-93E2-E3B085C9AB24}">
+                <p16:designElem xmlns:p16="http://schemas.microsoft.com/office/powerpoint/2015/main" val="1"/>
+              </p:ext>
+            </p:extLst>
+          </p:nvPr>
+        </p:nvSpPr>
+        <p:spPr>
+          <a:xfrm>
+            <a:off x="10488704" y="3819513"/>
+            <a:ext cx="731520" cy="731520"/>
+          </a:xfrm>
+          <a:prstGeom prst="ellipse">
+            <a:avLst/>
+          </a:prstGeom>
+          <a:solidFill>
+            <a:schemeClr val="accent6">
+              <a:lumMod val="75000"/>
+              <a:alpha val="80000"/>
+            </a:schemeClr>
+          </a:solidFill>
+          <a:ln>
+            <a:noFill/>
+          </a:ln>
+        </p:spPr>
+        <p:style>
+          <a:lnRef idx="2">
+            <a:schemeClr val="accent1">
+              <a:shade val="50000"/>
+            </a:schemeClr>
+          </a:lnRef>
+          <a:fillRef idx="1">
+            <a:schemeClr val="accent1"/>
+          </a:fillRef>
+          <a:effectRef idx="0">
+            <a:schemeClr val="accent1"/>
+          </a:effectRef>
+          <a:fontRef idx="minor">
+            <a:schemeClr val="lt1"/>
+          </a:fontRef>
+        </p:style>
+        <p:txBody>
+          <a:bodyPr rtlCol="0" anchor="ctr"/>
+          <a:lstStyle/>
+          <a:p>
+            <a:pPr algn="ctr"/>
+            <a:endParaRPr lang="en-US"/>
+          </a:p>
+        </p:txBody>
+      </p:sp>
+      <p:sp>
+        <p:nvSpPr>
+          <p:cNvPr id="18" name="Oval 17">
+            <a:extLst>
+              <a:ext uri="{FF2B5EF4-FFF2-40B4-BE49-F238E27FC236}">
+                <a16:creationId xmlns:a16="http://schemas.microsoft.com/office/drawing/2014/main" id="{06CC263E-5CD3-42BB-99F8-3C062C4B5681}"/>
+              </a:ext>
+              <a:ext uri="{C183D7F6-B498-43B3-948B-1728B52AA6E4}">
+                <adec:decorative xmlns:adec="http://schemas.microsoft.com/office/drawing/2017/decorative" val="1"/>
+              </a:ext>
+            </a:extLst>
+          </p:cNvPr>
+          <p:cNvSpPr>
+            <a:spLocks noGrp="1" noRot="1" noChangeAspect="1" noMove="1" noResize="1" noEditPoints="1" noAdjustHandles="1" noChangeArrowheads="1" noChangeShapeType="1" noTextEdit="1"/>
+          </p:cNvSpPr>
+          <p:nvPr>
+            <p:extLst>
+              <p:ext uri="{386F3935-93C4-4BCD-93E2-E3B085C9AB24}">
+                <p16:designElem xmlns:p16="http://schemas.microsoft.com/office/powerpoint/2015/main" val="1"/>
+              </p:ext>
+            </p:extLst>
+          </p:nvPr>
+        </p:nvSpPr>
+        <p:spPr>
+          <a:xfrm>
+            <a:off x="9350573" y="4944229"/>
+            <a:ext cx="1645920" cy="1645920"/>
+          </a:xfrm>
+          <a:prstGeom prst="ellipse">
+            <a:avLst/>
+          </a:prstGeom>
+          <a:solidFill>
+            <a:schemeClr val="tx1">
+              <a:lumMod val="75000"/>
+              <a:lumOff val="25000"/>
+              <a:alpha val="50000"/>
+            </a:schemeClr>
+          </a:solidFill>
+          <a:ln>
+            <a:noFill/>
+          </a:ln>
+        </p:spPr>
+        <p:style>
+          <a:lnRef idx="2">
+            <a:schemeClr val="accent1">
+              <a:shade val="50000"/>
+            </a:schemeClr>
+          </a:lnRef>
+          <a:fillRef idx="1">
+            <a:schemeClr val="accent1"/>
+          </a:fillRef>
+          <a:effectRef idx="0">
+            <a:schemeClr val="accent1"/>
+          </a:effectRef>
+          <a:fontRef idx="minor">
+            <a:schemeClr val="lt1"/>
+          </a:fontRef>
+        </p:style>
+        <p:txBody>
+          <a:bodyPr rtlCol="0" anchor="ctr"/>
+          <a:lstStyle/>
+          <a:p>
+            <a:pPr algn="ctr"/>
+            <a:endParaRPr lang="en-US"/>
+          </a:p>
+        </p:txBody>
+      </p:sp>
+      <p:sp>
+        <p:nvSpPr>
+          <p:cNvPr id="3" name="Content Placeholder 2">
+            <a:extLst>
+              <a:ext uri="{FF2B5EF4-FFF2-40B4-BE49-F238E27FC236}">
+                <a16:creationId xmlns:a16="http://schemas.microsoft.com/office/drawing/2014/main" id="{33FF25BC-AF2F-4453-A08C-F65320F6AABD}"/>
+              </a:ext>
+            </a:extLst>
+          </p:cNvPr>
+          <p:cNvSpPr>
+            <a:spLocks noGrp="1"/>
+          </p:cNvSpPr>
+          <p:nvPr>
+            <p:ph idx="1"/>
+          </p:nvPr>
+        </p:nvSpPr>
+        <p:spPr>
+          <a:xfrm>
+            <a:off x="6284793" y="1760562"/>
+            <a:ext cx="3582537" cy="3336876"/>
+          </a:xfrm>
+        </p:spPr>
+        <p:txBody>
+          <a:bodyPr anchor="ctr">
+            <a:normAutofit/>
+          </a:bodyPr>
+          <a:lstStyle/>
+          <a:p>
+            <a:r>
+              <a:rPr lang="en-MY" sz="1800">
+                <a:solidFill>
+                  <a:srgbClr val="FFFFFF"/>
+                </a:solidFill>
+              </a:rPr>
+              <a:t>COVID-19’s impact on each country’s trade balances</a:t>
+            </a:r>
+          </a:p>
+          <a:p>
+            <a:r>
+              <a:rPr lang="en-MY" sz="1800">
+                <a:solidFill>
+                  <a:srgbClr val="FFFFFF"/>
+                </a:solidFill>
+              </a:rPr>
+              <a:t>COVID-19’s impact on global GDP</a:t>
+            </a:r>
+          </a:p>
+          <a:p>
+            <a:r>
+              <a:rPr lang="en-MY" sz="1800">
+                <a:solidFill>
+                  <a:srgbClr val="FFFFFF"/>
+                </a:solidFill>
+              </a:rPr>
+              <a:t>Visualising them!</a:t>
+            </a:r>
+          </a:p>
+        </p:txBody>
+      </p:sp>
+    </p:spTree>
+    <p:extLst>
+      <p:ext uri="{BB962C8B-B14F-4D97-AF65-F5344CB8AC3E}">
+        <p14:creationId xmlns:p14="http://schemas.microsoft.com/office/powerpoint/2010/main" val="721286215"/>
+      </p:ext>
+    </p:extLst>
+  </p:cSld>
+  <p:clrMapOvr>
+    <a:masterClrMapping/>
+  </p:clrMapOvr>
+</p:sld>
+</file>
+
+<file path=ppt/slides/slide9.xml><?xml version="1.0" encoding="utf-8"?>
+<p:sld xmlns:a="http://schemas.openxmlformats.org/drawingml/2006/main" xmlns:r="http://schemas.openxmlformats.org/officeDocument/2006/relationships" xmlns:p="http://schemas.openxmlformats.org/presentationml/2006/main">
+  <p:cSld>
+    <p:spTree>
+      <p:nvGrpSpPr>
+        <p:cNvPr id="1" name=""/>
+        <p:cNvGrpSpPr/>
+        <p:nvPr/>
+      </p:nvGrpSpPr>
+      <p:grpSpPr>
+        <a:xfrm>
+          <a:off x="0" y="0"/>
+          <a:ext cx="0" cy="0"/>
+          <a:chOff x="0" y="0"/>
+          <a:chExt cx="0" cy="0"/>
+        </a:xfrm>
+      </p:grpSpPr>
+      <p:sp>
+        <p:nvSpPr>
+          <p:cNvPr id="2" name="Title 1">
+            <a:extLst>
+              <a:ext uri="{FF2B5EF4-FFF2-40B4-BE49-F238E27FC236}">
+                <a16:creationId xmlns:a16="http://schemas.microsoft.com/office/drawing/2014/main" id="{EF0AEF54-6286-4640-90D5-3343CE877B1C}"/>
+              </a:ext>
+            </a:extLst>
+          </p:cNvPr>
+          <p:cNvSpPr>
+            <a:spLocks noGrp="1"/>
+          </p:cNvSpPr>
+          <p:nvPr>
+            <p:ph type="title"/>
+          </p:nvPr>
+        </p:nvSpPr>
+        <p:spPr/>
+        <p:txBody>
+          <a:bodyPr/>
+          <a:lstStyle/>
+          <a:p>
+            <a:r>
+              <a:rPr lang="en-MY" dirty="0"/>
+              <a:t>Deployed to Heroku</a:t>
+            </a:r>
+          </a:p>
+        </p:txBody>
+      </p:sp>
+      <p:graphicFrame>
+        <p:nvGraphicFramePr>
+          <p:cNvPr id="5" name="Content Placeholder 2">
+            <a:extLst>
+              <a:ext uri="{FF2B5EF4-FFF2-40B4-BE49-F238E27FC236}">
+                <a16:creationId xmlns:a16="http://schemas.microsoft.com/office/drawing/2014/main" id="{47042E3A-F0B1-4B26-A7C6-545AFB40AC78}"/>
+              </a:ext>
+            </a:extLst>
+          </p:cNvPr>
+          <p:cNvGraphicFramePr>
+            <a:graphicFrameLocks noGrp="1"/>
+          </p:cNvGraphicFramePr>
+          <p:nvPr>
+            <p:ph idx="1"/>
+          </p:nvPr>
+        </p:nvGraphicFramePr>
+        <p:xfrm>
+          <a:off x="838200" y="1825625"/>
+          <a:ext cx="10515600" cy="4351338"/>
+        </p:xfrm>
+        <a:graphic>
+          <a:graphicData uri="http://schemas.openxmlformats.org/drawingml/2006/diagram">
+            <dgm:relIds xmlns:dgm="http://schemas.openxmlformats.org/drawingml/2006/diagram" xmlns:r="http://schemas.openxmlformats.org/officeDocument/2006/relationships" r:dm="rId2" r:lo="rId3" r:qs="rId4" r:cs="rId5"/>
+          </a:graphicData>
+        </a:graphic>
+      </p:graphicFrame>
+    </p:spTree>
+    <p:extLst>
+      <p:ext uri="{BB962C8B-B14F-4D97-AF65-F5344CB8AC3E}">
+        <p14:creationId xmlns:p14="http://schemas.microsoft.com/office/powerpoint/2010/main" val="4194462224"/>
       </p:ext>
     </p:extLst>
   </p:cSld>
